--- a/LIVRABLE-1/Projet Madera.pptx
+++ b/LIVRABLE-1/Projet Madera.pptx
@@ -112,6 +112,11 @@
       </a:defRPr>
     </a:lvl9pPr>
   </p:defaultTextStyle>
+  <p:extLst>
+    <p:ext uri="{EFAFB233-063F-42B5-8137-9DF3F51BA10A}">
+      <p15:sldGuideLst xmlns:p15="http://schemas.microsoft.com/office/powerpoint/2012/main"/>
+    </p:ext>
+  </p:extLst>
 </p:presentation>
 </file>
 
@@ -390,7 +395,7 @@
             <a:fld id="{B61BEF0D-F0BB-DE4B-95CE-6DB70DBA9567}" type="datetimeFigureOut">
               <a:rPr lang="en-US" smtClean="0"/>
               <a:pPr/>
-              <a:t>3/31/2019</a:t>
+              <a:t>4/7/2019</a:t>
             </a:fld>
             <a:endParaRPr lang="en-US" dirty="0"/>
           </a:p>
@@ -806,7 +811,7 @@
             <a:fld id="{B61BEF0D-F0BB-DE4B-95CE-6DB70DBA9567}" type="datetimeFigureOut">
               <a:rPr lang="en-US" smtClean="0"/>
               <a:pPr/>
-              <a:t>3/31/2019</a:t>
+              <a:t>4/7/2019</a:t>
             </a:fld>
             <a:endParaRPr lang="en-US" dirty="0"/>
           </a:p>
@@ -1144,7 +1149,7 @@
             <a:fld id="{B61BEF0D-F0BB-DE4B-95CE-6DB70DBA9567}" type="datetimeFigureOut">
               <a:rPr lang="en-US" smtClean="0"/>
               <a:pPr/>
-              <a:t>3/31/2019</a:t>
+              <a:t>4/7/2019</a:t>
             </a:fld>
             <a:endParaRPr lang="en-US" dirty="0"/>
           </a:p>
@@ -1551,7 +1556,7 @@
             <a:fld id="{B61BEF0D-F0BB-DE4B-95CE-6DB70DBA9567}" type="datetimeFigureOut">
               <a:rPr lang="en-US" smtClean="0"/>
               <a:pPr/>
-              <a:t>3/31/2019</a:t>
+              <a:t>4/7/2019</a:t>
             </a:fld>
             <a:endParaRPr lang="en-US" dirty="0"/>
           </a:p>
@@ -2121,7 +2126,7 @@
             <a:fld id="{B61BEF0D-F0BB-DE4B-95CE-6DB70DBA9567}" type="datetimeFigureOut">
               <a:rPr lang="en-US" smtClean="0"/>
               <a:pPr/>
-              <a:t>3/31/2019</a:t>
+              <a:t>4/7/2019</a:t>
             </a:fld>
             <a:endParaRPr lang="en-US" dirty="0"/>
           </a:p>
@@ -2804,7 +2809,7 @@
             <a:fld id="{B61BEF0D-F0BB-DE4B-95CE-6DB70DBA9567}" type="datetimeFigureOut">
               <a:rPr lang="en-US" smtClean="0"/>
               <a:pPr/>
-              <a:t>3/31/2019</a:t>
+              <a:t>4/7/2019</a:t>
             </a:fld>
             <a:endParaRPr lang="en-US" dirty="0"/>
           </a:p>
@@ -3719,7 +3724,7 @@
             <a:fld id="{B61BEF0D-F0BB-DE4B-95CE-6DB70DBA9567}" type="datetimeFigureOut">
               <a:rPr lang="en-US" smtClean="0"/>
               <a:pPr/>
-              <a:t>3/31/2019</a:t>
+              <a:t>4/7/2019</a:t>
             </a:fld>
             <a:endParaRPr lang="en-US" dirty="0"/>
           </a:p>
@@ -4034,7 +4039,7 @@
             <a:fld id="{B61BEF0D-F0BB-DE4B-95CE-6DB70DBA9567}" type="datetimeFigureOut">
               <a:rPr lang="en-US" smtClean="0"/>
               <a:pPr/>
-              <a:t>3/31/2019</a:t>
+              <a:t>4/7/2019</a:t>
             </a:fld>
             <a:endParaRPr lang="en-US" dirty="0"/>
           </a:p>
@@ -4300,7 +4305,7 @@
             <a:fld id="{B61BEF0D-F0BB-DE4B-95CE-6DB70DBA9567}" type="datetimeFigureOut">
               <a:rPr lang="en-US" smtClean="0"/>
               <a:pPr/>
-              <a:t>3/31/2019</a:t>
+              <a:t>4/7/2019</a:t>
             </a:fld>
             <a:endParaRPr lang="en-US" dirty="0"/>
           </a:p>
@@ -4625,7 +4630,7 @@
             <a:fld id="{B61BEF0D-F0BB-DE4B-95CE-6DB70DBA9567}" type="datetimeFigureOut">
               <a:rPr lang="en-US" smtClean="0"/>
               <a:pPr/>
-              <a:t>3/31/2019</a:t>
+              <a:t>4/7/2019</a:t>
             </a:fld>
             <a:endParaRPr lang="en-US" dirty="0"/>
           </a:p>
@@ -5016,7 +5021,7 @@
             <a:fld id="{B61BEF0D-F0BB-DE4B-95CE-6DB70DBA9567}" type="datetimeFigureOut">
               <a:rPr lang="en-US" smtClean="0"/>
               <a:pPr/>
-              <a:t>3/31/2019</a:t>
+              <a:t>4/7/2019</a:t>
             </a:fld>
             <a:endParaRPr lang="en-US" dirty="0"/>
           </a:p>
@@ -5394,7 +5399,7 @@
             <a:fld id="{B61BEF0D-F0BB-DE4B-95CE-6DB70DBA9567}" type="datetimeFigureOut">
               <a:rPr lang="en-US" smtClean="0"/>
               <a:pPr/>
-              <a:t>3/31/2019</a:t>
+              <a:t>4/7/2019</a:t>
             </a:fld>
             <a:endParaRPr lang="en-US" dirty="0"/>
           </a:p>
@@ -5902,7 +5907,7 @@
             <a:fld id="{B61BEF0D-F0BB-DE4B-95CE-6DB70DBA9567}" type="datetimeFigureOut">
               <a:rPr lang="en-US" smtClean="0"/>
               <a:pPr/>
-              <a:t>3/31/2019</a:t>
+              <a:t>4/7/2019</a:t>
             </a:fld>
             <a:endParaRPr lang="en-US" dirty="0"/>
           </a:p>
@@ -6161,7 +6166,7 @@
             <a:fld id="{B61BEF0D-F0BB-DE4B-95CE-6DB70DBA9567}" type="datetimeFigureOut">
               <a:rPr lang="en-US" smtClean="0"/>
               <a:pPr/>
-              <a:t>3/31/2019</a:t>
+              <a:t>4/7/2019</a:t>
             </a:fld>
             <a:endParaRPr lang="en-US" dirty="0"/>
           </a:p>
@@ -6326,7 +6331,7 @@
             <a:fld id="{B61BEF0D-F0BB-DE4B-95CE-6DB70DBA9567}" type="datetimeFigureOut">
               <a:rPr lang="en-US" smtClean="0"/>
               <a:pPr/>
-              <a:t>3/31/2019</a:t>
+              <a:t>4/7/2019</a:t>
             </a:fld>
             <a:endParaRPr lang="en-US" dirty="0"/>
           </a:p>
@@ -6718,7 +6723,7 @@
             <a:fld id="{B61BEF0D-F0BB-DE4B-95CE-6DB70DBA9567}" type="datetimeFigureOut">
               <a:rPr lang="en-US" smtClean="0"/>
               <a:pPr/>
-              <a:t>3/31/2019</a:t>
+              <a:t>4/7/2019</a:t>
             </a:fld>
             <a:endParaRPr lang="en-US" dirty="0"/>
           </a:p>
@@ -7129,7 +7134,7 @@
             <a:fld id="{B61BEF0D-F0BB-DE4B-95CE-6DB70DBA9567}" type="datetimeFigureOut">
               <a:rPr lang="en-US" smtClean="0"/>
               <a:pPr/>
-              <a:t>3/31/2019</a:t>
+              <a:t>4/7/2019</a:t>
             </a:fld>
             <a:endParaRPr lang="en-US" dirty="0"/>
           </a:p>
@@ -7375,7 +7380,7 @@
             <a:fld id="{B61BEF0D-F0BB-DE4B-95CE-6DB70DBA9567}" type="datetimeFigureOut">
               <a:rPr lang="en-US" smtClean="0"/>
               <a:pPr/>
-              <a:t>3/31/2019</a:t>
+              <a:t>4/7/2019</a:t>
             </a:fld>
             <a:endParaRPr lang="en-US" dirty="0"/>
           </a:p>
@@ -8436,7 +8441,7 @@
         </p:nvSpPr>
         <p:spPr>
           <a:xfrm>
-            <a:off x="680322" y="753228"/>
+            <a:off x="729018" y="770933"/>
             <a:ext cx="3679028" cy="1080938"/>
           </a:xfrm>
         </p:spPr>
@@ -8447,7 +8452,7 @@
           <a:lstStyle/>
           <a:p>
             <a:r>
-              <a:rPr lang="fr-FR" sz="3200"/>
+              <a:rPr lang="fr-FR" sz="3200" dirty="0"/>
               <a:t>Introduction</a:t>
             </a:r>
           </a:p>
@@ -8516,7 +8521,7 @@
         </p:nvSpPr>
         <p:spPr>
           <a:xfrm>
-            <a:off x="680322" y="2336873"/>
+            <a:off x="729018" y="1518211"/>
             <a:ext cx="3581635" cy="3599316"/>
           </a:xfrm>
         </p:spPr>
@@ -8553,6 +8558,34 @@
           </a:p>
         </p:txBody>
       </p:sp>
+      <p:pic>
+        <p:nvPicPr>
+          <p:cNvPr id="10" name="Image 9">
+            <a:extLst>
+              <a:ext uri="{FF2B5EF4-FFF2-40B4-BE49-F238E27FC236}">
+                <a16:creationId xmlns:a16="http://schemas.microsoft.com/office/drawing/2014/main" id="{F3B07CF8-509B-4A39-8780-CD557EA55FE2}"/>
+              </a:ext>
+            </a:extLst>
+          </p:cNvPr>
+          <p:cNvPicPr/>
+          <p:nvPr/>
+        </p:nvPicPr>
+        <p:blipFill>
+          <a:blip r:embed="rId5"/>
+          <a:stretch>
+            <a:fillRect/>
+          </a:stretch>
+        </p:blipFill>
+        <p:spPr>
+          <a:xfrm>
+            <a:off x="472221" y="2936925"/>
+            <a:ext cx="4271229" cy="3599316"/>
+          </a:xfrm>
+          <a:prstGeom prst="rect">
+            <a:avLst/>
+          </a:prstGeom>
+        </p:spPr>
+      </p:pic>
     </p:spTree>
     <p:extLst>
       <p:ext uri="{BB962C8B-B14F-4D97-AF65-F5344CB8AC3E}">
@@ -8723,31 +8756,35 @@
           </a:p>
         </p:txBody>
       </p:sp>
-      <p:sp>
-        <p:nvSpPr>
-          <p:cNvPr id="3" name="Espace réservé du contenu 2">
+      <p:pic>
+        <p:nvPicPr>
+          <p:cNvPr id="9" name="Espace réservé du contenu 8">
             <a:extLst>
               <a:ext uri="{FF2B5EF4-FFF2-40B4-BE49-F238E27FC236}">
-                <a16:creationId xmlns:a16="http://schemas.microsoft.com/office/drawing/2014/main" id="{A4ED85C9-87F0-406D-8FCF-F80FC55B5FAB}"/>
+                <a16:creationId xmlns:a16="http://schemas.microsoft.com/office/drawing/2014/main" id="{78297BC7-06ED-4BB2-A93C-905C0AF58B6C}"/>
               </a:ext>
             </a:extLst>
           </p:cNvPr>
-          <p:cNvSpPr>
-            <a:spLocks noGrp="1"/>
-          </p:cNvSpPr>
+          <p:cNvPicPr>
+            <a:picLocks noGrp="1" noChangeAspect="1"/>
+          </p:cNvPicPr>
           <p:nvPr>
             <p:ph idx="1"/>
           </p:nvPr>
-        </p:nvSpPr>
-        <p:spPr/>
-        <p:txBody>
-          <a:bodyPr/>
-          <a:lstStyle/>
-          <a:p>
-            <a:endParaRPr lang="fr-FR"/>
-          </a:p>
-        </p:txBody>
-      </p:sp>
+        </p:nvPicPr>
+        <p:blipFill>
+          <a:blip r:embed="rId2"/>
+          <a:stretch>
+            <a:fillRect/>
+          </a:stretch>
+        </p:blipFill>
+        <p:spPr>
+          <a:xfrm>
+            <a:off x="680321" y="2022475"/>
+            <a:ext cx="10328820" cy="4614942"/>
+          </a:xfrm>
+        </p:spPr>
+      </p:pic>
     </p:spTree>
     <p:extLst>
       <p:ext uri="{BB962C8B-B14F-4D97-AF65-F5344CB8AC3E}">

--- a/LIVRABLE-1/Projet Madera.pptx
+++ b/LIVRABLE-1/Projet Madera.pptx
@@ -395,7 +395,7 @@
             <a:fld id="{B61BEF0D-F0BB-DE4B-95CE-6DB70DBA9567}" type="datetimeFigureOut">
               <a:rPr lang="en-US" smtClean="0"/>
               <a:pPr/>
-              <a:t>4/7/2019</a:t>
+              <a:t>4/10/2019</a:t>
             </a:fld>
             <a:endParaRPr lang="en-US" dirty="0"/>
           </a:p>
@@ -811,7 +811,7 @@
             <a:fld id="{B61BEF0D-F0BB-DE4B-95CE-6DB70DBA9567}" type="datetimeFigureOut">
               <a:rPr lang="en-US" smtClean="0"/>
               <a:pPr/>
-              <a:t>4/7/2019</a:t>
+              <a:t>4/10/2019</a:t>
             </a:fld>
             <a:endParaRPr lang="en-US" dirty="0"/>
           </a:p>
@@ -1149,7 +1149,7 @@
             <a:fld id="{B61BEF0D-F0BB-DE4B-95CE-6DB70DBA9567}" type="datetimeFigureOut">
               <a:rPr lang="en-US" smtClean="0"/>
               <a:pPr/>
-              <a:t>4/7/2019</a:t>
+              <a:t>4/10/2019</a:t>
             </a:fld>
             <a:endParaRPr lang="en-US" dirty="0"/>
           </a:p>
@@ -1556,7 +1556,7 @@
             <a:fld id="{B61BEF0D-F0BB-DE4B-95CE-6DB70DBA9567}" type="datetimeFigureOut">
               <a:rPr lang="en-US" smtClean="0"/>
               <a:pPr/>
-              <a:t>4/7/2019</a:t>
+              <a:t>4/10/2019</a:t>
             </a:fld>
             <a:endParaRPr lang="en-US" dirty="0"/>
           </a:p>
@@ -2126,7 +2126,7 @@
             <a:fld id="{B61BEF0D-F0BB-DE4B-95CE-6DB70DBA9567}" type="datetimeFigureOut">
               <a:rPr lang="en-US" smtClean="0"/>
               <a:pPr/>
-              <a:t>4/7/2019</a:t>
+              <a:t>4/10/2019</a:t>
             </a:fld>
             <a:endParaRPr lang="en-US" dirty="0"/>
           </a:p>
@@ -2809,7 +2809,7 @@
             <a:fld id="{B61BEF0D-F0BB-DE4B-95CE-6DB70DBA9567}" type="datetimeFigureOut">
               <a:rPr lang="en-US" smtClean="0"/>
               <a:pPr/>
-              <a:t>4/7/2019</a:t>
+              <a:t>4/10/2019</a:t>
             </a:fld>
             <a:endParaRPr lang="en-US" dirty="0"/>
           </a:p>
@@ -3724,7 +3724,7 @@
             <a:fld id="{B61BEF0D-F0BB-DE4B-95CE-6DB70DBA9567}" type="datetimeFigureOut">
               <a:rPr lang="en-US" smtClean="0"/>
               <a:pPr/>
-              <a:t>4/7/2019</a:t>
+              <a:t>4/10/2019</a:t>
             </a:fld>
             <a:endParaRPr lang="en-US" dirty="0"/>
           </a:p>
@@ -4039,7 +4039,7 @@
             <a:fld id="{B61BEF0D-F0BB-DE4B-95CE-6DB70DBA9567}" type="datetimeFigureOut">
               <a:rPr lang="en-US" smtClean="0"/>
               <a:pPr/>
-              <a:t>4/7/2019</a:t>
+              <a:t>4/10/2019</a:t>
             </a:fld>
             <a:endParaRPr lang="en-US" dirty="0"/>
           </a:p>
@@ -4305,7 +4305,7 @@
             <a:fld id="{B61BEF0D-F0BB-DE4B-95CE-6DB70DBA9567}" type="datetimeFigureOut">
               <a:rPr lang="en-US" smtClean="0"/>
               <a:pPr/>
-              <a:t>4/7/2019</a:t>
+              <a:t>4/10/2019</a:t>
             </a:fld>
             <a:endParaRPr lang="en-US" dirty="0"/>
           </a:p>
@@ -4630,7 +4630,7 @@
             <a:fld id="{B61BEF0D-F0BB-DE4B-95CE-6DB70DBA9567}" type="datetimeFigureOut">
               <a:rPr lang="en-US" smtClean="0"/>
               <a:pPr/>
-              <a:t>4/7/2019</a:t>
+              <a:t>4/10/2019</a:t>
             </a:fld>
             <a:endParaRPr lang="en-US" dirty="0"/>
           </a:p>
@@ -5021,7 +5021,7 @@
             <a:fld id="{B61BEF0D-F0BB-DE4B-95CE-6DB70DBA9567}" type="datetimeFigureOut">
               <a:rPr lang="en-US" smtClean="0"/>
               <a:pPr/>
-              <a:t>4/7/2019</a:t>
+              <a:t>4/10/2019</a:t>
             </a:fld>
             <a:endParaRPr lang="en-US" dirty="0"/>
           </a:p>
@@ -5399,7 +5399,7 @@
             <a:fld id="{B61BEF0D-F0BB-DE4B-95CE-6DB70DBA9567}" type="datetimeFigureOut">
               <a:rPr lang="en-US" smtClean="0"/>
               <a:pPr/>
-              <a:t>4/7/2019</a:t>
+              <a:t>4/10/2019</a:t>
             </a:fld>
             <a:endParaRPr lang="en-US" dirty="0"/>
           </a:p>
@@ -5907,7 +5907,7 @@
             <a:fld id="{B61BEF0D-F0BB-DE4B-95CE-6DB70DBA9567}" type="datetimeFigureOut">
               <a:rPr lang="en-US" smtClean="0"/>
               <a:pPr/>
-              <a:t>4/7/2019</a:t>
+              <a:t>4/10/2019</a:t>
             </a:fld>
             <a:endParaRPr lang="en-US" dirty="0"/>
           </a:p>
@@ -6166,7 +6166,7 @@
             <a:fld id="{B61BEF0D-F0BB-DE4B-95CE-6DB70DBA9567}" type="datetimeFigureOut">
               <a:rPr lang="en-US" smtClean="0"/>
               <a:pPr/>
-              <a:t>4/7/2019</a:t>
+              <a:t>4/10/2019</a:t>
             </a:fld>
             <a:endParaRPr lang="en-US" dirty="0"/>
           </a:p>
@@ -6331,7 +6331,7 @@
             <a:fld id="{B61BEF0D-F0BB-DE4B-95CE-6DB70DBA9567}" type="datetimeFigureOut">
               <a:rPr lang="en-US" smtClean="0"/>
               <a:pPr/>
-              <a:t>4/7/2019</a:t>
+              <a:t>4/10/2019</a:t>
             </a:fld>
             <a:endParaRPr lang="en-US" dirty="0"/>
           </a:p>
@@ -6723,7 +6723,7 @@
             <a:fld id="{B61BEF0D-F0BB-DE4B-95CE-6DB70DBA9567}" type="datetimeFigureOut">
               <a:rPr lang="en-US" smtClean="0"/>
               <a:pPr/>
-              <a:t>4/7/2019</a:t>
+              <a:t>4/10/2019</a:t>
             </a:fld>
             <a:endParaRPr lang="en-US" dirty="0"/>
           </a:p>
@@ -7134,7 +7134,7 @@
             <a:fld id="{B61BEF0D-F0BB-DE4B-95CE-6DB70DBA9567}" type="datetimeFigureOut">
               <a:rPr lang="en-US" smtClean="0"/>
               <a:pPr/>
-              <a:t>4/7/2019</a:t>
+              <a:t>4/10/2019</a:t>
             </a:fld>
             <a:endParaRPr lang="en-US" dirty="0"/>
           </a:p>
@@ -7380,7 +7380,7 @@
             <a:fld id="{B61BEF0D-F0BB-DE4B-95CE-6DB70DBA9567}" type="datetimeFigureOut">
               <a:rPr lang="en-US" smtClean="0"/>
               <a:pPr/>
-              <a:t>4/7/2019</a:t>
+              <a:t>4/10/2019</a:t>
             </a:fld>
             <a:endParaRPr lang="en-US" dirty="0"/>
           </a:p>
@@ -8657,45 +8657,61 @@
       </p:sp>
       <p:pic>
         <p:nvPicPr>
-          <p:cNvPr id="4" name="Espace réservé du contenu 3">
+          <p:cNvPr id="7" name="Espace réservé du contenu 6">
             <a:extLst>
               <a:ext uri="{FF2B5EF4-FFF2-40B4-BE49-F238E27FC236}">
-                <a16:creationId xmlns:a16="http://schemas.microsoft.com/office/drawing/2014/main" id="{0D8C0BA6-3BDC-4B93-889D-8123AC13DD80}"/>
+                <a16:creationId xmlns:a16="http://schemas.microsoft.com/office/drawing/2014/main" id="{5C26E003-7F5E-42E7-9611-E4C2512C75F3}"/>
               </a:ext>
             </a:extLst>
           </p:cNvPr>
           <p:cNvPicPr>
-            <a:picLocks noGrp="1"/>
+            <a:picLocks noGrp="1" noChangeAspect="1"/>
           </p:cNvPicPr>
           <p:nvPr>
             <p:ph idx="1"/>
           </p:nvPr>
         </p:nvPicPr>
         <p:blipFill>
-          <a:blip r:embed="rId2">
-            <a:extLst>
-              <a:ext uri="{28A0092B-C50C-407E-A947-70E740481C1C}">
-                <a14:useLocalDpi xmlns:a14="http://schemas.microsoft.com/office/drawing/2010/main" val="0"/>
-              </a:ext>
-            </a:extLst>
-          </a:blip>
-          <a:srcRect/>
+          <a:blip r:embed="rId2"/>
           <a:stretch>
             <a:fillRect/>
           </a:stretch>
         </p:blipFill>
-        <p:spPr bwMode="auto">
-          <a:xfrm>
-            <a:off x="123825" y="2552701"/>
-            <a:ext cx="11982449" cy="3676650"/>
+        <p:spPr>
+          <a:xfrm>
+            <a:off x="680321" y="2160188"/>
+            <a:ext cx="11102104" cy="2516588"/>
+          </a:xfrm>
+        </p:spPr>
+      </p:pic>
+      <p:pic>
+        <p:nvPicPr>
+          <p:cNvPr id="9" name="Image 8">
+            <a:extLst>
+              <a:ext uri="{FF2B5EF4-FFF2-40B4-BE49-F238E27FC236}">
+                <a16:creationId xmlns:a16="http://schemas.microsoft.com/office/drawing/2014/main" id="{4B95FBBC-58F7-4A35-BE20-02B9FEE49921}"/>
+              </a:ext>
+            </a:extLst>
+          </p:cNvPr>
+          <p:cNvPicPr>
+            <a:picLocks noChangeAspect="1"/>
+          </p:cNvPicPr>
+          <p:nvPr/>
+        </p:nvPicPr>
+        <p:blipFill>
+          <a:blip r:embed="rId3"/>
+          <a:stretch>
+            <a:fillRect/>
+          </a:stretch>
+        </p:blipFill>
+        <p:spPr>
+          <a:xfrm>
+            <a:off x="680321" y="3815242"/>
+            <a:ext cx="11102104" cy="2199315"/>
           </a:xfrm>
           <a:prstGeom prst="rect">
             <a:avLst/>
           </a:prstGeom>
-          <a:noFill/>
-          <a:ln>
-            <a:noFill/>
-          </a:ln>
         </p:spPr>
       </p:pic>
     </p:spTree>
@@ -8758,10 +8774,10 @@
       </p:sp>
       <p:pic>
         <p:nvPicPr>
-          <p:cNvPr id="9" name="Espace réservé du contenu 8">
+          <p:cNvPr id="6" name="Espace réservé du contenu 5">
             <a:extLst>
               <a:ext uri="{FF2B5EF4-FFF2-40B4-BE49-F238E27FC236}">
-                <a16:creationId xmlns:a16="http://schemas.microsoft.com/office/drawing/2014/main" id="{78297BC7-06ED-4BB2-A93C-905C0AF58B6C}"/>
+                <a16:creationId xmlns:a16="http://schemas.microsoft.com/office/drawing/2014/main" id="{EB7AD893-C922-458A-B672-48FD91620F85}"/>
               </a:ext>
             </a:extLst>
           </p:cNvPr>
@@ -8780,8 +8796,8 @@
         </p:blipFill>
         <p:spPr>
           <a:xfrm>
-            <a:off x="680321" y="2022475"/>
-            <a:ext cx="10328820" cy="4614942"/>
+            <a:off x="681038" y="2474716"/>
+            <a:ext cx="11034712" cy="3814133"/>
           </a:xfrm>
         </p:spPr>
       </p:pic>
@@ -8996,49 +9012,6 @@
           </a:p>
         </p:txBody>
       </p:sp>
-      <p:pic>
-        <p:nvPicPr>
-          <p:cNvPr id="4" name="Espace réservé du contenu 3">
-            <a:extLst>
-              <a:ext uri="{FF2B5EF4-FFF2-40B4-BE49-F238E27FC236}">
-                <a16:creationId xmlns:a16="http://schemas.microsoft.com/office/drawing/2014/main" id="{0C13EB97-FB86-4CB2-A110-1EA97183154B}"/>
-              </a:ext>
-            </a:extLst>
-          </p:cNvPr>
-          <p:cNvPicPr>
-            <a:picLocks noGrp="1"/>
-          </p:cNvPicPr>
-          <p:nvPr>
-            <p:ph idx="1"/>
-          </p:nvPr>
-        </p:nvPicPr>
-        <p:blipFill>
-          <a:blip r:embed="rId2" cstate="print">
-            <a:extLst>
-              <a:ext uri="{28A0092B-C50C-407E-A947-70E740481C1C}">
-                <a14:useLocalDpi xmlns:a14="http://schemas.microsoft.com/office/drawing/2010/main" val="0"/>
-              </a:ext>
-            </a:extLst>
-          </a:blip>
-          <a:srcRect/>
-          <a:stretch>
-            <a:fillRect/>
-          </a:stretch>
-        </p:blipFill>
-        <p:spPr bwMode="auto">
-          <a:xfrm>
-            <a:off x="790575" y="2886075"/>
-            <a:ext cx="7573755" cy="3467100"/>
-          </a:xfrm>
-          <a:prstGeom prst="rect">
-            <a:avLst/>
-          </a:prstGeom>
-          <a:noFill/>
-          <a:ln>
-            <a:noFill/>
-          </a:ln>
-        </p:spPr>
-      </p:pic>
       <p:sp>
         <p:nvSpPr>
           <p:cNvPr id="5" name="ZoneTexte 4">
@@ -9086,6 +9059,36 @@
               <a:t>Gestion des fichiers</a:t>
             </a:r>
           </a:p>
+          <a:p>
+            <a:endParaRPr lang="fr-FR" dirty="0"/>
+          </a:p>
+        </p:txBody>
+      </p:sp>
+      <p:sp>
+        <p:nvSpPr>
+          <p:cNvPr id="6" name="Espace réservé du contenu 5">
+            <a:extLst>
+              <a:ext uri="{FF2B5EF4-FFF2-40B4-BE49-F238E27FC236}">
+                <a16:creationId xmlns:a16="http://schemas.microsoft.com/office/drawing/2014/main" id="{F73F6C0D-3040-4984-B72B-B6FCD0E4E23A}"/>
+              </a:ext>
+            </a:extLst>
+          </p:cNvPr>
+          <p:cNvSpPr>
+            <a:spLocks noGrp="1"/>
+          </p:cNvSpPr>
+          <p:nvPr>
+            <p:ph idx="1"/>
+          </p:nvPr>
+        </p:nvSpPr>
+        <p:spPr>
+          <a:xfrm>
+            <a:off x="680321" y="2763001"/>
+            <a:ext cx="9613861" cy="3599316"/>
+          </a:xfrm>
+        </p:spPr>
+        <p:txBody>
+          <a:bodyPr/>
+          <a:lstStyle/>
           <a:p>
             <a:endParaRPr lang="fr-FR" dirty="0"/>
           </a:p>

--- a/LIVRABLE-1/Projet Madera.pptx
+++ b/LIVRABLE-1/Projet Madera.pptx
@@ -9064,36 +9064,38 @@
           </a:p>
         </p:txBody>
       </p:sp>
-      <p:sp>
-        <p:nvSpPr>
-          <p:cNvPr id="6" name="Espace réservé du contenu 5">
+      <p:pic>
+        <p:nvPicPr>
+          <p:cNvPr id="7" name="Espace réservé du contenu 6">
             <a:extLst>
               <a:ext uri="{FF2B5EF4-FFF2-40B4-BE49-F238E27FC236}">
-                <a16:creationId xmlns:a16="http://schemas.microsoft.com/office/drawing/2014/main" id="{F73F6C0D-3040-4984-B72B-B6FCD0E4E23A}"/>
+                <a16:creationId xmlns:a16="http://schemas.microsoft.com/office/drawing/2014/main" id="{4A9C71D2-5FA8-40F2-958F-9258D42D78D9}"/>
               </a:ext>
             </a:extLst>
           </p:cNvPr>
-          <p:cNvSpPr>
-            <a:spLocks noGrp="1"/>
-          </p:cNvSpPr>
+          <p:cNvPicPr>
+            <a:picLocks noGrp="1"/>
+          </p:cNvPicPr>
           <p:nvPr>
             <p:ph idx="1"/>
           </p:nvPr>
-        </p:nvSpPr>
-        <p:spPr>
-          <a:xfrm>
-            <a:off x="680321" y="2763001"/>
-            <a:ext cx="9613861" cy="3599316"/>
-          </a:xfrm>
-        </p:spPr>
-        <p:txBody>
-          <a:bodyPr/>
-          <a:lstStyle/>
-          <a:p>
-            <a:endParaRPr lang="fr-FR" dirty="0"/>
-          </a:p>
-        </p:txBody>
-      </p:sp>
+        </p:nvPicPr>
+        <p:blipFill>
+          <a:blip r:embed="rId2"/>
+          <a:stretch>
+            <a:fillRect/>
+          </a:stretch>
+        </p:blipFill>
+        <p:spPr>
+          <a:xfrm>
+            <a:off x="2238375" y="2797761"/>
+            <a:ext cx="6389778" cy="3600450"/>
+          </a:xfrm>
+          <a:prstGeom prst="rect">
+            <a:avLst/>
+          </a:prstGeom>
+        </p:spPr>
+      </p:pic>
     </p:spTree>
     <p:extLst>
       <p:ext uri="{BB962C8B-B14F-4D97-AF65-F5344CB8AC3E}">

--- a/LIVRABLE-1/Projet Madera.pptx
+++ b/LIVRABLE-1/Projet Madera.pptx
@@ -4,16 +4,21 @@
   <p:sldMasterIdLst>
     <p:sldMasterId id="2147483669" r:id="rId1"/>
   </p:sldMasterIdLst>
+  <p:notesMasterIdLst>
+    <p:notesMasterId r:id="rId13"/>
+  </p:notesMasterIdLst>
   <p:sldIdLst>
     <p:sldId id="256" r:id="rId2"/>
     <p:sldId id="257" r:id="rId3"/>
     <p:sldId id="258" r:id="rId4"/>
-    <p:sldId id="259" r:id="rId5"/>
-    <p:sldId id="260" r:id="rId6"/>
-    <p:sldId id="261" r:id="rId7"/>
-    <p:sldId id="262" r:id="rId8"/>
-    <p:sldId id="263" r:id="rId9"/>
-    <p:sldId id="264" r:id="rId10"/>
+    <p:sldId id="266" r:id="rId5"/>
+    <p:sldId id="259" r:id="rId6"/>
+    <p:sldId id="260" r:id="rId7"/>
+    <p:sldId id="261" r:id="rId8"/>
+    <p:sldId id="262" r:id="rId9"/>
+    <p:sldId id="263" r:id="rId10"/>
+    <p:sldId id="264" r:id="rId11"/>
+    <p:sldId id="265" r:id="rId12"/>
   </p:sldIdLst>
   <p:sldSz cx="12192000" cy="6858000"/>
   <p:notesSz cx="6858000" cy="9144000"/>
@@ -120,6 +125,1099 @@
 </p:presentation>
 </file>
 
+<file path=ppt/notesMasters/notesMaster1.xml><?xml version="1.0" encoding="utf-8"?>
+<p:notesMaster xmlns:a="http://schemas.openxmlformats.org/drawingml/2006/main" xmlns:r="http://schemas.openxmlformats.org/officeDocument/2006/relationships" xmlns:p="http://schemas.openxmlformats.org/presentationml/2006/main">
+  <p:cSld>
+    <p:bg>
+      <p:bgRef idx="1001">
+        <a:schemeClr val="bg1"/>
+      </p:bgRef>
+    </p:bg>
+    <p:spTree>
+      <p:nvGrpSpPr>
+        <p:cNvPr id="1" name=""/>
+        <p:cNvGrpSpPr/>
+        <p:nvPr/>
+      </p:nvGrpSpPr>
+      <p:grpSpPr>
+        <a:xfrm>
+          <a:off x="0" y="0"/>
+          <a:ext cx="0" cy="0"/>
+          <a:chOff x="0" y="0"/>
+          <a:chExt cx="0" cy="0"/>
+        </a:xfrm>
+      </p:grpSpPr>
+      <p:sp>
+        <p:nvSpPr>
+          <p:cNvPr id="2" name="Espace réservé de l'en-tête 1"/>
+          <p:cNvSpPr>
+            <a:spLocks noGrp="1"/>
+          </p:cNvSpPr>
+          <p:nvPr>
+            <p:ph type="hdr" sz="quarter"/>
+          </p:nvPr>
+        </p:nvSpPr>
+        <p:spPr>
+          <a:xfrm>
+            <a:off x="0" y="0"/>
+            <a:ext cx="2971800" cy="458788"/>
+          </a:xfrm>
+          <a:prstGeom prst="rect">
+            <a:avLst/>
+          </a:prstGeom>
+        </p:spPr>
+        <p:txBody>
+          <a:bodyPr vert="horz" lIns="91440" tIns="45720" rIns="91440" bIns="45720" rtlCol="0"/>
+          <a:lstStyle>
+            <a:lvl1pPr algn="l">
+              <a:defRPr sz="1200"/>
+            </a:lvl1pPr>
+          </a:lstStyle>
+          <a:p>
+            <a:endParaRPr lang="fr-FR"/>
+          </a:p>
+        </p:txBody>
+      </p:sp>
+      <p:sp>
+        <p:nvSpPr>
+          <p:cNvPr id="3" name="Espace réservé de la date 2"/>
+          <p:cNvSpPr>
+            <a:spLocks noGrp="1"/>
+          </p:cNvSpPr>
+          <p:nvPr>
+            <p:ph type="dt" idx="1"/>
+          </p:nvPr>
+        </p:nvSpPr>
+        <p:spPr>
+          <a:xfrm>
+            <a:off x="3884613" y="0"/>
+            <a:ext cx="2971800" cy="458788"/>
+          </a:xfrm>
+          <a:prstGeom prst="rect">
+            <a:avLst/>
+          </a:prstGeom>
+        </p:spPr>
+        <p:txBody>
+          <a:bodyPr vert="horz" lIns="91440" tIns="45720" rIns="91440" bIns="45720" rtlCol="0"/>
+          <a:lstStyle>
+            <a:lvl1pPr algn="r">
+              <a:defRPr sz="1200"/>
+            </a:lvl1pPr>
+          </a:lstStyle>
+          <a:p>
+            <a:fld id="{060992A3-AC5D-4E20-9098-8DC8227FE330}" type="datetimeFigureOut">
+              <a:rPr lang="fr-FR" smtClean="0"/>
+              <a:t>12/04/2019</a:t>
+            </a:fld>
+            <a:endParaRPr lang="fr-FR"/>
+          </a:p>
+        </p:txBody>
+      </p:sp>
+      <p:sp>
+        <p:nvSpPr>
+          <p:cNvPr id="4" name="Espace réservé de l'image des diapositives 3"/>
+          <p:cNvSpPr>
+            <a:spLocks noGrp="1" noRot="1" noChangeAspect="1"/>
+          </p:cNvSpPr>
+          <p:nvPr>
+            <p:ph type="sldImg" idx="2"/>
+          </p:nvPr>
+        </p:nvSpPr>
+        <p:spPr>
+          <a:xfrm>
+            <a:off x="685800" y="1143000"/>
+            <a:ext cx="5486400" cy="3086100"/>
+          </a:xfrm>
+          <a:prstGeom prst="rect">
+            <a:avLst/>
+          </a:prstGeom>
+          <a:noFill/>
+          <a:ln w="12700">
+            <a:solidFill>
+              <a:prstClr val="black"/>
+            </a:solidFill>
+          </a:ln>
+        </p:spPr>
+        <p:txBody>
+          <a:bodyPr vert="horz" lIns="91440" tIns="45720" rIns="91440" bIns="45720" rtlCol="0" anchor="ctr"/>
+          <a:lstStyle/>
+          <a:p>
+            <a:endParaRPr lang="fr-FR"/>
+          </a:p>
+        </p:txBody>
+      </p:sp>
+      <p:sp>
+        <p:nvSpPr>
+          <p:cNvPr id="5" name="Espace réservé des notes 4"/>
+          <p:cNvSpPr>
+            <a:spLocks noGrp="1"/>
+          </p:cNvSpPr>
+          <p:nvPr>
+            <p:ph type="body" sz="quarter" idx="3"/>
+          </p:nvPr>
+        </p:nvSpPr>
+        <p:spPr>
+          <a:xfrm>
+            <a:off x="685800" y="4400550"/>
+            <a:ext cx="5486400" cy="3600450"/>
+          </a:xfrm>
+          <a:prstGeom prst="rect">
+            <a:avLst/>
+          </a:prstGeom>
+        </p:spPr>
+        <p:txBody>
+          <a:bodyPr vert="horz" lIns="91440" tIns="45720" rIns="91440" bIns="45720" rtlCol="0"/>
+          <a:lstStyle/>
+          <a:p>
+            <a:pPr lvl="0"/>
+            <a:r>
+              <a:rPr lang="fr-FR"/>
+              <a:t>Cliquez pour modifier les styles du texte du masque</a:t>
+            </a:r>
+          </a:p>
+          <a:p>
+            <a:pPr lvl="1"/>
+            <a:r>
+              <a:rPr lang="fr-FR"/>
+              <a:t>Deuxième niveau</a:t>
+            </a:r>
+          </a:p>
+          <a:p>
+            <a:pPr lvl="2"/>
+            <a:r>
+              <a:rPr lang="fr-FR"/>
+              <a:t>Troisième niveau</a:t>
+            </a:r>
+          </a:p>
+          <a:p>
+            <a:pPr lvl="3"/>
+            <a:r>
+              <a:rPr lang="fr-FR"/>
+              <a:t>Quatrième niveau</a:t>
+            </a:r>
+          </a:p>
+          <a:p>
+            <a:pPr lvl="4"/>
+            <a:r>
+              <a:rPr lang="fr-FR"/>
+              <a:t>Cinquième niveau</a:t>
+            </a:r>
+          </a:p>
+        </p:txBody>
+      </p:sp>
+      <p:sp>
+        <p:nvSpPr>
+          <p:cNvPr id="6" name="Espace réservé du pied de page 5"/>
+          <p:cNvSpPr>
+            <a:spLocks noGrp="1"/>
+          </p:cNvSpPr>
+          <p:nvPr>
+            <p:ph type="ftr" sz="quarter" idx="4"/>
+          </p:nvPr>
+        </p:nvSpPr>
+        <p:spPr>
+          <a:xfrm>
+            <a:off x="0" y="8685213"/>
+            <a:ext cx="2971800" cy="458787"/>
+          </a:xfrm>
+          <a:prstGeom prst="rect">
+            <a:avLst/>
+          </a:prstGeom>
+        </p:spPr>
+        <p:txBody>
+          <a:bodyPr vert="horz" lIns="91440" tIns="45720" rIns="91440" bIns="45720" rtlCol="0" anchor="b"/>
+          <a:lstStyle>
+            <a:lvl1pPr algn="l">
+              <a:defRPr sz="1200"/>
+            </a:lvl1pPr>
+          </a:lstStyle>
+          <a:p>
+            <a:endParaRPr lang="fr-FR"/>
+          </a:p>
+        </p:txBody>
+      </p:sp>
+      <p:sp>
+        <p:nvSpPr>
+          <p:cNvPr id="7" name="Espace réservé du numéro de diapositive 6"/>
+          <p:cNvSpPr>
+            <a:spLocks noGrp="1"/>
+          </p:cNvSpPr>
+          <p:nvPr>
+            <p:ph type="sldNum" sz="quarter" idx="5"/>
+          </p:nvPr>
+        </p:nvSpPr>
+        <p:spPr>
+          <a:xfrm>
+            <a:off x="3884613" y="8685213"/>
+            <a:ext cx="2971800" cy="458787"/>
+          </a:xfrm>
+          <a:prstGeom prst="rect">
+            <a:avLst/>
+          </a:prstGeom>
+        </p:spPr>
+        <p:txBody>
+          <a:bodyPr vert="horz" lIns="91440" tIns="45720" rIns="91440" bIns="45720" rtlCol="0" anchor="b"/>
+          <a:lstStyle>
+            <a:lvl1pPr algn="r">
+              <a:defRPr sz="1200"/>
+            </a:lvl1pPr>
+          </a:lstStyle>
+          <a:p>
+            <a:fld id="{A4398319-E21C-4226-9771-24912F5B4C11}" type="slidenum">
+              <a:rPr lang="fr-FR" smtClean="0"/>
+              <a:t>‹N°›</a:t>
+            </a:fld>
+            <a:endParaRPr lang="fr-FR"/>
+          </a:p>
+        </p:txBody>
+      </p:sp>
+    </p:spTree>
+    <p:extLst>
+      <p:ext uri="{BB962C8B-B14F-4D97-AF65-F5344CB8AC3E}">
+        <p14:creationId xmlns:p14="http://schemas.microsoft.com/office/powerpoint/2010/main" val="4173115724"/>
+      </p:ext>
+    </p:extLst>
+  </p:cSld>
+  <p:clrMap bg1="lt1" tx1="dk1" bg2="lt2" tx2="dk2" accent1="accent1" accent2="accent2" accent3="accent3" accent4="accent4" accent5="accent5" accent6="accent6" hlink="hlink" folHlink="folHlink"/>
+  <p:notesStyle>
+    <a:lvl1pPr marL="0" algn="l" defTabSz="914400" rtl="0" eaLnBrk="1" latinLnBrk="0" hangingPunct="1">
+      <a:defRPr sz="1200" kern="1200">
+        <a:solidFill>
+          <a:schemeClr val="tx1"/>
+        </a:solidFill>
+        <a:latin typeface="+mn-lt"/>
+        <a:ea typeface="+mn-ea"/>
+        <a:cs typeface="+mn-cs"/>
+      </a:defRPr>
+    </a:lvl1pPr>
+    <a:lvl2pPr marL="457200" algn="l" defTabSz="914400" rtl="0" eaLnBrk="1" latinLnBrk="0" hangingPunct="1">
+      <a:defRPr sz="1200" kern="1200">
+        <a:solidFill>
+          <a:schemeClr val="tx1"/>
+        </a:solidFill>
+        <a:latin typeface="+mn-lt"/>
+        <a:ea typeface="+mn-ea"/>
+        <a:cs typeface="+mn-cs"/>
+      </a:defRPr>
+    </a:lvl2pPr>
+    <a:lvl3pPr marL="914400" algn="l" defTabSz="914400" rtl="0" eaLnBrk="1" latinLnBrk="0" hangingPunct="1">
+      <a:defRPr sz="1200" kern="1200">
+        <a:solidFill>
+          <a:schemeClr val="tx1"/>
+        </a:solidFill>
+        <a:latin typeface="+mn-lt"/>
+        <a:ea typeface="+mn-ea"/>
+        <a:cs typeface="+mn-cs"/>
+      </a:defRPr>
+    </a:lvl3pPr>
+    <a:lvl4pPr marL="1371600" algn="l" defTabSz="914400" rtl="0" eaLnBrk="1" latinLnBrk="0" hangingPunct="1">
+      <a:defRPr sz="1200" kern="1200">
+        <a:solidFill>
+          <a:schemeClr val="tx1"/>
+        </a:solidFill>
+        <a:latin typeface="+mn-lt"/>
+        <a:ea typeface="+mn-ea"/>
+        <a:cs typeface="+mn-cs"/>
+      </a:defRPr>
+    </a:lvl4pPr>
+    <a:lvl5pPr marL="1828800" algn="l" defTabSz="914400" rtl="0" eaLnBrk="1" latinLnBrk="0" hangingPunct="1">
+      <a:defRPr sz="1200" kern="1200">
+        <a:solidFill>
+          <a:schemeClr val="tx1"/>
+        </a:solidFill>
+        <a:latin typeface="+mn-lt"/>
+        <a:ea typeface="+mn-ea"/>
+        <a:cs typeface="+mn-cs"/>
+      </a:defRPr>
+    </a:lvl5pPr>
+    <a:lvl6pPr marL="2286000" algn="l" defTabSz="914400" rtl="0" eaLnBrk="1" latinLnBrk="0" hangingPunct="1">
+      <a:defRPr sz="1200" kern="1200">
+        <a:solidFill>
+          <a:schemeClr val="tx1"/>
+        </a:solidFill>
+        <a:latin typeface="+mn-lt"/>
+        <a:ea typeface="+mn-ea"/>
+        <a:cs typeface="+mn-cs"/>
+      </a:defRPr>
+    </a:lvl6pPr>
+    <a:lvl7pPr marL="2743200" algn="l" defTabSz="914400" rtl="0" eaLnBrk="1" latinLnBrk="0" hangingPunct="1">
+      <a:defRPr sz="1200" kern="1200">
+        <a:solidFill>
+          <a:schemeClr val="tx1"/>
+        </a:solidFill>
+        <a:latin typeface="+mn-lt"/>
+        <a:ea typeface="+mn-ea"/>
+        <a:cs typeface="+mn-cs"/>
+      </a:defRPr>
+    </a:lvl7pPr>
+    <a:lvl8pPr marL="3200400" algn="l" defTabSz="914400" rtl="0" eaLnBrk="1" latinLnBrk="0" hangingPunct="1">
+      <a:defRPr sz="1200" kern="1200">
+        <a:solidFill>
+          <a:schemeClr val="tx1"/>
+        </a:solidFill>
+        <a:latin typeface="+mn-lt"/>
+        <a:ea typeface="+mn-ea"/>
+        <a:cs typeface="+mn-cs"/>
+      </a:defRPr>
+    </a:lvl8pPr>
+    <a:lvl9pPr marL="3657600" algn="l" defTabSz="914400" rtl="0" eaLnBrk="1" latinLnBrk="0" hangingPunct="1">
+      <a:defRPr sz="1200" kern="1200">
+        <a:solidFill>
+          <a:schemeClr val="tx1"/>
+        </a:solidFill>
+        <a:latin typeface="+mn-lt"/>
+        <a:ea typeface="+mn-ea"/>
+        <a:cs typeface="+mn-cs"/>
+      </a:defRPr>
+    </a:lvl9pPr>
+  </p:notesStyle>
+</p:notesMaster>
+</file>
+
+<file path=ppt/notesSlides/notesSlide1.xml><?xml version="1.0" encoding="utf-8"?>
+<p:notes xmlns:a="http://schemas.openxmlformats.org/drawingml/2006/main" xmlns:r="http://schemas.openxmlformats.org/officeDocument/2006/relationships" xmlns:p="http://schemas.openxmlformats.org/presentationml/2006/main">
+  <p:cSld>
+    <p:spTree>
+      <p:nvGrpSpPr>
+        <p:cNvPr id="1" name=""/>
+        <p:cNvGrpSpPr/>
+        <p:nvPr/>
+      </p:nvGrpSpPr>
+      <p:grpSpPr>
+        <a:xfrm>
+          <a:off x="0" y="0"/>
+          <a:ext cx="0" cy="0"/>
+          <a:chOff x="0" y="0"/>
+          <a:chExt cx="0" cy="0"/>
+        </a:xfrm>
+      </p:grpSpPr>
+      <p:sp>
+        <p:nvSpPr>
+          <p:cNvPr id="2" name="Espace réservé de l'image des diapositives 1"/>
+          <p:cNvSpPr>
+            <a:spLocks noGrp="1" noRot="1" noChangeAspect="1"/>
+          </p:cNvSpPr>
+          <p:nvPr>
+            <p:ph type="sldImg"/>
+          </p:nvPr>
+        </p:nvSpPr>
+        <p:spPr/>
+      </p:sp>
+      <p:sp>
+        <p:nvSpPr>
+          <p:cNvPr id="3" name="Espace réservé des notes 2"/>
+          <p:cNvSpPr>
+            <a:spLocks noGrp="1"/>
+          </p:cNvSpPr>
+          <p:nvPr>
+            <p:ph type="body" idx="1"/>
+          </p:nvPr>
+        </p:nvSpPr>
+        <p:spPr/>
+        <p:txBody>
+          <a:bodyPr/>
+          <a:lstStyle/>
+          <a:p>
+            <a:endParaRPr lang="fr-FR" dirty="0"/>
+          </a:p>
+        </p:txBody>
+      </p:sp>
+      <p:sp>
+        <p:nvSpPr>
+          <p:cNvPr id="4" name="Espace réservé du numéro de diapositive 3"/>
+          <p:cNvSpPr>
+            <a:spLocks noGrp="1"/>
+          </p:cNvSpPr>
+          <p:nvPr>
+            <p:ph type="sldNum" sz="quarter" idx="5"/>
+          </p:nvPr>
+        </p:nvSpPr>
+        <p:spPr/>
+        <p:txBody>
+          <a:bodyPr/>
+          <a:lstStyle/>
+          <a:p>
+            <a:fld id="{A4398319-E21C-4226-9771-24912F5B4C11}" type="slidenum">
+              <a:rPr lang="fr-FR" smtClean="0"/>
+              <a:t>2</a:t>
+            </a:fld>
+            <a:endParaRPr lang="fr-FR"/>
+          </a:p>
+        </p:txBody>
+      </p:sp>
+    </p:spTree>
+    <p:extLst>
+      <p:ext uri="{BB962C8B-B14F-4D97-AF65-F5344CB8AC3E}">
+        <p14:creationId xmlns:p14="http://schemas.microsoft.com/office/powerpoint/2010/main" val="3016024680"/>
+      </p:ext>
+    </p:extLst>
+  </p:cSld>
+  <p:clrMapOvr>
+    <a:masterClrMapping/>
+  </p:clrMapOvr>
+</p:notes>
+</file>
+
+<file path=ppt/notesSlides/notesSlide2.xml><?xml version="1.0" encoding="utf-8"?>
+<p:notes xmlns:a="http://schemas.openxmlformats.org/drawingml/2006/main" xmlns:r="http://schemas.openxmlformats.org/officeDocument/2006/relationships" xmlns:p="http://schemas.openxmlformats.org/presentationml/2006/main">
+  <p:cSld>
+    <p:spTree>
+      <p:nvGrpSpPr>
+        <p:cNvPr id="1" name=""/>
+        <p:cNvGrpSpPr/>
+        <p:nvPr/>
+      </p:nvGrpSpPr>
+      <p:grpSpPr>
+        <a:xfrm>
+          <a:off x="0" y="0"/>
+          <a:ext cx="0" cy="0"/>
+          <a:chOff x="0" y="0"/>
+          <a:chExt cx="0" cy="0"/>
+        </a:xfrm>
+      </p:grpSpPr>
+      <p:sp>
+        <p:nvSpPr>
+          <p:cNvPr id="2" name="Espace réservé de l'image des diapositives 1"/>
+          <p:cNvSpPr>
+            <a:spLocks noGrp="1" noRot="1" noChangeAspect="1"/>
+          </p:cNvSpPr>
+          <p:nvPr>
+            <p:ph type="sldImg"/>
+          </p:nvPr>
+        </p:nvSpPr>
+        <p:spPr/>
+      </p:sp>
+      <p:sp>
+        <p:nvSpPr>
+          <p:cNvPr id="3" name="Espace réservé des notes 2"/>
+          <p:cNvSpPr>
+            <a:spLocks noGrp="1"/>
+          </p:cNvSpPr>
+          <p:nvPr>
+            <p:ph type="body" idx="1"/>
+          </p:nvPr>
+        </p:nvSpPr>
+        <p:spPr/>
+        <p:txBody>
+          <a:bodyPr/>
+          <a:lstStyle/>
+          <a:p>
+            <a:endParaRPr lang="fr-FR" dirty="0"/>
+          </a:p>
+        </p:txBody>
+      </p:sp>
+      <p:sp>
+        <p:nvSpPr>
+          <p:cNvPr id="4" name="Espace réservé du numéro de diapositive 3"/>
+          <p:cNvSpPr>
+            <a:spLocks noGrp="1"/>
+          </p:cNvSpPr>
+          <p:nvPr>
+            <p:ph type="sldNum" sz="quarter" idx="5"/>
+          </p:nvPr>
+        </p:nvSpPr>
+        <p:spPr/>
+        <p:txBody>
+          <a:bodyPr/>
+          <a:lstStyle/>
+          <a:p>
+            <a:fld id="{A4398319-E21C-4226-9771-24912F5B4C11}" type="slidenum">
+              <a:rPr lang="fr-FR" smtClean="0"/>
+              <a:t>3</a:t>
+            </a:fld>
+            <a:endParaRPr lang="fr-FR"/>
+          </a:p>
+        </p:txBody>
+      </p:sp>
+    </p:spTree>
+    <p:extLst>
+      <p:ext uri="{BB962C8B-B14F-4D97-AF65-F5344CB8AC3E}">
+        <p14:creationId xmlns:p14="http://schemas.microsoft.com/office/powerpoint/2010/main" val="2986948688"/>
+      </p:ext>
+    </p:extLst>
+  </p:cSld>
+  <p:clrMapOvr>
+    <a:masterClrMapping/>
+  </p:clrMapOvr>
+</p:notes>
+</file>
+
+<file path=ppt/notesSlides/notesSlide3.xml><?xml version="1.0" encoding="utf-8"?>
+<p:notes xmlns:a="http://schemas.openxmlformats.org/drawingml/2006/main" xmlns:r="http://schemas.openxmlformats.org/officeDocument/2006/relationships" xmlns:p="http://schemas.openxmlformats.org/presentationml/2006/main">
+  <p:cSld>
+    <p:spTree>
+      <p:nvGrpSpPr>
+        <p:cNvPr id="1" name=""/>
+        <p:cNvGrpSpPr/>
+        <p:nvPr/>
+      </p:nvGrpSpPr>
+      <p:grpSpPr>
+        <a:xfrm>
+          <a:off x="0" y="0"/>
+          <a:ext cx="0" cy="0"/>
+          <a:chOff x="0" y="0"/>
+          <a:chExt cx="0" cy="0"/>
+        </a:xfrm>
+      </p:grpSpPr>
+      <p:sp>
+        <p:nvSpPr>
+          <p:cNvPr id="2" name="Espace réservé de l'image des diapositives 1"/>
+          <p:cNvSpPr>
+            <a:spLocks noGrp="1" noRot="1" noChangeAspect="1"/>
+          </p:cNvSpPr>
+          <p:nvPr>
+            <p:ph type="sldImg"/>
+          </p:nvPr>
+        </p:nvSpPr>
+        <p:spPr/>
+      </p:sp>
+      <p:sp>
+        <p:nvSpPr>
+          <p:cNvPr id="3" name="Espace réservé des notes 2"/>
+          <p:cNvSpPr>
+            <a:spLocks noGrp="1"/>
+          </p:cNvSpPr>
+          <p:nvPr>
+            <p:ph type="body" idx="1"/>
+          </p:nvPr>
+        </p:nvSpPr>
+        <p:spPr/>
+        <p:txBody>
+          <a:bodyPr/>
+          <a:lstStyle/>
+          <a:p>
+            <a:r>
+              <a:rPr lang="fr-FR" sz="1200" kern="1200" dirty="0">
+                <a:solidFill>
+                  <a:schemeClr val="tx1"/>
+                </a:solidFill>
+                <a:effectLst/>
+                <a:latin typeface="+mn-lt"/>
+                <a:ea typeface="+mn-ea"/>
+                <a:cs typeface="+mn-cs"/>
+              </a:rPr>
+              <a:t>Scrum Master : Allan BROCHARD </a:t>
+            </a:r>
+          </a:p>
+          <a:p>
+            <a:r>
+              <a:rPr lang="fr-FR" sz="1200" kern="1200" dirty="0">
+                <a:solidFill>
+                  <a:schemeClr val="tx1"/>
+                </a:solidFill>
+                <a:effectLst/>
+                <a:latin typeface="+mn-lt"/>
+                <a:ea typeface="+mn-ea"/>
+                <a:cs typeface="+mn-cs"/>
+              </a:rPr>
+              <a:t>Product </a:t>
+            </a:r>
+            <a:r>
+              <a:rPr lang="fr-FR" sz="1200" kern="1200" dirty="0" err="1">
+                <a:solidFill>
+                  <a:schemeClr val="tx1"/>
+                </a:solidFill>
+                <a:effectLst/>
+                <a:latin typeface="+mn-lt"/>
+                <a:ea typeface="+mn-ea"/>
+                <a:cs typeface="+mn-cs"/>
+              </a:rPr>
+              <a:t>Owner</a:t>
+            </a:r>
+            <a:r>
+              <a:rPr lang="fr-FR" sz="1200" kern="1200" dirty="0">
+                <a:solidFill>
+                  <a:schemeClr val="tx1"/>
+                </a:solidFill>
+                <a:effectLst/>
+                <a:latin typeface="+mn-lt"/>
+                <a:ea typeface="+mn-ea"/>
+                <a:cs typeface="+mn-cs"/>
+              </a:rPr>
+              <a:t> : Romain CHRETIEN</a:t>
+            </a:r>
+          </a:p>
+          <a:p>
+            <a:r>
+              <a:rPr lang="en-US" sz="1200" kern="1200" dirty="0">
+                <a:solidFill>
+                  <a:schemeClr val="tx1"/>
+                </a:solidFill>
+                <a:effectLst/>
+                <a:latin typeface="+mn-lt"/>
+                <a:ea typeface="+mn-ea"/>
+                <a:cs typeface="+mn-cs"/>
+              </a:rPr>
+              <a:t>Team de </a:t>
+            </a:r>
+            <a:r>
+              <a:rPr lang="fr-FR" sz="1200" kern="1200" dirty="0">
+                <a:solidFill>
+                  <a:schemeClr val="tx1"/>
+                </a:solidFill>
+                <a:effectLst/>
+                <a:latin typeface="+mn-lt"/>
+                <a:ea typeface="+mn-ea"/>
+                <a:cs typeface="+mn-cs"/>
+              </a:rPr>
+              <a:t>développement</a:t>
+            </a:r>
+            <a:r>
+              <a:rPr lang="en-US" sz="1200" kern="1200" dirty="0">
+                <a:solidFill>
+                  <a:schemeClr val="tx1"/>
+                </a:solidFill>
+                <a:effectLst/>
+                <a:latin typeface="+mn-lt"/>
+                <a:ea typeface="+mn-ea"/>
+                <a:cs typeface="+mn-cs"/>
+              </a:rPr>
+              <a:t>: Valentin HALLAY, Ulrich HASSED</a:t>
+            </a:r>
+            <a:endParaRPr lang="fr-FR" sz="1200" kern="1200" dirty="0">
+              <a:solidFill>
+                <a:schemeClr val="tx1"/>
+              </a:solidFill>
+              <a:effectLst/>
+              <a:latin typeface="+mn-lt"/>
+              <a:ea typeface="+mn-ea"/>
+              <a:cs typeface="+mn-cs"/>
+            </a:endParaRPr>
+          </a:p>
+          <a:p>
+            <a:endParaRPr lang="fr-FR" dirty="0"/>
+          </a:p>
+        </p:txBody>
+      </p:sp>
+      <p:sp>
+        <p:nvSpPr>
+          <p:cNvPr id="4" name="Espace réservé du numéro de diapositive 3"/>
+          <p:cNvSpPr>
+            <a:spLocks noGrp="1"/>
+          </p:cNvSpPr>
+          <p:nvPr>
+            <p:ph type="sldNum" sz="quarter" idx="5"/>
+          </p:nvPr>
+        </p:nvSpPr>
+        <p:spPr/>
+        <p:txBody>
+          <a:bodyPr/>
+          <a:lstStyle/>
+          <a:p>
+            <a:fld id="{A4398319-E21C-4226-9771-24912F5B4C11}" type="slidenum">
+              <a:rPr lang="fr-FR" smtClean="0"/>
+              <a:t>4</a:t>
+            </a:fld>
+            <a:endParaRPr lang="fr-FR"/>
+          </a:p>
+        </p:txBody>
+      </p:sp>
+    </p:spTree>
+    <p:extLst>
+      <p:ext uri="{BB962C8B-B14F-4D97-AF65-F5344CB8AC3E}">
+        <p14:creationId xmlns:p14="http://schemas.microsoft.com/office/powerpoint/2010/main" val="3884957453"/>
+      </p:ext>
+    </p:extLst>
+  </p:cSld>
+  <p:clrMapOvr>
+    <a:masterClrMapping/>
+  </p:clrMapOvr>
+</p:notes>
+</file>
+
+<file path=ppt/notesSlides/notesSlide4.xml><?xml version="1.0" encoding="utf-8"?>
+<p:notes xmlns:a="http://schemas.openxmlformats.org/drawingml/2006/main" xmlns:r="http://schemas.openxmlformats.org/officeDocument/2006/relationships" xmlns:p="http://schemas.openxmlformats.org/presentationml/2006/main">
+  <p:cSld>
+    <p:spTree>
+      <p:nvGrpSpPr>
+        <p:cNvPr id="1" name=""/>
+        <p:cNvGrpSpPr/>
+        <p:nvPr/>
+      </p:nvGrpSpPr>
+      <p:grpSpPr>
+        <a:xfrm>
+          <a:off x="0" y="0"/>
+          <a:ext cx="0" cy="0"/>
+          <a:chOff x="0" y="0"/>
+          <a:chExt cx="0" cy="0"/>
+        </a:xfrm>
+      </p:grpSpPr>
+      <p:sp>
+        <p:nvSpPr>
+          <p:cNvPr id="2" name="Espace réservé de l'image des diapositives 1"/>
+          <p:cNvSpPr>
+            <a:spLocks noGrp="1" noRot="1" noChangeAspect="1"/>
+          </p:cNvSpPr>
+          <p:nvPr>
+            <p:ph type="sldImg"/>
+          </p:nvPr>
+        </p:nvSpPr>
+        <p:spPr/>
+      </p:sp>
+      <p:sp>
+        <p:nvSpPr>
+          <p:cNvPr id="3" name="Espace réservé des notes 2"/>
+          <p:cNvSpPr>
+            <a:spLocks noGrp="1"/>
+          </p:cNvSpPr>
+          <p:nvPr>
+            <p:ph type="body" idx="1"/>
+          </p:nvPr>
+        </p:nvSpPr>
+        <p:spPr/>
+        <p:txBody>
+          <a:bodyPr/>
+          <a:lstStyle/>
+          <a:p>
+            <a:r>
+              <a:rPr lang="fr-FR" dirty="0"/>
+              <a:t>Frises chronologique du livrable 1 et du projet complet, </a:t>
+            </a:r>
+          </a:p>
+          <a:p>
+            <a:endParaRPr lang="fr-FR" dirty="0"/>
+          </a:p>
+          <a:p>
+            <a:endParaRPr lang="fr-FR" dirty="0"/>
+          </a:p>
+          <a:p>
+            <a:r>
+              <a:rPr lang="fr-FR" dirty="0"/>
+              <a:t>Livrable 1 Spécification fonctionnelles 	111j</a:t>
+            </a:r>
+          </a:p>
+          <a:p>
+            <a:r>
+              <a:rPr lang="fr-FR" dirty="0"/>
+              <a:t>Livrable 2 : Modélisation et analyse 	100j</a:t>
+            </a:r>
+          </a:p>
+          <a:p>
+            <a:r>
+              <a:rPr lang="fr-FR" dirty="0"/>
+              <a:t>Livrable 3 : Développement et analyse 	140j</a:t>
+            </a:r>
+          </a:p>
+          <a:p>
+            <a:r>
+              <a:rPr lang="fr-FR" dirty="0"/>
+              <a:t>Livrable 4 : Recettes et déploiement	46j </a:t>
+            </a:r>
+          </a:p>
+          <a:p>
+            <a:endParaRPr lang="fr-FR" dirty="0"/>
+          </a:p>
+          <a:p>
+            <a:endParaRPr lang="fr-FR" dirty="0"/>
+          </a:p>
+          <a:p>
+            <a:endParaRPr lang="fr-FR" dirty="0"/>
+          </a:p>
+          <a:p>
+            <a:endParaRPr lang="fr-FR" dirty="0"/>
+          </a:p>
+        </p:txBody>
+      </p:sp>
+      <p:sp>
+        <p:nvSpPr>
+          <p:cNvPr id="4" name="Espace réservé du numéro de diapositive 3"/>
+          <p:cNvSpPr>
+            <a:spLocks noGrp="1"/>
+          </p:cNvSpPr>
+          <p:nvPr>
+            <p:ph type="sldNum" sz="quarter" idx="5"/>
+          </p:nvPr>
+        </p:nvSpPr>
+        <p:spPr/>
+        <p:txBody>
+          <a:bodyPr/>
+          <a:lstStyle/>
+          <a:p>
+            <a:fld id="{A4398319-E21C-4226-9771-24912F5B4C11}" type="slidenum">
+              <a:rPr lang="fr-FR" smtClean="0"/>
+              <a:t>5</a:t>
+            </a:fld>
+            <a:endParaRPr lang="fr-FR"/>
+          </a:p>
+        </p:txBody>
+      </p:sp>
+    </p:spTree>
+    <p:extLst>
+      <p:ext uri="{BB962C8B-B14F-4D97-AF65-F5344CB8AC3E}">
+        <p14:creationId xmlns:p14="http://schemas.microsoft.com/office/powerpoint/2010/main" val="1280916587"/>
+      </p:ext>
+    </p:extLst>
+  </p:cSld>
+  <p:clrMapOvr>
+    <a:masterClrMapping/>
+  </p:clrMapOvr>
+</p:notes>
+</file>
+
+<file path=ppt/notesSlides/notesSlide5.xml><?xml version="1.0" encoding="utf-8"?>
+<p:notes xmlns:a="http://schemas.openxmlformats.org/drawingml/2006/main" xmlns:r="http://schemas.openxmlformats.org/officeDocument/2006/relationships" xmlns:p="http://schemas.openxmlformats.org/presentationml/2006/main">
+  <p:cSld>
+    <p:spTree>
+      <p:nvGrpSpPr>
+        <p:cNvPr id="1" name=""/>
+        <p:cNvGrpSpPr/>
+        <p:nvPr/>
+      </p:nvGrpSpPr>
+      <p:grpSpPr>
+        <a:xfrm>
+          <a:off x="0" y="0"/>
+          <a:ext cx="0" cy="0"/>
+          <a:chOff x="0" y="0"/>
+          <a:chExt cx="0" cy="0"/>
+        </a:xfrm>
+      </p:grpSpPr>
+      <p:sp>
+        <p:nvSpPr>
+          <p:cNvPr id="2" name="Espace réservé de l'image des diapositives 1"/>
+          <p:cNvSpPr>
+            <a:spLocks noGrp="1" noRot="1" noChangeAspect="1"/>
+          </p:cNvSpPr>
+          <p:nvPr>
+            <p:ph type="sldImg"/>
+          </p:nvPr>
+        </p:nvSpPr>
+        <p:spPr/>
+      </p:sp>
+      <p:sp>
+        <p:nvSpPr>
+          <p:cNvPr id="3" name="Espace réservé des notes 2"/>
+          <p:cNvSpPr>
+            <a:spLocks noGrp="1"/>
+          </p:cNvSpPr>
+          <p:nvPr>
+            <p:ph type="body" idx="1"/>
+          </p:nvPr>
+        </p:nvSpPr>
+        <p:spPr/>
+        <p:txBody>
+          <a:bodyPr/>
+          <a:lstStyle/>
+          <a:p>
+            <a:r>
+              <a:rPr lang="fr-FR" dirty="0"/>
+              <a:t>Explication SWOT : </a:t>
+            </a:r>
+          </a:p>
+          <a:p>
+            <a:endParaRPr lang="fr-FR" dirty="0"/>
+          </a:p>
+          <a:p>
+            <a:endParaRPr lang="fr-FR" dirty="0"/>
+          </a:p>
+          <a:p>
+            <a:r>
+              <a:rPr lang="fr-FR" dirty="0"/>
+              <a:t>Risques : </a:t>
+            </a:r>
+          </a:p>
+          <a:p>
+            <a:endParaRPr lang="fr-FR" dirty="0"/>
+          </a:p>
+          <a:p>
+            <a:endParaRPr lang="fr-FR" dirty="0"/>
+          </a:p>
+          <a:p>
+            <a:r>
+              <a:rPr lang="fr-FR" dirty="0"/>
+              <a:t>Mauvaise compréhension du sujet, du métier client rendu en non adéquation avec la demande client </a:t>
+            </a:r>
+          </a:p>
+          <a:p>
+            <a:endParaRPr lang="fr-FR" dirty="0"/>
+          </a:p>
+          <a:p>
+            <a:r>
+              <a:rPr lang="fr-FR" dirty="0"/>
+              <a:t>Au sein du groupe: </a:t>
+            </a:r>
+          </a:p>
+          <a:p>
+            <a:r>
+              <a:rPr lang="fr-FR" dirty="0"/>
+              <a:t>Mauvaise communication, </a:t>
+            </a:r>
+          </a:p>
+          <a:p>
+            <a:r>
+              <a:rPr lang="fr-FR" dirty="0"/>
+              <a:t>gestion et respect du planning,</a:t>
+            </a:r>
+          </a:p>
+          <a:p>
+            <a:endParaRPr lang="fr-FR" dirty="0"/>
+          </a:p>
+          <a:p>
+            <a:r>
+              <a:rPr lang="fr-FR" dirty="0"/>
+              <a:t>Développement : </a:t>
+            </a:r>
+          </a:p>
+          <a:p>
+            <a:endParaRPr lang="fr-FR" dirty="0"/>
+          </a:p>
+          <a:p>
+            <a:r>
+              <a:rPr lang="fr-FR" dirty="0"/>
+              <a:t>Code robuste, </a:t>
+            </a:r>
+          </a:p>
+          <a:p>
+            <a:r>
+              <a:rPr lang="fr-FR" dirty="0"/>
+              <a:t>Ergonomie, </a:t>
+            </a:r>
+          </a:p>
+          <a:p>
+            <a:r>
+              <a:rPr lang="fr-FR" dirty="0"/>
+              <a:t>Formats des données,</a:t>
+            </a:r>
+          </a:p>
+          <a:p>
+            <a:endParaRPr lang="fr-FR" dirty="0"/>
+          </a:p>
+          <a:p>
+            <a:endParaRPr lang="fr-FR" dirty="0"/>
+          </a:p>
+          <a:p>
+            <a:r>
+              <a:rPr lang="fr-FR" dirty="0"/>
+              <a:t>PERTES DE DONNEES / ACCES AU RESSOURCES DE L’EQUIPE -&gt; TRANSITION SLIDE SUIVANTE SUR GESTION DU SYSTÈME DOCUMENTAIRE</a:t>
+            </a:r>
+          </a:p>
+          <a:p>
+            <a:endParaRPr lang="fr-FR" dirty="0"/>
+          </a:p>
+          <a:p>
+            <a:endParaRPr lang="fr-FR" dirty="0"/>
+          </a:p>
+        </p:txBody>
+      </p:sp>
+      <p:sp>
+        <p:nvSpPr>
+          <p:cNvPr id="4" name="Espace réservé du numéro de diapositive 3"/>
+          <p:cNvSpPr>
+            <a:spLocks noGrp="1"/>
+          </p:cNvSpPr>
+          <p:nvPr>
+            <p:ph type="sldNum" sz="quarter" idx="5"/>
+          </p:nvPr>
+        </p:nvSpPr>
+        <p:spPr/>
+        <p:txBody>
+          <a:bodyPr/>
+          <a:lstStyle/>
+          <a:p>
+            <a:fld id="{A4398319-E21C-4226-9771-24912F5B4C11}" type="slidenum">
+              <a:rPr lang="fr-FR" smtClean="0"/>
+              <a:t>7</a:t>
+            </a:fld>
+            <a:endParaRPr lang="fr-FR"/>
+          </a:p>
+        </p:txBody>
+      </p:sp>
+    </p:spTree>
+    <p:extLst>
+      <p:ext uri="{BB962C8B-B14F-4D97-AF65-F5344CB8AC3E}">
+        <p14:creationId xmlns:p14="http://schemas.microsoft.com/office/powerpoint/2010/main" val="2129828067"/>
+      </p:ext>
+    </p:extLst>
+  </p:cSld>
+  <p:clrMapOvr>
+    <a:masterClrMapping/>
+  </p:clrMapOvr>
+</p:notes>
+</file>
+
+<file path=ppt/notesSlides/notesSlide6.xml><?xml version="1.0" encoding="utf-8"?>
+<p:notes xmlns:a="http://schemas.openxmlformats.org/drawingml/2006/main" xmlns:r="http://schemas.openxmlformats.org/officeDocument/2006/relationships" xmlns:p="http://schemas.openxmlformats.org/presentationml/2006/main">
+  <p:cSld>
+    <p:spTree>
+      <p:nvGrpSpPr>
+        <p:cNvPr id="1" name=""/>
+        <p:cNvGrpSpPr/>
+        <p:nvPr/>
+      </p:nvGrpSpPr>
+      <p:grpSpPr>
+        <a:xfrm>
+          <a:off x="0" y="0"/>
+          <a:ext cx="0" cy="0"/>
+          <a:chOff x="0" y="0"/>
+          <a:chExt cx="0" cy="0"/>
+        </a:xfrm>
+      </p:grpSpPr>
+      <p:sp>
+        <p:nvSpPr>
+          <p:cNvPr id="2" name="Espace réservé de l'image des diapositives 1"/>
+          <p:cNvSpPr>
+            <a:spLocks noGrp="1" noRot="1" noChangeAspect="1"/>
+          </p:cNvSpPr>
+          <p:nvPr>
+            <p:ph type="sldImg"/>
+          </p:nvPr>
+        </p:nvSpPr>
+        <p:spPr/>
+      </p:sp>
+      <p:sp>
+        <p:nvSpPr>
+          <p:cNvPr id="3" name="Espace réservé des notes 2"/>
+          <p:cNvSpPr>
+            <a:spLocks noGrp="1"/>
+          </p:cNvSpPr>
+          <p:nvPr>
+            <p:ph type="body" idx="1"/>
+          </p:nvPr>
+        </p:nvSpPr>
+        <p:spPr/>
+        <p:txBody>
+          <a:bodyPr/>
+          <a:lstStyle/>
+          <a:p>
+            <a:endParaRPr lang="fr-FR" dirty="0"/>
+          </a:p>
+        </p:txBody>
+      </p:sp>
+      <p:sp>
+        <p:nvSpPr>
+          <p:cNvPr id="4" name="Espace réservé du numéro de diapositive 3"/>
+          <p:cNvSpPr>
+            <a:spLocks noGrp="1"/>
+          </p:cNvSpPr>
+          <p:nvPr>
+            <p:ph type="sldNum" sz="quarter" idx="5"/>
+          </p:nvPr>
+        </p:nvSpPr>
+        <p:spPr/>
+        <p:txBody>
+          <a:bodyPr/>
+          <a:lstStyle/>
+          <a:p>
+            <a:fld id="{A4398319-E21C-4226-9771-24912F5B4C11}" type="slidenum">
+              <a:rPr lang="fr-FR" smtClean="0"/>
+              <a:t>11</a:t>
+            </a:fld>
+            <a:endParaRPr lang="fr-FR"/>
+          </a:p>
+        </p:txBody>
+      </p:sp>
+    </p:spTree>
+    <p:extLst>
+      <p:ext uri="{BB962C8B-B14F-4D97-AF65-F5344CB8AC3E}">
+        <p14:creationId xmlns:p14="http://schemas.microsoft.com/office/powerpoint/2010/main" val="3534535401"/>
+      </p:ext>
+    </p:extLst>
+  </p:cSld>
+  <p:clrMapOvr>
+    <a:masterClrMapping/>
+  </p:clrMapOvr>
+</p:notes>
+</file>
+
 <file path=ppt/slideLayouts/slideLayout1.xml><?xml version="1.0" encoding="utf-8"?>
 <p:sldLayout xmlns:a="http://schemas.openxmlformats.org/drawingml/2006/main" xmlns:r="http://schemas.openxmlformats.org/officeDocument/2006/relationships" xmlns:p="http://schemas.openxmlformats.org/presentationml/2006/main" type="title" preserve="1">
   <p:cSld name="Diapositive de titre">
@@ -395,7 +1493,7 @@
             <a:fld id="{B61BEF0D-F0BB-DE4B-95CE-6DB70DBA9567}" type="datetimeFigureOut">
               <a:rPr lang="en-US" smtClean="0"/>
               <a:pPr/>
-              <a:t>4/10/2019</a:t>
+              <a:t>4/12/2019</a:t>
             </a:fld>
             <a:endParaRPr lang="en-US" dirty="0"/>
           </a:p>
@@ -811,7 +1909,7 @@
             <a:fld id="{B61BEF0D-F0BB-DE4B-95CE-6DB70DBA9567}" type="datetimeFigureOut">
               <a:rPr lang="en-US" smtClean="0"/>
               <a:pPr/>
-              <a:t>4/10/2019</a:t>
+              <a:t>4/12/2019</a:t>
             </a:fld>
             <a:endParaRPr lang="en-US" dirty="0"/>
           </a:p>
@@ -1149,7 +2247,7 @@
             <a:fld id="{B61BEF0D-F0BB-DE4B-95CE-6DB70DBA9567}" type="datetimeFigureOut">
               <a:rPr lang="en-US" smtClean="0"/>
               <a:pPr/>
-              <a:t>4/10/2019</a:t>
+              <a:t>4/12/2019</a:t>
             </a:fld>
             <a:endParaRPr lang="en-US" dirty="0"/>
           </a:p>
@@ -1556,7 +2654,7 @@
             <a:fld id="{B61BEF0D-F0BB-DE4B-95CE-6DB70DBA9567}" type="datetimeFigureOut">
               <a:rPr lang="en-US" smtClean="0"/>
               <a:pPr/>
-              <a:t>4/10/2019</a:t>
+              <a:t>4/12/2019</a:t>
             </a:fld>
             <a:endParaRPr lang="en-US" dirty="0"/>
           </a:p>
@@ -2126,7 +3224,7 @@
             <a:fld id="{B61BEF0D-F0BB-DE4B-95CE-6DB70DBA9567}" type="datetimeFigureOut">
               <a:rPr lang="en-US" smtClean="0"/>
               <a:pPr/>
-              <a:t>4/10/2019</a:t>
+              <a:t>4/12/2019</a:t>
             </a:fld>
             <a:endParaRPr lang="en-US" dirty="0"/>
           </a:p>
@@ -2809,7 +3907,7 @@
             <a:fld id="{B61BEF0D-F0BB-DE4B-95CE-6DB70DBA9567}" type="datetimeFigureOut">
               <a:rPr lang="en-US" smtClean="0"/>
               <a:pPr/>
-              <a:t>4/10/2019</a:t>
+              <a:t>4/12/2019</a:t>
             </a:fld>
             <a:endParaRPr lang="en-US" dirty="0"/>
           </a:p>
@@ -3724,7 +4822,7 @@
             <a:fld id="{B61BEF0D-F0BB-DE4B-95CE-6DB70DBA9567}" type="datetimeFigureOut">
               <a:rPr lang="en-US" smtClean="0"/>
               <a:pPr/>
-              <a:t>4/10/2019</a:t>
+              <a:t>4/12/2019</a:t>
             </a:fld>
             <a:endParaRPr lang="en-US" dirty="0"/>
           </a:p>
@@ -4039,7 +5137,7 @@
             <a:fld id="{B61BEF0D-F0BB-DE4B-95CE-6DB70DBA9567}" type="datetimeFigureOut">
               <a:rPr lang="en-US" smtClean="0"/>
               <a:pPr/>
-              <a:t>4/10/2019</a:t>
+              <a:t>4/12/2019</a:t>
             </a:fld>
             <a:endParaRPr lang="en-US" dirty="0"/>
           </a:p>
@@ -4305,7 +5403,7 @@
             <a:fld id="{B61BEF0D-F0BB-DE4B-95CE-6DB70DBA9567}" type="datetimeFigureOut">
               <a:rPr lang="en-US" smtClean="0"/>
               <a:pPr/>
-              <a:t>4/10/2019</a:t>
+              <a:t>4/12/2019</a:t>
             </a:fld>
             <a:endParaRPr lang="en-US" dirty="0"/>
           </a:p>
@@ -4630,7 +5728,7 @@
             <a:fld id="{B61BEF0D-F0BB-DE4B-95CE-6DB70DBA9567}" type="datetimeFigureOut">
               <a:rPr lang="en-US" smtClean="0"/>
               <a:pPr/>
-              <a:t>4/10/2019</a:t>
+              <a:t>4/12/2019</a:t>
             </a:fld>
             <a:endParaRPr lang="en-US" dirty="0"/>
           </a:p>
@@ -5021,7 +6119,7 @@
             <a:fld id="{B61BEF0D-F0BB-DE4B-95CE-6DB70DBA9567}" type="datetimeFigureOut">
               <a:rPr lang="en-US" smtClean="0"/>
               <a:pPr/>
-              <a:t>4/10/2019</a:t>
+              <a:t>4/12/2019</a:t>
             </a:fld>
             <a:endParaRPr lang="en-US" dirty="0"/>
           </a:p>
@@ -5399,7 +6497,7 @@
             <a:fld id="{B61BEF0D-F0BB-DE4B-95CE-6DB70DBA9567}" type="datetimeFigureOut">
               <a:rPr lang="en-US" smtClean="0"/>
               <a:pPr/>
-              <a:t>4/10/2019</a:t>
+              <a:t>4/12/2019</a:t>
             </a:fld>
             <a:endParaRPr lang="en-US" dirty="0"/>
           </a:p>
@@ -5907,7 +7005,7 @@
             <a:fld id="{B61BEF0D-F0BB-DE4B-95CE-6DB70DBA9567}" type="datetimeFigureOut">
               <a:rPr lang="en-US" smtClean="0"/>
               <a:pPr/>
-              <a:t>4/10/2019</a:t>
+              <a:t>4/12/2019</a:t>
             </a:fld>
             <a:endParaRPr lang="en-US" dirty="0"/>
           </a:p>
@@ -6166,7 +7264,7 @@
             <a:fld id="{B61BEF0D-F0BB-DE4B-95CE-6DB70DBA9567}" type="datetimeFigureOut">
               <a:rPr lang="en-US" smtClean="0"/>
               <a:pPr/>
-              <a:t>4/10/2019</a:t>
+              <a:t>4/12/2019</a:t>
             </a:fld>
             <a:endParaRPr lang="en-US" dirty="0"/>
           </a:p>
@@ -6331,7 +7429,7 @@
             <a:fld id="{B61BEF0D-F0BB-DE4B-95CE-6DB70DBA9567}" type="datetimeFigureOut">
               <a:rPr lang="en-US" smtClean="0"/>
               <a:pPr/>
-              <a:t>4/10/2019</a:t>
+              <a:t>4/12/2019</a:t>
             </a:fld>
             <a:endParaRPr lang="en-US" dirty="0"/>
           </a:p>
@@ -6723,7 +7821,7 @@
             <a:fld id="{B61BEF0D-F0BB-DE4B-95CE-6DB70DBA9567}" type="datetimeFigureOut">
               <a:rPr lang="en-US" smtClean="0"/>
               <a:pPr/>
-              <a:t>4/10/2019</a:t>
+              <a:t>4/12/2019</a:t>
             </a:fld>
             <a:endParaRPr lang="en-US" dirty="0"/>
           </a:p>
@@ -7134,7 +8232,7 @@
             <a:fld id="{B61BEF0D-F0BB-DE4B-95CE-6DB70DBA9567}" type="datetimeFigureOut">
               <a:rPr lang="en-US" smtClean="0"/>
               <a:pPr/>
-              <a:t>4/10/2019</a:t>
+              <a:t>4/12/2019</a:t>
             </a:fld>
             <a:endParaRPr lang="en-US" dirty="0"/>
           </a:p>
@@ -7380,7 +8478,7 @@
             <a:fld id="{B61BEF0D-F0BB-DE4B-95CE-6DB70DBA9567}" type="datetimeFigureOut">
               <a:rPr lang="en-US" smtClean="0"/>
               <a:pPr/>
-              <a:t>4/10/2019</a:t>
+              <a:t>4/12/2019</a:t>
             </a:fld>
             <a:endParaRPr lang="en-US" dirty="0"/>
           </a:p>
@@ -7808,7 +8906,12 @@
             <p:ph type="ctrTitle"/>
           </p:nvPr>
         </p:nvSpPr>
-        <p:spPr/>
+        <p:spPr>
+          <a:xfrm>
+            <a:off x="680322" y="2804730"/>
+            <a:ext cx="8144134" cy="1373070"/>
+          </a:xfrm>
+        </p:spPr>
         <p:txBody>
           <a:bodyPr>
             <a:normAutofit fontScale="90000"/>
@@ -8001,6 +9104,428 @@
 </p:sld>
 </file>
 
+<file path=ppt/slides/slide10.xml><?xml version="1.0" encoding="utf-8"?>
+<p:sld xmlns:a="http://schemas.openxmlformats.org/drawingml/2006/main" xmlns:r="http://schemas.openxmlformats.org/officeDocument/2006/relationships" xmlns:p="http://schemas.openxmlformats.org/presentationml/2006/main">
+  <p:cSld>
+    <p:bg>
+      <p:bgPr>
+        <a:gradFill rotWithShape="1">
+          <a:gsLst>
+            <a:gs pos="0">
+              <a:schemeClr val="bg2">
+                <a:tint val="96000"/>
+                <a:shade val="100000"/>
+                <a:hueMod val="270000"/>
+                <a:satMod val="200000"/>
+                <a:lumMod val="128000"/>
+              </a:schemeClr>
+            </a:gs>
+            <a:gs pos="50000">
+              <a:schemeClr val="bg2">
+                <a:shade val="100000"/>
+                <a:hueMod val="100000"/>
+                <a:satMod val="110000"/>
+                <a:lumMod val="130000"/>
+              </a:schemeClr>
+            </a:gs>
+            <a:gs pos="100000">
+              <a:schemeClr val="bg2">
+                <a:shade val="78000"/>
+                <a:hueMod val="44000"/>
+                <a:satMod val="200000"/>
+                <a:lumMod val="69000"/>
+              </a:schemeClr>
+            </a:gs>
+          </a:gsLst>
+          <a:lin ang="2520000" scaled="0"/>
+        </a:gradFill>
+        <a:effectLst/>
+      </p:bgPr>
+    </p:bg>
+    <p:spTree>
+      <p:nvGrpSpPr>
+        <p:cNvPr id="1" name=""/>
+        <p:cNvGrpSpPr/>
+        <p:nvPr/>
+      </p:nvGrpSpPr>
+      <p:grpSpPr>
+        <a:xfrm>
+          <a:off x="0" y="0"/>
+          <a:ext cx="0" cy="0"/>
+          <a:chOff x="0" y="0"/>
+          <a:chExt cx="0" cy="0"/>
+        </a:xfrm>
+      </p:grpSpPr>
+      <p:sp useBgFill="1">
+        <p:nvSpPr>
+          <p:cNvPr id="12" name="Rectangle 11">
+            <a:extLst>
+              <a:ext uri="{FF2B5EF4-FFF2-40B4-BE49-F238E27FC236}">
+                <a16:creationId xmlns:a16="http://schemas.microsoft.com/office/drawing/2014/main" id="{C610D2AE-07EF-436A-9755-AA8DF4B933A4}"/>
+              </a:ext>
+              <a:ext uri="{C183D7F6-B498-43B3-948B-1728B52AA6E4}">
+                <adec:decorative xmlns:adec="http://schemas.microsoft.com/office/drawing/2017/decorative" val="1"/>
+              </a:ext>
+            </a:extLst>
+          </p:cNvPr>
+          <p:cNvSpPr>
+            <a:spLocks noGrp="1" noRot="1" noChangeAspect="1" noMove="1" noResize="1" noEditPoints="1" noAdjustHandles="1" noChangeArrowheads="1" noChangeShapeType="1" noTextEdit="1"/>
+          </p:cNvSpPr>
+          <p:nvPr>
+            <p:extLst>
+              <p:ext uri="{386F3935-93C4-4BCD-93E2-E3B085C9AB24}">
+                <p16:designElem xmlns:p16="http://schemas.microsoft.com/office/powerpoint/2015/main" val="1"/>
+              </p:ext>
+            </p:extLst>
+          </p:nvPr>
+        </p:nvSpPr>
+        <p:spPr>
+          <a:xfrm>
+            <a:off x="0" y="-1"/>
+            <a:ext cx="12188824" cy="6858001"/>
+          </a:xfrm>
+          <a:prstGeom prst="rect">
+            <a:avLst/>
+          </a:prstGeom>
+          <a:ln>
+            <a:noFill/>
+          </a:ln>
+        </p:spPr>
+        <p:style>
+          <a:lnRef idx="2">
+            <a:schemeClr val="accent1">
+              <a:shade val="50000"/>
+            </a:schemeClr>
+          </a:lnRef>
+          <a:fillRef idx="1">
+            <a:schemeClr val="accent1"/>
+          </a:fillRef>
+          <a:effectRef idx="0">
+            <a:schemeClr val="accent1"/>
+          </a:effectRef>
+          <a:fontRef idx="minor">
+            <a:schemeClr val="lt1"/>
+          </a:fontRef>
+        </p:style>
+        <p:txBody>
+          <a:bodyPr rtlCol="0" anchor="ctr"/>
+          <a:lstStyle/>
+          <a:p>
+            <a:pPr algn="ctr"/>
+            <a:endParaRPr lang="en-US"/>
+          </a:p>
+        </p:txBody>
+      </p:sp>
+      <p:pic>
+        <p:nvPicPr>
+          <p:cNvPr id="14" name="Picture 13">
+            <a:extLst>
+              <a:ext uri="{FF2B5EF4-FFF2-40B4-BE49-F238E27FC236}">
+                <a16:creationId xmlns:a16="http://schemas.microsoft.com/office/drawing/2014/main" id="{6CACDD17-9043-46DF-882D-420365B79C18}"/>
+              </a:ext>
+              <a:ext uri="{C183D7F6-B498-43B3-948B-1728B52AA6E4}">
+                <adec:decorative xmlns:adec="http://schemas.microsoft.com/office/drawing/2017/decorative" val="1"/>
+              </a:ext>
+            </a:extLst>
+          </p:cNvPr>
+          <p:cNvPicPr>
+            <a:picLocks noGrp="1" noRot="1" noChangeAspect="1" noMove="1" noResize="1" noEditPoints="1" noAdjustHandles="1" noChangeArrowheads="1" noChangeShapeType="1" noCrop="1"/>
+          </p:cNvPicPr>
+          <p:nvPr>
+            <p:extLst>
+              <p:ext uri="{386F3935-93C4-4BCD-93E2-E3B085C9AB24}">
+                <p16:designElem xmlns:p16="http://schemas.microsoft.com/office/powerpoint/2015/main" val="1"/>
+              </p:ext>
+            </p:extLst>
+          </p:nvPr>
+        </p:nvPicPr>
+        <p:blipFill>
+          <a:blip r:embed="rId2">
+            <a:alphaModFix amt="10000"/>
+            <a:extLst>
+              <a:ext uri="{28A0092B-C50C-407E-A947-70E740481C1C}">
+                <a14:useLocalDpi xmlns:a14="http://schemas.microsoft.com/office/drawing/2010/main" val="0"/>
+              </a:ext>
+            </a:extLst>
+          </a:blip>
+          <a:stretch>
+            <a:fillRect/>
+          </a:stretch>
+        </p:blipFill>
+        <p:spPr>
+          <a:xfrm>
+            <a:off x="0" y="0"/>
+            <a:ext cx="12192000" cy="6858000"/>
+          </a:xfrm>
+          <a:prstGeom prst="rect">
+            <a:avLst/>
+          </a:prstGeom>
+        </p:spPr>
+      </p:pic>
+      <p:sp>
+        <p:nvSpPr>
+          <p:cNvPr id="16" name="Rectangle 15">
+            <a:extLst>
+              <a:ext uri="{FF2B5EF4-FFF2-40B4-BE49-F238E27FC236}">
+                <a16:creationId xmlns:a16="http://schemas.microsoft.com/office/drawing/2014/main" id="{CF2D8AD5-434A-4C0E-9F5B-C1AFD645F364}"/>
+              </a:ext>
+              <a:ext uri="{C183D7F6-B498-43B3-948B-1728B52AA6E4}">
+                <adec:decorative xmlns:adec="http://schemas.microsoft.com/office/drawing/2017/decorative" val="1"/>
+              </a:ext>
+            </a:extLst>
+          </p:cNvPr>
+          <p:cNvSpPr>
+            <a:spLocks noGrp="1" noRot="1" noChangeAspect="1" noMove="1" noResize="1" noEditPoints="1" noAdjustHandles="1" noChangeArrowheads="1" noChangeShapeType="1" noTextEdit="1"/>
+          </p:cNvSpPr>
+          <p:nvPr>
+            <p:extLst>
+              <p:ext uri="{386F3935-93C4-4BCD-93E2-E3B085C9AB24}">
+                <p16:designElem xmlns:p16="http://schemas.microsoft.com/office/powerpoint/2015/main" val="1"/>
+              </p:ext>
+            </p:extLst>
+          </p:nvPr>
+        </p:nvSpPr>
+        <p:spPr bwMode="grayWhite">
+          <a:xfrm>
+            <a:off x="2" y="609600"/>
+            <a:ext cx="4959094" cy="1368198"/>
+          </a:xfrm>
+          <a:prstGeom prst="rect">
+            <a:avLst/>
+          </a:prstGeom>
+          <a:solidFill>
+            <a:schemeClr val="bg1">
+              <a:lumMod val="85000"/>
+              <a:lumOff val="15000"/>
+            </a:schemeClr>
+          </a:solidFill>
+          <a:ln>
+            <a:noFill/>
+          </a:ln>
+        </p:spPr>
+        <p:style>
+          <a:lnRef idx="2">
+            <a:schemeClr val="accent1">
+              <a:shade val="50000"/>
+            </a:schemeClr>
+          </a:lnRef>
+          <a:fillRef idx="1">
+            <a:schemeClr val="accent1"/>
+          </a:fillRef>
+          <a:effectRef idx="0">
+            <a:schemeClr val="accent1"/>
+          </a:effectRef>
+          <a:fontRef idx="minor">
+            <a:schemeClr val="lt1"/>
+          </a:fontRef>
+        </p:style>
+      </p:sp>
+      <p:sp>
+        <p:nvSpPr>
+          <p:cNvPr id="2" name="Titre 1">
+            <a:extLst>
+              <a:ext uri="{FF2B5EF4-FFF2-40B4-BE49-F238E27FC236}">
+                <a16:creationId xmlns:a16="http://schemas.microsoft.com/office/drawing/2014/main" id="{8A351935-3CA7-4423-A294-772ECEA86842}"/>
+              </a:ext>
+            </a:extLst>
+          </p:cNvPr>
+          <p:cNvSpPr>
+            <a:spLocks noGrp="1"/>
+          </p:cNvSpPr>
+          <p:nvPr>
+            <p:ph type="title"/>
+          </p:nvPr>
+        </p:nvSpPr>
+        <p:spPr>
+          <a:xfrm>
+            <a:off x="680321" y="753228"/>
+            <a:ext cx="4136123" cy="1080938"/>
+          </a:xfrm>
+        </p:spPr>
+        <p:txBody>
+          <a:bodyPr>
+            <a:normAutofit/>
+          </a:bodyPr>
+          <a:lstStyle/>
+          <a:p>
+            <a:r>
+              <a:rPr lang="fr-FR" sz="2400"/>
+              <a:t>Diagramme de cas d’utilisations</a:t>
+            </a:r>
+            <a:br>
+              <a:rPr lang="fr-FR" sz="2400"/>
+            </a:br>
+            <a:endParaRPr lang="fr-FR" sz="2400"/>
+          </a:p>
+        </p:txBody>
+      </p:sp>
+      <p:pic>
+        <p:nvPicPr>
+          <p:cNvPr id="18" name="Picture 17">
+            <a:extLst>
+              <a:ext uri="{FF2B5EF4-FFF2-40B4-BE49-F238E27FC236}">
+                <a16:creationId xmlns:a16="http://schemas.microsoft.com/office/drawing/2014/main" id="{E92B246D-47CC-40F8-8DE7-B65D409E945E}"/>
+              </a:ext>
+              <a:ext uri="{C183D7F6-B498-43B3-948B-1728B52AA6E4}">
+                <adec:decorative xmlns:adec="http://schemas.microsoft.com/office/drawing/2017/decorative" val="1"/>
+              </a:ext>
+            </a:extLst>
+          </p:cNvPr>
+          <p:cNvPicPr>
+            <a:picLocks noGrp="1" noRot="1" noChangeAspect="1" noMove="1" noResize="1" noEditPoints="1" noAdjustHandles="1" noChangeArrowheads="1" noChangeShapeType="1" noCrop="1"/>
+          </p:cNvPicPr>
+          <p:nvPr>
+            <p:extLst>
+              <p:ext uri="{386F3935-93C4-4BCD-93E2-E3B085C9AB24}">
+                <p16:designElem xmlns:p16="http://schemas.microsoft.com/office/powerpoint/2015/main" val="1"/>
+              </p:ext>
+            </p:extLst>
+          </p:nvPr>
+        </p:nvPicPr>
+        <p:blipFill>
+          <a:blip r:embed="rId3">
+            <a:extLst>
+              <a:ext uri="{28A0092B-C50C-407E-A947-70E740481C1C}">
+                <a14:useLocalDpi xmlns:a14="http://schemas.microsoft.com/office/drawing/2010/main" val="0"/>
+              </a:ext>
+            </a:extLst>
+          </a:blip>
+          <a:stretch>
+            <a:fillRect/>
+          </a:stretch>
+        </p:blipFill>
+        <p:spPr>
+          <a:xfrm>
+            <a:off x="2" y="1970241"/>
+            <a:ext cx="4956048" cy="199787"/>
+          </a:xfrm>
+          <a:prstGeom prst="rect">
+            <a:avLst/>
+          </a:prstGeom>
+        </p:spPr>
+      </p:pic>
+      <p:pic>
+        <p:nvPicPr>
+          <p:cNvPr id="7" name="Espace réservé du contenu 3">
+            <a:extLst>
+              <a:ext uri="{FF2B5EF4-FFF2-40B4-BE49-F238E27FC236}">
+                <a16:creationId xmlns:a16="http://schemas.microsoft.com/office/drawing/2014/main" id="{DA0D962F-F8BB-4093-BEC4-DF5E669AEBB1}"/>
+              </a:ext>
+            </a:extLst>
+          </p:cNvPr>
+          <p:cNvPicPr>
+            <a:picLocks/>
+          </p:cNvPicPr>
+          <p:nvPr/>
+        </p:nvPicPr>
+        <p:blipFill>
+          <a:blip r:embed="rId4">
+            <a:extLst>
+              <a:ext uri="{28A0092B-C50C-407E-A947-70E740481C1C}">
+                <a14:useLocalDpi xmlns:a14="http://schemas.microsoft.com/office/drawing/2010/main" val="0"/>
+              </a:ext>
+            </a:extLst>
+          </a:blip>
+          <a:srcRect/>
+          <a:stretch>
+            <a:fillRect/>
+          </a:stretch>
+        </p:blipFill>
+        <p:spPr bwMode="auto">
+          <a:xfrm>
+            <a:off x="3771139" y="1293697"/>
+            <a:ext cx="7740539" cy="5154728"/>
+          </a:xfrm>
+          <a:prstGeom prst="rect">
+            <a:avLst/>
+          </a:prstGeom>
+          <a:noFill/>
+          <a:ln>
+            <a:noFill/>
+          </a:ln>
+          <a:effectLst>
+            <a:outerShdw blurRad="76200" dist="63500" dir="5040000" algn="tl" rotWithShape="0">
+              <a:srgbClr val="000000">
+                <a:alpha val="41000"/>
+              </a:srgbClr>
+            </a:outerShdw>
+          </a:effectLst>
+        </p:spPr>
+      </p:pic>
+    </p:spTree>
+    <p:extLst>
+      <p:ext uri="{BB962C8B-B14F-4D97-AF65-F5344CB8AC3E}">
+        <p14:creationId xmlns:p14="http://schemas.microsoft.com/office/powerpoint/2010/main" val="1393890982"/>
+      </p:ext>
+    </p:extLst>
+  </p:cSld>
+  <p:clrMapOvr>
+    <a:masterClrMapping/>
+  </p:clrMapOvr>
+  <p:transition spd="slow">
+    <p:push dir="u"/>
+  </p:transition>
+</p:sld>
+</file>
+
+<file path=ppt/slides/slide11.xml><?xml version="1.0" encoding="utf-8"?>
+<p:sld xmlns:a="http://schemas.openxmlformats.org/drawingml/2006/main" xmlns:r="http://schemas.openxmlformats.org/officeDocument/2006/relationships" xmlns:p="http://schemas.openxmlformats.org/presentationml/2006/main">
+  <p:cSld>
+    <p:spTree>
+      <p:nvGrpSpPr>
+        <p:cNvPr id="1" name=""/>
+        <p:cNvGrpSpPr/>
+        <p:nvPr/>
+      </p:nvGrpSpPr>
+      <p:grpSpPr>
+        <a:xfrm>
+          <a:off x="0" y="0"/>
+          <a:ext cx="0" cy="0"/>
+          <a:chOff x="0" y="0"/>
+          <a:chExt cx="0" cy="0"/>
+        </a:xfrm>
+      </p:grpSpPr>
+      <p:sp>
+        <p:nvSpPr>
+          <p:cNvPr id="2" name="Titre 1">
+            <a:extLst>
+              <a:ext uri="{FF2B5EF4-FFF2-40B4-BE49-F238E27FC236}">
+                <a16:creationId xmlns:a16="http://schemas.microsoft.com/office/drawing/2014/main" id="{BDA33F8F-1033-449A-BEE8-F20CE88B28B2}"/>
+              </a:ext>
+            </a:extLst>
+          </p:cNvPr>
+          <p:cNvSpPr>
+            <a:spLocks noGrp="1"/>
+          </p:cNvSpPr>
+          <p:nvPr>
+            <p:ph type="ctrTitle"/>
+          </p:nvPr>
+        </p:nvSpPr>
+        <p:spPr/>
+        <p:txBody>
+          <a:bodyPr/>
+          <a:lstStyle/>
+          <a:p>
+            <a:r>
+              <a:rPr lang="fr-FR" dirty="0"/>
+              <a:t>Conclusion </a:t>
+            </a:r>
+          </a:p>
+        </p:txBody>
+      </p:sp>
+    </p:spTree>
+    <p:extLst>
+      <p:ext uri="{BB962C8B-B14F-4D97-AF65-F5344CB8AC3E}">
+        <p14:creationId xmlns:p14="http://schemas.microsoft.com/office/powerpoint/2010/main" val="3268492207"/>
+      </p:ext>
+    </p:extLst>
+  </p:cSld>
+  <p:clrMapOvr>
+    <a:masterClrMapping/>
+  </p:clrMapOvr>
+</p:sld>
+</file>
+
 <file path=ppt/slides/slide2.xml><?xml version="1.0" encoding="utf-8"?>
 <p:sld xmlns:a="http://schemas.openxmlformats.org/drawingml/2006/main" xmlns:r="http://schemas.openxmlformats.org/officeDocument/2006/relationships" xmlns:p="http://schemas.openxmlformats.org/presentationml/2006/main">
   <p:cSld>
@@ -8065,7 +9590,7 @@
         <p:spPr/>
         <p:txBody>
           <a:bodyPr>
-            <a:normAutofit/>
+            <a:normAutofit fontScale="92500" lnSpcReduction="10000"/>
           </a:bodyPr>
           <a:lstStyle/>
           <a:p>
@@ -8077,6 +9602,12 @@
           <a:p>
             <a:r>
               <a:rPr lang="fr-FR" dirty="0"/>
+              <a:t>Equipe agile</a:t>
+            </a:r>
+          </a:p>
+          <a:p>
+            <a:r>
+              <a:rPr lang="fr-FR" dirty="0"/>
               <a:t>Planning prévisionnel</a:t>
             </a:r>
           </a:p>
@@ -8108,6 +9639,12 @@
             <a:r>
               <a:rPr lang="fr-FR" dirty="0"/>
               <a:t>Diagramme de cas d’utilisations</a:t>
+            </a:r>
+          </a:p>
+          <a:p>
+            <a:r>
+              <a:rPr lang="fr-FR" dirty="0"/>
+              <a:t>Conclusion</a:t>
             </a:r>
           </a:p>
           <a:p>
@@ -8125,6 +9662,9 @@
   <p:clrMapOvr>
     <a:masterClrMapping/>
   </p:clrMapOvr>
+  <p:transition spd="slow">
+    <p:cover/>
+  </p:transition>
 </p:sld>
 </file>
 
@@ -8293,7 +9833,7 @@
             </p:nvPr>
           </p:nvPicPr>
           <p:blipFill>
-            <a:blip r:embed="rId2">
+            <a:blip r:embed="rId3">
               <a:alphaModFix amt="10000"/>
               <a:extLst>
                 <a:ext uri="{28A0092B-C50C-407E-A947-70E740481C1C}">
@@ -8316,55 +9856,6 @@
           </p:spPr>
         </p:pic>
       </p:grpSp>
-      <p:pic>
-        <p:nvPicPr>
-          <p:cNvPr id="2050" name="Picture 2" descr="RÃ©sultat de recherche d'images pour &quot;maison   en bois construction&quot;">
-            <a:extLst>
-              <a:ext uri="{FF2B5EF4-FFF2-40B4-BE49-F238E27FC236}">
-                <a16:creationId xmlns:a16="http://schemas.microsoft.com/office/drawing/2014/main" id="{D5A202C9-7B93-458A-8E2C-D067EA64B578}"/>
-              </a:ext>
-            </a:extLst>
-          </p:cNvPr>
-          <p:cNvPicPr>
-            <a:picLocks noChangeAspect="1" noChangeArrowheads="1"/>
-          </p:cNvPicPr>
-          <p:nvPr/>
-        </p:nvPicPr>
-        <p:blipFill rotWithShape="1">
-          <a:blip r:embed="rId3">
-            <a:extLst>
-              <a:ext uri="{28A0092B-C50C-407E-A947-70E740481C1C}">
-                <a14:useLocalDpi xmlns:a14="http://schemas.microsoft.com/office/drawing/2010/main" val="0"/>
-              </a:ext>
-            </a:extLst>
-          </a:blip>
-          <a:srcRect l="17904" r="8289" b="-1"/>
-          <a:stretch/>
-        </p:blipFill>
-        <p:spPr bwMode="auto">
-          <a:xfrm>
-            <a:off x="4925787" y="345268"/>
-            <a:ext cx="6793992" cy="6167464"/>
-          </a:xfrm>
-          <a:prstGeom prst="rect">
-            <a:avLst/>
-          </a:prstGeom>
-          <a:noFill/>
-          <a:ln>
-            <a:noFill/>
-          </a:ln>
-          <a:effectLst/>
-          <a:extLst>
-            <a:ext uri="{909E8E84-426E-40DD-AFC4-6F175D3DCCD1}">
-              <a14:hiddenFill xmlns:a14="http://schemas.microsoft.com/office/drawing/2010/main">
-                <a:solidFill>
-                  <a:srgbClr val="FFFFFF"/>
-                </a:solidFill>
-              </a14:hiddenFill>
-            </a:ext>
-          </a:extLst>
-        </p:spPr>
-      </p:pic>
       <p:sp>
         <p:nvSpPr>
           <p:cNvPr id="75" name="Rectangle 74">
@@ -8586,6 +10077,53 @@
           </a:prstGeom>
         </p:spPr>
       </p:pic>
+      <p:pic>
+        <p:nvPicPr>
+          <p:cNvPr id="1026" name="Picture 2" descr="RÃ©sultat de recherche d'images pour &quot;construction maison plain pied bois&quot;">
+            <a:extLst>
+              <a:ext uri="{FF2B5EF4-FFF2-40B4-BE49-F238E27FC236}">
+                <a16:creationId xmlns:a16="http://schemas.microsoft.com/office/drawing/2014/main" id="{8B2F7BEE-F23B-4225-A098-CD17B8576767}"/>
+              </a:ext>
+            </a:extLst>
+          </p:cNvPr>
+          <p:cNvPicPr>
+            <a:picLocks noChangeAspect="1" noChangeArrowheads="1"/>
+          </p:cNvPicPr>
+          <p:nvPr/>
+        </p:nvPicPr>
+        <p:blipFill>
+          <a:blip r:embed="rId6">
+            <a:extLst>
+              <a:ext uri="{28A0092B-C50C-407E-A947-70E740481C1C}">
+                <a14:useLocalDpi xmlns:a14="http://schemas.microsoft.com/office/drawing/2010/main" val="0"/>
+              </a:ext>
+            </a:extLst>
+          </a:blip>
+          <a:srcRect/>
+          <a:stretch>
+            <a:fillRect/>
+          </a:stretch>
+        </p:blipFill>
+        <p:spPr bwMode="auto">
+          <a:xfrm>
+            <a:off x="5018566" y="689817"/>
+            <a:ext cx="6965715" cy="5224286"/>
+          </a:xfrm>
+          <a:prstGeom prst="rect">
+            <a:avLst/>
+          </a:prstGeom>
+          <a:noFill/>
+          <a:extLst>
+            <a:ext uri="{909E8E84-426E-40DD-AFC4-6F175D3DCCD1}">
+              <a14:hiddenFill xmlns:a14="http://schemas.microsoft.com/office/drawing/2010/main">
+                <a:solidFill>
+                  <a:srgbClr val="FFFFFF"/>
+                </a:solidFill>
+              </a14:hiddenFill>
+            </a:ext>
+          </a:extLst>
+        </p:spPr>
+      </p:pic>
     </p:spTree>
     <p:extLst>
       <p:ext uri="{BB962C8B-B14F-4D97-AF65-F5344CB8AC3E}">
@@ -8596,624 +10134,13 @@
   <p:clrMapOvr>
     <a:masterClrMapping/>
   </p:clrMapOvr>
+  <p:transition spd="slow">
+    <p:push dir="u"/>
+  </p:transition>
 </p:sld>
 </file>
 
 <file path=ppt/slides/slide4.xml><?xml version="1.0" encoding="utf-8"?>
-<p:sld xmlns:a="http://schemas.openxmlformats.org/drawingml/2006/main" xmlns:r="http://schemas.openxmlformats.org/officeDocument/2006/relationships" xmlns:p="http://schemas.openxmlformats.org/presentationml/2006/main">
-  <p:cSld>
-    <p:spTree>
-      <p:nvGrpSpPr>
-        <p:cNvPr id="1" name=""/>
-        <p:cNvGrpSpPr/>
-        <p:nvPr/>
-      </p:nvGrpSpPr>
-      <p:grpSpPr>
-        <a:xfrm>
-          <a:off x="0" y="0"/>
-          <a:ext cx="0" cy="0"/>
-          <a:chOff x="0" y="0"/>
-          <a:chExt cx="0" cy="0"/>
-        </a:xfrm>
-      </p:grpSpPr>
-      <p:sp>
-        <p:nvSpPr>
-          <p:cNvPr id="2" name="Titre 1">
-            <a:extLst>
-              <a:ext uri="{FF2B5EF4-FFF2-40B4-BE49-F238E27FC236}">
-                <a16:creationId xmlns:a16="http://schemas.microsoft.com/office/drawing/2014/main" id="{30D0667B-026F-485B-8143-6E8D3A57842C}"/>
-              </a:ext>
-            </a:extLst>
-          </p:cNvPr>
-          <p:cNvSpPr>
-            <a:spLocks noGrp="1"/>
-          </p:cNvSpPr>
-          <p:nvPr>
-            <p:ph type="title"/>
-          </p:nvPr>
-        </p:nvSpPr>
-        <p:spPr>
-          <a:xfrm>
-            <a:off x="680321" y="1117212"/>
-            <a:ext cx="9613861" cy="507401"/>
-          </a:xfrm>
-        </p:spPr>
-        <p:txBody>
-          <a:bodyPr>
-            <a:normAutofit fontScale="90000"/>
-          </a:bodyPr>
-          <a:lstStyle/>
-          <a:p>
-            <a:r>
-              <a:rPr lang="fr-FR" dirty="0"/>
-              <a:t>Planning prévisionnel</a:t>
-            </a:r>
-            <a:br>
-              <a:rPr lang="fr-FR" dirty="0"/>
-            </a:br>
-            <a:endParaRPr lang="fr-FR" dirty="0"/>
-          </a:p>
-        </p:txBody>
-      </p:sp>
-      <p:pic>
-        <p:nvPicPr>
-          <p:cNvPr id="7" name="Espace réservé du contenu 6">
-            <a:extLst>
-              <a:ext uri="{FF2B5EF4-FFF2-40B4-BE49-F238E27FC236}">
-                <a16:creationId xmlns:a16="http://schemas.microsoft.com/office/drawing/2014/main" id="{5C26E003-7F5E-42E7-9611-E4C2512C75F3}"/>
-              </a:ext>
-            </a:extLst>
-          </p:cNvPr>
-          <p:cNvPicPr>
-            <a:picLocks noGrp="1" noChangeAspect="1"/>
-          </p:cNvPicPr>
-          <p:nvPr>
-            <p:ph idx="1"/>
-          </p:nvPr>
-        </p:nvPicPr>
-        <p:blipFill>
-          <a:blip r:embed="rId2"/>
-          <a:stretch>
-            <a:fillRect/>
-          </a:stretch>
-        </p:blipFill>
-        <p:spPr>
-          <a:xfrm>
-            <a:off x="680321" y="2160188"/>
-            <a:ext cx="11102104" cy="2516588"/>
-          </a:xfrm>
-        </p:spPr>
-      </p:pic>
-      <p:pic>
-        <p:nvPicPr>
-          <p:cNvPr id="9" name="Image 8">
-            <a:extLst>
-              <a:ext uri="{FF2B5EF4-FFF2-40B4-BE49-F238E27FC236}">
-                <a16:creationId xmlns:a16="http://schemas.microsoft.com/office/drawing/2014/main" id="{4B95FBBC-58F7-4A35-BE20-02B9FEE49921}"/>
-              </a:ext>
-            </a:extLst>
-          </p:cNvPr>
-          <p:cNvPicPr>
-            <a:picLocks noChangeAspect="1"/>
-          </p:cNvPicPr>
-          <p:nvPr/>
-        </p:nvPicPr>
-        <p:blipFill>
-          <a:blip r:embed="rId3"/>
-          <a:stretch>
-            <a:fillRect/>
-          </a:stretch>
-        </p:blipFill>
-        <p:spPr>
-          <a:xfrm>
-            <a:off x="680321" y="3815242"/>
-            <a:ext cx="11102104" cy="2199315"/>
-          </a:xfrm>
-          <a:prstGeom prst="rect">
-            <a:avLst/>
-          </a:prstGeom>
-        </p:spPr>
-      </p:pic>
-    </p:spTree>
-    <p:extLst>
-      <p:ext uri="{BB962C8B-B14F-4D97-AF65-F5344CB8AC3E}">
-        <p14:creationId xmlns:p14="http://schemas.microsoft.com/office/powerpoint/2010/main" val="1854957915"/>
-      </p:ext>
-    </p:extLst>
-  </p:cSld>
-  <p:clrMapOvr>
-    <a:masterClrMapping/>
-  </p:clrMapOvr>
-</p:sld>
-</file>
-
-<file path=ppt/slides/slide5.xml><?xml version="1.0" encoding="utf-8"?>
-<p:sld xmlns:a="http://schemas.openxmlformats.org/drawingml/2006/main" xmlns:r="http://schemas.openxmlformats.org/officeDocument/2006/relationships" xmlns:p="http://schemas.openxmlformats.org/presentationml/2006/main">
-  <p:cSld>
-    <p:spTree>
-      <p:nvGrpSpPr>
-        <p:cNvPr id="1" name=""/>
-        <p:cNvGrpSpPr/>
-        <p:nvPr/>
-      </p:nvGrpSpPr>
-      <p:grpSpPr>
-        <a:xfrm>
-          <a:off x="0" y="0"/>
-          <a:ext cx="0" cy="0"/>
-          <a:chOff x="0" y="0"/>
-          <a:chExt cx="0" cy="0"/>
-        </a:xfrm>
-      </p:grpSpPr>
-      <p:sp>
-        <p:nvSpPr>
-          <p:cNvPr id="2" name="Titre 1">
-            <a:extLst>
-              <a:ext uri="{FF2B5EF4-FFF2-40B4-BE49-F238E27FC236}">
-                <a16:creationId xmlns:a16="http://schemas.microsoft.com/office/drawing/2014/main" id="{03557ECB-45BD-43BB-ACDB-848B1C676455}"/>
-              </a:ext>
-            </a:extLst>
-          </p:cNvPr>
-          <p:cNvSpPr>
-            <a:spLocks noGrp="1"/>
-          </p:cNvSpPr>
-          <p:nvPr>
-            <p:ph type="title"/>
-          </p:nvPr>
-        </p:nvSpPr>
-        <p:spPr/>
-        <p:txBody>
-          <a:bodyPr/>
-          <a:lstStyle/>
-          <a:p>
-            <a:r>
-              <a:rPr lang="fr-FR" dirty="0"/>
-              <a:t>WBS</a:t>
-            </a:r>
-          </a:p>
-        </p:txBody>
-      </p:sp>
-      <p:pic>
-        <p:nvPicPr>
-          <p:cNvPr id="6" name="Espace réservé du contenu 5">
-            <a:extLst>
-              <a:ext uri="{FF2B5EF4-FFF2-40B4-BE49-F238E27FC236}">
-                <a16:creationId xmlns:a16="http://schemas.microsoft.com/office/drawing/2014/main" id="{EB7AD893-C922-458A-B672-48FD91620F85}"/>
-              </a:ext>
-            </a:extLst>
-          </p:cNvPr>
-          <p:cNvPicPr>
-            <a:picLocks noGrp="1" noChangeAspect="1"/>
-          </p:cNvPicPr>
-          <p:nvPr>
-            <p:ph idx="1"/>
-          </p:nvPr>
-        </p:nvPicPr>
-        <p:blipFill>
-          <a:blip r:embed="rId2"/>
-          <a:stretch>
-            <a:fillRect/>
-          </a:stretch>
-        </p:blipFill>
-        <p:spPr>
-          <a:xfrm>
-            <a:off x="681038" y="2474716"/>
-            <a:ext cx="11034712" cy="3814133"/>
-          </a:xfrm>
-        </p:spPr>
-      </p:pic>
-    </p:spTree>
-    <p:extLst>
-      <p:ext uri="{BB962C8B-B14F-4D97-AF65-F5344CB8AC3E}">
-        <p14:creationId xmlns:p14="http://schemas.microsoft.com/office/powerpoint/2010/main" val="1333093863"/>
-      </p:ext>
-    </p:extLst>
-  </p:cSld>
-  <p:clrMapOvr>
-    <a:masterClrMapping/>
-  </p:clrMapOvr>
-</p:sld>
-</file>
-
-<file path=ppt/slides/slide6.xml><?xml version="1.0" encoding="utf-8"?>
-<p:sld xmlns:a="http://schemas.openxmlformats.org/drawingml/2006/main" xmlns:r="http://schemas.openxmlformats.org/officeDocument/2006/relationships" xmlns:p="http://schemas.openxmlformats.org/presentationml/2006/main">
-  <p:cSld>
-    <p:spTree>
-      <p:nvGrpSpPr>
-        <p:cNvPr id="1" name=""/>
-        <p:cNvGrpSpPr/>
-        <p:nvPr/>
-      </p:nvGrpSpPr>
-      <p:grpSpPr>
-        <a:xfrm>
-          <a:off x="0" y="0"/>
-          <a:ext cx="0" cy="0"/>
-          <a:chOff x="0" y="0"/>
-          <a:chExt cx="0" cy="0"/>
-        </a:xfrm>
-      </p:grpSpPr>
-      <p:sp>
-        <p:nvSpPr>
-          <p:cNvPr id="2" name="Titre 1">
-            <a:extLst>
-              <a:ext uri="{FF2B5EF4-FFF2-40B4-BE49-F238E27FC236}">
-                <a16:creationId xmlns:a16="http://schemas.microsoft.com/office/drawing/2014/main" id="{1A671E11-A17C-49C7-BC3D-490DB704B9FC}"/>
-              </a:ext>
-            </a:extLst>
-          </p:cNvPr>
-          <p:cNvSpPr>
-            <a:spLocks noGrp="1"/>
-          </p:cNvSpPr>
-          <p:nvPr>
-            <p:ph type="title"/>
-          </p:nvPr>
-        </p:nvSpPr>
-        <p:spPr>
-          <a:xfrm>
-            <a:off x="680321" y="1154096"/>
-            <a:ext cx="9613861" cy="680069"/>
-          </a:xfrm>
-        </p:spPr>
-        <p:txBody>
-          <a:bodyPr>
-            <a:normAutofit fontScale="90000"/>
-          </a:bodyPr>
-          <a:lstStyle/>
-          <a:p>
-            <a:r>
-              <a:rPr lang="fr-FR" dirty="0"/>
-              <a:t>Analyse des risques</a:t>
-            </a:r>
-            <a:br>
-              <a:rPr lang="fr-FR" dirty="0"/>
-            </a:br>
-            <a:endParaRPr lang="fr-FR" dirty="0"/>
-          </a:p>
-        </p:txBody>
-      </p:sp>
-      <p:pic>
-        <p:nvPicPr>
-          <p:cNvPr id="4" name="Espace réservé du contenu 3">
-            <a:extLst>
-              <a:ext uri="{FF2B5EF4-FFF2-40B4-BE49-F238E27FC236}">
-                <a16:creationId xmlns:a16="http://schemas.microsoft.com/office/drawing/2014/main" id="{3CF078BC-A6AB-445E-A0CE-82FD6716A5D1}"/>
-              </a:ext>
-            </a:extLst>
-          </p:cNvPr>
-          <p:cNvPicPr>
-            <a:picLocks noGrp="1"/>
-          </p:cNvPicPr>
-          <p:nvPr>
-            <p:ph idx="1"/>
-          </p:nvPr>
-        </p:nvPicPr>
-        <p:blipFill>
-          <a:blip r:embed="rId2">
-            <a:extLst>
-              <a:ext uri="{28A0092B-C50C-407E-A947-70E740481C1C}">
-                <a14:useLocalDpi xmlns:a14="http://schemas.microsoft.com/office/drawing/2010/main" val="0"/>
-              </a:ext>
-            </a:extLst>
-          </a:blip>
-          <a:stretch>
-            <a:fillRect/>
-          </a:stretch>
-        </p:blipFill>
-        <p:spPr>
-          <a:xfrm>
-            <a:off x="947021" y="2608939"/>
-            <a:ext cx="7692154" cy="2563135"/>
-          </a:xfrm>
-          <a:prstGeom prst="rect">
-            <a:avLst/>
-          </a:prstGeom>
-        </p:spPr>
-      </p:pic>
-      <p:sp>
-        <p:nvSpPr>
-          <p:cNvPr id="5" name="ZoneTexte 4">
-            <a:extLst>
-              <a:ext uri="{FF2B5EF4-FFF2-40B4-BE49-F238E27FC236}">
-                <a16:creationId xmlns:a16="http://schemas.microsoft.com/office/drawing/2014/main" id="{4FC74EC3-9E5B-4221-9C3D-72708132FE01}"/>
-              </a:ext>
-            </a:extLst>
-          </p:cNvPr>
-          <p:cNvSpPr txBox="1"/>
-          <p:nvPr/>
-        </p:nvSpPr>
-        <p:spPr>
-          <a:xfrm>
-            <a:off x="7858125" y="5172074"/>
-            <a:ext cx="781050" cy="369332"/>
-          </a:xfrm>
-          <a:prstGeom prst="rect">
-            <a:avLst/>
-          </a:prstGeom>
-          <a:noFill/>
-        </p:spPr>
-        <p:txBody>
-          <a:bodyPr wrap="square" rtlCol="0">
-            <a:spAutoFit/>
-          </a:bodyPr>
-          <a:lstStyle/>
-          <a:p>
-            <a:r>
-              <a:rPr lang="fr-FR" dirty="0"/>
-              <a:t>SWOT</a:t>
-            </a:r>
-          </a:p>
-        </p:txBody>
-      </p:sp>
-    </p:spTree>
-    <p:extLst>
-      <p:ext uri="{BB962C8B-B14F-4D97-AF65-F5344CB8AC3E}">
-        <p14:creationId xmlns:p14="http://schemas.microsoft.com/office/powerpoint/2010/main" val="536207275"/>
-      </p:ext>
-    </p:extLst>
-  </p:cSld>
-  <p:clrMapOvr>
-    <a:masterClrMapping/>
-  </p:clrMapOvr>
-</p:sld>
-</file>
-
-<file path=ppt/slides/slide7.xml><?xml version="1.0" encoding="utf-8"?>
-<p:sld xmlns:a="http://schemas.openxmlformats.org/drawingml/2006/main" xmlns:r="http://schemas.openxmlformats.org/officeDocument/2006/relationships" xmlns:p="http://schemas.openxmlformats.org/presentationml/2006/main">
-  <p:cSld>
-    <p:spTree>
-      <p:nvGrpSpPr>
-        <p:cNvPr id="1" name=""/>
-        <p:cNvGrpSpPr/>
-        <p:nvPr/>
-      </p:nvGrpSpPr>
-      <p:grpSpPr>
-        <a:xfrm>
-          <a:off x="0" y="0"/>
-          <a:ext cx="0" cy="0"/>
-          <a:chOff x="0" y="0"/>
-          <a:chExt cx="0" cy="0"/>
-        </a:xfrm>
-      </p:grpSpPr>
-      <p:sp>
-        <p:nvSpPr>
-          <p:cNvPr id="2" name="Titre 1">
-            <a:extLst>
-              <a:ext uri="{FF2B5EF4-FFF2-40B4-BE49-F238E27FC236}">
-                <a16:creationId xmlns:a16="http://schemas.microsoft.com/office/drawing/2014/main" id="{4F337071-A54A-486B-B14C-6372F02612AA}"/>
-              </a:ext>
-            </a:extLst>
-          </p:cNvPr>
-          <p:cNvSpPr>
-            <a:spLocks noGrp="1"/>
-          </p:cNvSpPr>
-          <p:nvPr>
-            <p:ph type="title"/>
-          </p:nvPr>
-        </p:nvSpPr>
-        <p:spPr>
-          <a:xfrm>
-            <a:off x="680321" y="1152723"/>
-            <a:ext cx="9613861" cy="516279"/>
-          </a:xfrm>
-        </p:spPr>
-        <p:txBody>
-          <a:bodyPr>
-            <a:normAutofit fontScale="90000"/>
-          </a:bodyPr>
-          <a:lstStyle/>
-          <a:p>
-            <a:r>
-              <a:rPr lang="fr-FR" dirty="0"/>
-              <a:t>Gestion du système documentaire</a:t>
-            </a:r>
-            <a:br>
-              <a:rPr lang="fr-FR" dirty="0"/>
-            </a:br>
-            <a:endParaRPr lang="fr-FR" dirty="0"/>
-          </a:p>
-        </p:txBody>
-      </p:sp>
-      <p:sp>
-        <p:nvSpPr>
-          <p:cNvPr id="5" name="ZoneTexte 4">
-            <a:extLst>
-              <a:ext uri="{FF2B5EF4-FFF2-40B4-BE49-F238E27FC236}">
-                <a16:creationId xmlns:a16="http://schemas.microsoft.com/office/drawing/2014/main" id="{6FF40B67-871D-43FD-9104-6FC6175813A9}"/>
-              </a:ext>
-            </a:extLst>
-          </p:cNvPr>
-          <p:cNvSpPr txBox="1"/>
-          <p:nvPr/>
-        </p:nvSpPr>
-        <p:spPr>
-          <a:xfrm>
-            <a:off x="790575" y="2124075"/>
-            <a:ext cx="2895600" cy="923330"/>
-          </a:xfrm>
-          <a:prstGeom prst="rect">
-            <a:avLst/>
-          </a:prstGeom>
-          <a:noFill/>
-        </p:spPr>
-        <p:txBody>
-          <a:bodyPr wrap="square" rtlCol="0">
-            <a:spAutoFit/>
-          </a:bodyPr>
-          <a:lstStyle/>
-          <a:p>
-            <a:pPr marL="285750" indent="-285750">
-              <a:buFont typeface="Arial" panose="020B0604020202020204" pitchFamily="34" charset="0"/>
-              <a:buChar char="•"/>
-            </a:pPr>
-            <a:r>
-              <a:rPr lang="fr-FR" b="1" dirty="0"/>
-              <a:t>Versioning</a:t>
-            </a:r>
-          </a:p>
-          <a:p>
-            <a:pPr marL="285750" indent="-285750">
-              <a:buFont typeface="Arial" panose="020B0604020202020204" pitchFamily="34" charset="0"/>
-              <a:buChar char="•"/>
-            </a:pPr>
-            <a:r>
-              <a:rPr lang="fr-FR" b="1" dirty="0"/>
-              <a:t>Gestion des fichiers</a:t>
-            </a:r>
-          </a:p>
-          <a:p>
-            <a:endParaRPr lang="fr-FR" dirty="0"/>
-          </a:p>
-        </p:txBody>
-      </p:sp>
-      <p:pic>
-        <p:nvPicPr>
-          <p:cNvPr id="7" name="Espace réservé du contenu 6">
-            <a:extLst>
-              <a:ext uri="{FF2B5EF4-FFF2-40B4-BE49-F238E27FC236}">
-                <a16:creationId xmlns:a16="http://schemas.microsoft.com/office/drawing/2014/main" id="{4A9C71D2-5FA8-40F2-958F-9258D42D78D9}"/>
-              </a:ext>
-            </a:extLst>
-          </p:cNvPr>
-          <p:cNvPicPr>
-            <a:picLocks noGrp="1"/>
-          </p:cNvPicPr>
-          <p:nvPr>
-            <p:ph idx="1"/>
-          </p:nvPr>
-        </p:nvPicPr>
-        <p:blipFill>
-          <a:blip r:embed="rId2"/>
-          <a:stretch>
-            <a:fillRect/>
-          </a:stretch>
-        </p:blipFill>
-        <p:spPr>
-          <a:xfrm>
-            <a:off x="2238375" y="2797761"/>
-            <a:ext cx="6389778" cy="3600450"/>
-          </a:xfrm>
-          <a:prstGeom prst="rect">
-            <a:avLst/>
-          </a:prstGeom>
-        </p:spPr>
-      </p:pic>
-    </p:spTree>
-    <p:extLst>
-      <p:ext uri="{BB962C8B-B14F-4D97-AF65-F5344CB8AC3E}">
-        <p14:creationId xmlns:p14="http://schemas.microsoft.com/office/powerpoint/2010/main" val="2776717450"/>
-      </p:ext>
-    </p:extLst>
-  </p:cSld>
-  <p:clrMapOvr>
-    <a:masterClrMapping/>
-  </p:clrMapOvr>
-</p:sld>
-</file>
-
-<file path=ppt/slides/slide8.xml><?xml version="1.0" encoding="utf-8"?>
-<p:sld xmlns:a="http://schemas.openxmlformats.org/drawingml/2006/main" xmlns:r="http://schemas.openxmlformats.org/officeDocument/2006/relationships" xmlns:p="http://schemas.openxmlformats.org/presentationml/2006/main">
-  <p:cSld>
-    <p:spTree>
-      <p:nvGrpSpPr>
-        <p:cNvPr id="1" name=""/>
-        <p:cNvGrpSpPr/>
-        <p:nvPr/>
-      </p:nvGrpSpPr>
-      <p:grpSpPr>
-        <a:xfrm>
-          <a:off x="0" y="0"/>
-          <a:ext cx="0" cy="0"/>
-          <a:chOff x="0" y="0"/>
-          <a:chExt cx="0" cy="0"/>
-        </a:xfrm>
-      </p:grpSpPr>
-      <p:sp>
-        <p:nvSpPr>
-          <p:cNvPr id="2" name="Titre 1">
-            <a:extLst>
-              <a:ext uri="{FF2B5EF4-FFF2-40B4-BE49-F238E27FC236}">
-                <a16:creationId xmlns:a16="http://schemas.microsoft.com/office/drawing/2014/main" id="{64DF673E-F2B6-4EB5-B1DF-E6FE0549A8F4}"/>
-              </a:ext>
-            </a:extLst>
-          </p:cNvPr>
-          <p:cNvSpPr>
-            <a:spLocks noGrp="1"/>
-          </p:cNvSpPr>
-          <p:nvPr>
-            <p:ph type="title"/>
-          </p:nvPr>
-        </p:nvSpPr>
-        <p:spPr/>
-        <p:txBody>
-          <a:bodyPr/>
-          <a:lstStyle/>
-          <a:p>
-            <a:r>
-              <a:rPr lang="fr-FR" dirty="0"/>
-              <a:t>PBS</a:t>
-            </a:r>
-          </a:p>
-        </p:txBody>
-      </p:sp>
-      <p:pic>
-        <p:nvPicPr>
-          <p:cNvPr id="4" name="Espace réservé du contenu 3">
-            <a:extLst>
-              <a:ext uri="{FF2B5EF4-FFF2-40B4-BE49-F238E27FC236}">
-                <a16:creationId xmlns:a16="http://schemas.microsoft.com/office/drawing/2014/main" id="{C0A585E2-FD72-40B0-ACE3-4426796CE59D}"/>
-              </a:ext>
-            </a:extLst>
-          </p:cNvPr>
-          <p:cNvPicPr>
-            <a:picLocks noGrp="1"/>
-          </p:cNvPicPr>
-          <p:nvPr>
-            <p:ph idx="1"/>
-          </p:nvPr>
-        </p:nvPicPr>
-        <p:blipFill rotWithShape="1">
-          <a:blip r:embed="rId2" cstate="print">
-            <a:extLst>
-              <a:ext uri="{28A0092B-C50C-407E-A947-70E740481C1C}">
-                <a14:useLocalDpi xmlns:a14="http://schemas.microsoft.com/office/drawing/2010/main" val="0"/>
-              </a:ext>
-            </a:extLst>
-          </a:blip>
-          <a:srcRect l="2435" t="8320" r="2458" b="6610"/>
-          <a:stretch/>
-        </p:blipFill>
-        <p:spPr bwMode="auto">
-          <a:xfrm>
-            <a:off x="276225" y="2705100"/>
-            <a:ext cx="9613860" cy="3276599"/>
-          </a:xfrm>
-          <a:prstGeom prst="rect">
-            <a:avLst/>
-          </a:prstGeom>
-          <a:noFill/>
-          <a:ln>
-            <a:noFill/>
-          </a:ln>
-          <a:extLst>
-            <a:ext uri="{53640926-AAD7-44D8-BBD7-CCE9431645EC}">
-              <a14:shadowObscured xmlns:a14="http://schemas.microsoft.com/office/drawing/2010/main"/>
-            </a:ext>
-          </a:extLst>
-        </p:spPr>
-      </p:pic>
-    </p:spTree>
-    <p:extLst>
-      <p:ext uri="{BB962C8B-B14F-4D97-AF65-F5344CB8AC3E}">
-        <p14:creationId xmlns:p14="http://schemas.microsoft.com/office/powerpoint/2010/main" val="1705714131"/>
-      </p:ext>
-    </p:extLst>
-  </p:cSld>
-  <p:clrMapOvr>
-    <a:masterClrMapping/>
-  </p:clrMapOvr>
-</p:sld>
-</file>
-
-<file path=ppt/slides/slide9.xml><?xml version="1.0" encoding="utf-8"?>
 <p:sld xmlns:a="http://schemas.openxmlformats.org/drawingml/2006/main" xmlns:r="http://schemas.openxmlformats.org/officeDocument/2006/relationships" xmlns:p="http://schemas.openxmlformats.org/presentationml/2006/main">
   <p:cSld>
     <p:bg>
@@ -9267,10 +10194,10 @@
       </p:grpSpPr>
       <p:sp useBgFill="1">
         <p:nvSpPr>
-          <p:cNvPr id="12" name="Rectangle 11">
+          <p:cNvPr id="74" name="Rectangle 73">
             <a:extLst>
               <a:ext uri="{FF2B5EF4-FFF2-40B4-BE49-F238E27FC236}">
-                <a16:creationId xmlns:a16="http://schemas.microsoft.com/office/drawing/2014/main" id="{C610D2AE-07EF-436A-9755-AA8DF4B933A4}"/>
+                <a16:creationId xmlns:a16="http://schemas.microsoft.com/office/drawing/2014/main" id="{F4979F40-3A44-4CCB-9EB7-F8318BCE576B}"/>
               </a:ext>
               <a:ext uri="{C183D7F6-B498-43B3-948B-1728B52AA6E4}">
                 <adec:decorative xmlns:adec="http://schemas.microsoft.com/office/drawing/2017/decorative" val="1"/>
@@ -9327,10 +10254,10 @@
       </p:sp>
       <p:pic>
         <p:nvPicPr>
-          <p:cNvPr id="14" name="Picture 13">
+          <p:cNvPr id="76" name="Picture 75">
             <a:extLst>
               <a:ext uri="{FF2B5EF4-FFF2-40B4-BE49-F238E27FC236}">
-                <a16:creationId xmlns:a16="http://schemas.microsoft.com/office/drawing/2014/main" id="{6CACDD17-9043-46DF-882D-420365B79C18}"/>
+                <a16:creationId xmlns:a16="http://schemas.microsoft.com/office/drawing/2014/main" id="{15291D39-6B03-4BB5-BFC6-CBF11E90BFD6}"/>
               </a:ext>
               <a:ext uri="{C183D7F6-B498-43B3-948B-1728B52AA6E4}">
                 <adec:decorative xmlns:adec="http://schemas.microsoft.com/office/drawing/2017/decorative" val="1"/>
@@ -9349,7 +10276,7 @@
           </p:nvPr>
         </p:nvPicPr>
         <p:blipFill>
-          <a:blip r:embed="rId2">
+          <a:blip r:embed="rId3">
             <a:alphaModFix amt="10000"/>
             <a:extLst>
               <a:ext uri="{28A0092B-C50C-407E-A947-70E740481C1C}">
@@ -9363,7 +10290,7 @@
         </p:blipFill>
         <p:spPr>
           <a:xfrm>
-            <a:off x="0" y="0"/>
+            <a:off x="-3176" y="0"/>
             <a:ext cx="12192000" cy="6858000"/>
           </a:xfrm>
           <a:prstGeom prst="rect">
@@ -9373,10 +10300,10 @@
       </p:pic>
       <p:sp>
         <p:nvSpPr>
-          <p:cNvPr id="16" name="Rectangle 15">
+          <p:cNvPr id="78" name="Rectangle 77">
             <a:extLst>
               <a:ext uri="{FF2B5EF4-FFF2-40B4-BE49-F238E27FC236}">
-                <a16:creationId xmlns:a16="http://schemas.microsoft.com/office/drawing/2014/main" id="{CF2D8AD5-434A-4C0E-9F5B-C1AFD645F364}"/>
+                <a16:creationId xmlns:a16="http://schemas.microsoft.com/office/drawing/2014/main" id="{AFD071FA-0514-4371-9568-86216A1F4658}"/>
               </a:ext>
               <a:ext uri="{C183D7F6-B498-43B3-948B-1728B52AA6E4}">
                 <adec:decorative xmlns:adec="http://schemas.microsoft.com/office/drawing/2017/decorative" val="1"/>
@@ -9394,20 +10321,14 @@
             </p:extLst>
           </p:nvPr>
         </p:nvSpPr>
-        <p:spPr bwMode="grayWhite">
-          <a:xfrm>
-            <a:off x="2" y="609600"/>
-            <a:ext cx="4959094" cy="1368198"/>
+        <p:spPr>
+          <a:xfrm>
+            <a:off x="4639056" y="0"/>
+            <a:ext cx="7552944" cy="6858001"/>
           </a:xfrm>
           <a:prstGeom prst="rect">
             <a:avLst/>
           </a:prstGeom>
-          <a:solidFill>
-            <a:schemeClr val="bg1">
-              <a:lumMod val="85000"/>
-              <a:lumOff val="15000"/>
-            </a:schemeClr>
-          </a:solidFill>
           <a:ln>
             <a:noFill/>
           </a:ln>
@@ -9428,13 +10349,79 @@
             <a:schemeClr val="lt1"/>
           </a:fontRef>
         </p:style>
+        <p:txBody>
+          <a:bodyPr rtlCol="0" anchor="ctr"/>
+          <a:lstStyle/>
+          <a:p>
+            <a:pPr algn="ctr"/>
+            <a:endParaRPr lang="en-US"/>
+          </a:p>
+        </p:txBody>
+      </p:sp>
+      <p:sp>
+        <p:nvSpPr>
+          <p:cNvPr id="80" name="Rectangle 79">
+            <a:extLst>
+              <a:ext uri="{FF2B5EF4-FFF2-40B4-BE49-F238E27FC236}">
+                <a16:creationId xmlns:a16="http://schemas.microsoft.com/office/drawing/2014/main" id="{5211DDA4-E7B5-4325-A844-B7F59B084BA7}"/>
+              </a:ext>
+              <a:ext uri="{C183D7F6-B498-43B3-948B-1728B52AA6E4}">
+                <adec:decorative xmlns:adec="http://schemas.microsoft.com/office/drawing/2017/decorative" val="1"/>
+              </a:ext>
+            </a:extLst>
+          </p:cNvPr>
+          <p:cNvSpPr>
+            <a:spLocks noGrp="1" noRot="1" noChangeAspect="1" noMove="1" noResize="1" noEditPoints="1" noAdjustHandles="1" noChangeArrowheads="1" noChangeShapeType="1" noTextEdit="1"/>
+          </p:cNvSpPr>
+          <p:nvPr>
+            <p:extLst>
+              <p:ext uri="{386F3935-93C4-4BCD-93E2-E3B085C9AB24}">
+                <p16:designElem xmlns:p16="http://schemas.microsoft.com/office/powerpoint/2015/main" val="1"/>
+              </p:ext>
+            </p:extLst>
+          </p:nvPr>
+        </p:nvSpPr>
+        <p:spPr bwMode="grayWhite">
+          <a:xfrm>
+            <a:off x="2" y="609600"/>
+            <a:ext cx="4959094" cy="1368198"/>
+          </a:xfrm>
+          <a:prstGeom prst="rect">
+            <a:avLst/>
+          </a:prstGeom>
+          <a:solidFill>
+            <a:schemeClr val="bg1">
+              <a:lumMod val="85000"/>
+              <a:lumOff val="15000"/>
+            </a:schemeClr>
+          </a:solidFill>
+          <a:ln>
+            <a:noFill/>
+          </a:ln>
+        </p:spPr>
+        <p:style>
+          <a:lnRef idx="2">
+            <a:schemeClr val="accent1">
+              <a:shade val="50000"/>
+            </a:schemeClr>
+          </a:lnRef>
+          <a:fillRef idx="1">
+            <a:schemeClr val="accent1"/>
+          </a:fillRef>
+          <a:effectRef idx="0">
+            <a:schemeClr val="accent1"/>
+          </a:effectRef>
+          <a:fontRef idx="minor">
+            <a:schemeClr val="lt1"/>
+          </a:fontRef>
+        </p:style>
       </p:sp>
       <p:sp>
         <p:nvSpPr>
           <p:cNvPr id="2" name="Titre 1">
             <a:extLst>
               <a:ext uri="{FF2B5EF4-FFF2-40B4-BE49-F238E27FC236}">
-                <a16:creationId xmlns:a16="http://schemas.microsoft.com/office/drawing/2014/main" id="{8A351935-3CA7-4423-A294-772ECEA86842}"/>
+                <a16:creationId xmlns:a16="http://schemas.microsoft.com/office/drawing/2014/main" id="{DE93A4C5-D996-4153-90C2-3FE2F16C9C7D}"/>
               </a:ext>
             </a:extLst>
           </p:cNvPr>
@@ -9458,22 +10445,18 @@
           <a:lstStyle/>
           <a:p>
             <a:r>
-              <a:rPr lang="fr-FR" sz="2400"/>
-              <a:t>Diagramme de cas d’utilisations</a:t>
-            </a:r>
-            <a:br>
-              <a:rPr lang="fr-FR" sz="2400"/>
-            </a:br>
-            <a:endParaRPr lang="fr-FR" sz="2400"/>
+              <a:rPr lang="fr-FR" sz="2400" dirty="0"/>
+              <a:t>Equipe agile</a:t>
+            </a:r>
           </a:p>
         </p:txBody>
       </p:sp>
       <p:pic>
         <p:nvPicPr>
-          <p:cNvPr id="18" name="Picture 17">
+          <p:cNvPr id="82" name="Picture 81">
             <a:extLst>
               <a:ext uri="{FF2B5EF4-FFF2-40B4-BE49-F238E27FC236}">
-                <a16:creationId xmlns:a16="http://schemas.microsoft.com/office/drawing/2014/main" id="{E92B246D-47CC-40F8-8DE7-B65D409E945E}"/>
+                <a16:creationId xmlns:a16="http://schemas.microsoft.com/office/drawing/2014/main" id="{0D58E222-6309-4F79-AC20-9D3C69CD9B16}"/>
               </a:ext>
               <a:ext uri="{C183D7F6-B498-43B3-948B-1728B52AA6E4}">
                 <adec:decorative xmlns:adec="http://schemas.microsoft.com/office/drawing/2017/decorative" val="1"/>
@@ -9489,6 +10472,390 @@
                 <p16:designElem xmlns:p16="http://schemas.microsoft.com/office/powerpoint/2015/main" val="1"/>
               </p:ext>
             </p:extLst>
+          </p:nvPr>
+        </p:nvPicPr>
+        <p:blipFill>
+          <a:blip r:embed="rId4">
+            <a:extLst>
+              <a:ext uri="{28A0092B-C50C-407E-A947-70E740481C1C}">
+                <a14:useLocalDpi xmlns:a14="http://schemas.microsoft.com/office/drawing/2010/main" val="0"/>
+              </a:ext>
+            </a:extLst>
+          </a:blip>
+          <a:stretch>
+            <a:fillRect/>
+          </a:stretch>
+        </p:blipFill>
+        <p:spPr>
+          <a:xfrm>
+            <a:off x="2" y="1970241"/>
+            <a:ext cx="4956048" cy="199787"/>
+          </a:xfrm>
+          <a:prstGeom prst="rect">
+            <a:avLst/>
+          </a:prstGeom>
+        </p:spPr>
+      </p:pic>
+      <p:pic>
+        <p:nvPicPr>
+          <p:cNvPr id="2053" name="Picture 2" descr="RÃ©sultat de recherche d'images pour &quot;equipe developpement contente&quot;">
+            <a:extLst>
+              <a:ext uri="{FF2B5EF4-FFF2-40B4-BE49-F238E27FC236}">
+                <a16:creationId xmlns:a16="http://schemas.microsoft.com/office/drawing/2014/main" id="{E8009568-3902-4155-83A8-5238C05ACD84}"/>
+              </a:ext>
+            </a:extLst>
+          </p:cNvPr>
+          <p:cNvPicPr>
+            <a:picLocks noChangeAspect="1" noChangeArrowheads="1"/>
+          </p:cNvPicPr>
+          <p:nvPr/>
+        </p:nvPicPr>
+        <p:blipFill>
+          <a:blip r:embed="rId5">
+            <a:extLst>
+              <a:ext uri="{28A0092B-C50C-407E-A947-70E740481C1C}">
+                <a14:useLocalDpi xmlns:a14="http://schemas.microsoft.com/office/drawing/2010/main" val="0"/>
+              </a:ext>
+            </a:extLst>
+          </a:blip>
+          <a:stretch>
+            <a:fillRect/>
+          </a:stretch>
+        </p:blipFill>
+        <p:spPr bwMode="auto">
+          <a:xfrm>
+            <a:off x="5621909" y="640080"/>
+            <a:ext cx="5577840" cy="5577840"/>
+          </a:xfrm>
+          <a:prstGeom prst="rect">
+            <a:avLst/>
+          </a:prstGeom>
+          <a:noFill/>
+          <a:ln>
+            <a:noFill/>
+          </a:ln>
+          <a:effectLst>
+            <a:outerShdw blurRad="76200" dist="63500" dir="5040000" algn="tl" rotWithShape="0">
+              <a:srgbClr val="000000">
+                <a:alpha val="41000"/>
+              </a:srgbClr>
+            </a:outerShdw>
+          </a:effectLst>
+          <a:extLst>
+            <a:ext uri="{909E8E84-426E-40DD-AFC4-6F175D3DCCD1}">
+              <a14:hiddenFill xmlns:a14="http://schemas.microsoft.com/office/drawing/2010/main">
+                <a:solidFill>
+                  <a:srgbClr val="FFFFFF"/>
+                </a:solidFill>
+              </a14:hiddenFill>
+            </a:ext>
+          </a:extLst>
+        </p:spPr>
+      </p:pic>
+    </p:spTree>
+    <p:extLst>
+      <p:ext uri="{BB962C8B-B14F-4D97-AF65-F5344CB8AC3E}">
+        <p14:creationId xmlns:p14="http://schemas.microsoft.com/office/powerpoint/2010/main" val="1136876084"/>
+      </p:ext>
+    </p:extLst>
+  </p:cSld>
+  <p:clrMapOvr>
+    <a:masterClrMapping/>
+  </p:clrMapOvr>
+</p:sld>
+</file>
+
+<file path=ppt/slides/slide5.xml><?xml version="1.0" encoding="utf-8"?>
+<p:sld xmlns:a="http://schemas.openxmlformats.org/drawingml/2006/main" xmlns:r="http://schemas.openxmlformats.org/officeDocument/2006/relationships" xmlns:p="http://schemas.openxmlformats.org/presentationml/2006/main">
+  <p:cSld>
+    <p:spTree>
+      <p:nvGrpSpPr>
+        <p:cNvPr id="1" name=""/>
+        <p:cNvGrpSpPr/>
+        <p:nvPr/>
+      </p:nvGrpSpPr>
+      <p:grpSpPr>
+        <a:xfrm>
+          <a:off x="0" y="0"/>
+          <a:ext cx="0" cy="0"/>
+          <a:chOff x="0" y="0"/>
+          <a:chExt cx="0" cy="0"/>
+        </a:xfrm>
+      </p:grpSpPr>
+      <p:sp>
+        <p:nvSpPr>
+          <p:cNvPr id="2" name="Titre 1">
+            <a:extLst>
+              <a:ext uri="{FF2B5EF4-FFF2-40B4-BE49-F238E27FC236}">
+                <a16:creationId xmlns:a16="http://schemas.microsoft.com/office/drawing/2014/main" id="{30D0667B-026F-485B-8143-6E8D3A57842C}"/>
+              </a:ext>
+            </a:extLst>
+          </p:cNvPr>
+          <p:cNvSpPr>
+            <a:spLocks noGrp="1"/>
+          </p:cNvSpPr>
+          <p:nvPr>
+            <p:ph type="title"/>
+          </p:nvPr>
+        </p:nvSpPr>
+        <p:spPr>
+          <a:xfrm>
+            <a:off x="680321" y="1117212"/>
+            <a:ext cx="9613861" cy="507401"/>
+          </a:xfrm>
+        </p:spPr>
+        <p:txBody>
+          <a:bodyPr>
+            <a:normAutofit fontScale="90000"/>
+          </a:bodyPr>
+          <a:lstStyle/>
+          <a:p>
+            <a:r>
+              <a:rPr lang="fr-FR" dirty="0"/>
+              <a:t>Planning prévisionnel</a:t>
+            </a:r>
+            <a:br>
+              <a:rPr lang="fr-FR" dirty="0"/>
+            </a:br>
+            <a:endParaRPr lang="fr-FR" dirty="0"/>
+          </a:p>
+        </p:txBody>
+      </p:sp>
+      <p:pic>
+        <p:nvPicPr>
+          <p:cNvPr id="7" name="Espace réservé du contenu 6">
+            <a:extLst>
+              <a:ext uri="{FF2B5EF4-FFF2-40B4-BE49-F238E27FC236}">
+                <a16:creationId xmlns:a16="http://schemas.microsoft.com/office/drawing/2014/main" id="{5C26E003-7F5E-42E7-9611-E4C2512C75F3}"/>
+              </a:ext>
+            </a:extLst>
+          </p:cNvPr>
+          <p:cNvPicPr>
+            <a:picLocks noGrp="1" noChangeAspect="1"/>
+          </p:cNvPicPr>
+          <p:nvPr>
+            <p:ph idx="1"/>
+          </p:nvPr>
+        </p:nvPicPr>
+        <p:blipFill>
+          <a:blip r:embed="rId3"/>
+          <a:stretch>
+            <a:fillRect/>
+          </a:stretch>
+        </p:blipFill>
+        <p:spPr>
+          <a:xfrm>
+            <a:off x="680321" y="2160188"/>
+            <a:ext cx="11102104" cy="2516588"/>
+          </a:xfrm>
+        </p:spPr>
+      </p:pic>
+      <p:pic>
+        <p:nvPicPr>
+          <p:cNvPr id="9" name="Image 8">
+            <a:extLst>
+              <a:ext uri="{FF2B5EF4-FFF2-40B4-BE49-F238E27FC236}">
+                <a16:creationId xmlns:a16="http://schemas.microsoft.com/office/drawing/2014/main" id="{4B95FBBC-58F7-4A35-BE20-02B9FEE49921}"/>
+              </a:ext>
+            </a:extLst>
+          </p:cNvPr>
+          <p:cNvPicPr>
+            <a:picLocks noChangeAspect="1"/>
+          </p:cNvPicPr>
+          <p:nvPr/>
+        </p:nvPicPr>
+        <p:blipFill>
+          <a:blip r:embed="rId4"/>
+          <a:stretch>
+            <a:fillRect/>
+          </a:stretch>
+        </p:blipFill>
+        <p:spPr>
+          <a:xfrm>
+            <a:off x="680321" y="3815242"/>
+            <a:ext cx="11102104" cy="2199315"/>
+          </a:xfrm>
+          <a:prstGeom prst="rect">
+            <a:avLst/>
+          </a:prstGeom>
+        </p:spPr>
+      </p:pic>
+    </p:spTree>
+    <p:extLst>
+      <p:ext uri="{BB962C8B-B14F-4D97-AF65-F5344CB8AC3E}">
+        <p14:creationId xmlns:p14="http://schemas.microsoft.com/office/powerpoint/2010/main" val="1854957915"/>
+      </p:ext>
+    </p:extLst>
+  </p:cSld>
+  <p:clrMapOvr>
+    <a:masterClrMapping/>
+  </p:clrMapOvr>
+  <p:transition spd="slow">
+    <p:push dir="u"/>
+  </p:transition>
+</p:sld>
+</file>
+
+<file path=ppt/slides/slide6.xml><?xml version="1.0" encoding="utf-8"?>
+<p:sld xmlns:a="http://schemas.openxmlformats.org/drawingml/2006/main" xmlns:r="http://schemas.openxmlformats.org/officeDocument/2006/relationships" xmlns:p="http://schemas.openxmlformats.org/presentationml/2006/main">
+  <p:cSld>
+    <p:spTree>
+      <p:nvGrpSpPr>
+        <p:cNvPr id="1" name=""/>
+        <p:cNvGrpSpPr/>
+        <p:nvPr/>
+      </p:nvGrpSpPr>
+      <p:grpSpPr>
+        <a:xfrm>
+          <a:off x="0" y="0"/>
+          <a:ext cx="0" cy="0"/>
+          <a:chOff x="0" y="0"/>
+          <a:chExt cx="0" cy="0"/>
+        </a:xfrm>
+      </p:grpSpPr>
+      <p:sp>
+        <p:nvSpPr>
+          <p:cNvPr id="2" name="Titre 1">
+            <a:extLst>
+              <a:ext uri="{FF2B5EF4-FFF2-40B4-BE49-F238E27FC236}">
+                <a16:creationId xmlns:a16="http://schemas.microsoft.com/office/drawing/2014/main" id="{03557ECB-45BD-43BB-ACDB-848B1C676455}"/>
+              </a:ext>
+            </a:extLst>
+          </p:cNvPr>
+          <p:cNvSpPr>
+            <a:spLocks noGrp="1"/>
+          </p:cNvSpPr>
+          <p:nvPr>
+            <p:ph type="title"/>
+          </p:nvPr>
+        </p:nvSpPr>
+        <p:spPr/>
+        <p:txBody>
+          <a:bodyPr/>
+          <a:lstStyle/>
+          <a:p>
+            <a:r>
+              <a:rPr lang="fr-FR" dirty="0"/>
+              <a:t>WBS</a:t>
+            </a:r>
+          </a:p>
+        </p:txBody>
+      </p:sp>
+      <p:pic>
+        <p:nvPicPr>
+          <p:cNvPr id="6" name="Espace réservé du contenu 5">
+            <a:extLst>
+              <a:ext uri="{FF2B5EF4-FFF2-40B4-BE49-F238E27FC236}">
+                <a16:creationId xmlns:a16="http://schemas.microsoft.com/office/drawing/2014/main" id="{EB7AD893-C922-458A-B672-48FD91620F85}"/>
+              </a:ext>
+            </a:extLst>
+          </p:cNvPr>
+          <p:cNvPicPr>
+            <a:picLocks noGrp="1" noChangeAspect="1"/>
+          </p:cNvPicPr>
+          <p:nvPr>
+            <p:ph idx="1"/>
+          </p:nvPr>
+        </p:nvPicPr>
+        <p:blipFill>
+          <a:blip r:embed="rId2"/>
+          <a:stretch>
+            <a:fillRect/>
+          </a:stretch>
+        </p:blipFill>
+        <p:spPr>
+          <a:xfrm>
+            <a:off x="681038" y="2474716"/>
+            <a:ext cx="11034712" cy="3814133"/>
+          </a:xfrm>
+        </p:spPr>
+      </p:pic>
+    </p:spTree>
+    <p:extLst>
+      <p:ext uri="{BB962C8B-B14F-4D97-AF65-F5344CB8AC3E}">
+        <p14:creationId xmlns:p14="http://schemas.microsoft.com/office/powerpoint/2010/main" val="1333093863"/>
+      </p:ext>
+    </p:extLst>
+  </p:cSld>
+  <p:clrMapOvr>
+    <a:masterClrMapping/>
+  </p:clrMapOvr>
+  <p:transition spd="slow">
+    <p:push dir="u"/>
+  </p:transition>
+</p:sld>
+</file>
+
+<file path=ppt/slides/slide7.xml><?xml version="1.0" encoding="utf-8"?>
+<p:sld xmlns:a="http://schemas.openxmlformats.org/drawingml/2006/main" xmlns:r="http://schemas.openxmlformats.org/officeDocument/2006/relationships" xmlns:p="http://schemas.openxmlformats.org/presentationml/2006/main">
+  <p:cSld>
+    <p:spTree>
+      <p:nvGrpSpPr>
+        <p:cNvPr id="1" name=""/>
+        <p:cNvGrpSpPr/>
+        <p:nvPr/>
+      </p:nvGrpSpPr>
+      <p:grpSpPr>
+        <a:xfrm>
+          <a:off x="0" y="0"/>
+          <a:ext cx="0" cy="0"/>
+          <a:chOff x="0" y="0"/>
+          <a:chExt cx="0" cy="0"/>
+        </a:xfrm>
+      </p:grpSpPr>
+      <p:sp>
+        <p:nvSpPr>
+          <p:cNvPr id="2" name="Titre 1">
+            <a:extLst>
+              <a:ext uri="{FF2B5EF4-FFF2-40B4-BE49-F238E27FC236}">
+                <a16:creationId xmlns:a16="http://schemas.microsoft.com/office/drawing/2014/main" id="{1A671E11-A17C-49C7-BC3D-490DB704B9FC}"/>
+              </a:ext>
+            </a:extLst>
+          </p:cNvPr>
+          <p:cNvSpPr>
+            <a:spLocks noGrp="1"/>
+          </p:cNvSpPr>
+          <p:nvPr>
+            <p:ph type="title"/>
+          </p:nvPr>
+        </p:nvSpPr>
+        <p:spPr>
+          <a:xfrm>
+            <a:off x="680321" y="1154096"/>
+            <a:ext cx="9613861" cy="680069"/>
+          </a:xfrm>
+        </p:spPr>
+        <p:txBody>
+          <a:bodyPr>
+            <a:normAutofit fontScale="90000"/>
+          </a:bodyPr>
+          <a:lstStyle/>
+          <a:p>
+            <a:r>
+              <a:rPr lang="fr-FR" dirty="0"/>
+              <a:t>Analyse des risques</a:t>
+            </a:r>
+            <a:br>
+              <a:rPr lang="fr-FR" dirty="0"/>
+            </a:br>
+            <a:endParaRPr lang="fr-FR" dirty="0"/>
+          </a:p>
+        </p:txBody>
+      </p:sp>
+      <p:pic>
+        <p:nvPicPr>
+          <p:cNvPr id="4" name="Espace réservé du contenu 3">
+            <a:extLst>
+              <a:ext uri="{FF2B5EF4-FFF2-40B4-BE49-F238E27FC236}">
+                <a16:creationId xmlns:a16="http://schemas.microsoft.com/office/drawing/2014/main" id="{3CF078BC-A6AB-445E-A0CE-82FD6716A5D1}"/>
+              </a:ext>
+            </a:extLst>
+          </p:cNvPr>
+          <p:cNvPicPr>
+            <a:picLocks noGrp="1"/>
+          </p:cNvPicPr>
+          <p:nvPr>
+            <p:ph idx="1"/>
           </p:nvPr>
         </p:nvPicPr>
         <p:blipFill>
@@ -9505,25 +10872,263 @@
         </p:blipFill>
         <p:spPr>
           <a:xfrm>
-            <a:off x="2" y="1970241"/>
-            <a:ext cx="4956048" cy="199787"/>
+            <a:off x="947021" y="2608939"/>
+            <a:ext cx="7692154" cy="2563135"/>
           </a:xfrm>
           <a:prstGeom prst="rect">
             <a:avLst/>
           </a:prstGeom>
         </p:spPr>
       </p:pic>
+      <p:sp>
+        <p:nvSpPr>
+          <p:cNvPr id="5" name="ZoneTexte 4">
+            <a:extLst>
+              <a:ext uri="{FF2B5EF4-FFF2-40B4-BE49-F238E27FC236}">
+                <a16:creationId xmlns:a16="http://schemas.microsoft.com/office/drawing/2014/main" id="{4FC74EC3-9E5B-4221-9C3D-72708132FE01}"/>
+              </a:ext>
+            </a:extLst>
+          </p:cNvPr>
+          <p:cNvSpPr txBox="1"/>
+          <p:nvPr/>
+        </p:nvSpPr>
+        <p:spPr>
+          <a:xfrm>
+            <a:off x="7858125" y="5172074"/>
+            <a:ext cx="781050" cy="369332"/>
+          </a:xfrm>
+          <a:prstGeom prst="rect">
+            <a:avLst/>
+          </a:prstGeom>
+          <a:noFill/>
+        </p:spPr>
+        <p:txBody>
+          <a:bodyPr wrap="square" rtlCol="0">
+            <a:spAutoFit/>
+          </a:bodyPr>
+          <a:lstStyle/>
+          <a:p>
+            <a:r>
+              <a:rPr lang="fr-FR" dirty="0"/>
+              <a:t>SWOT</a:t>
+            </a:r>
+          </a:p>
+        </p:txBody>
+      </p:sp>
+    </p:spTree>
+    <p:extLst>
+      <p:ext uri="{BB962C8B-B14F-4D97-AF65-F5344CB8AC3E}">
+        <p14:creationId xmlns:p14="http://schemas.microsoft.com/office/powerpoint/2010/main" val="536207275"/>
+      </p:ext>
+    </p:extLst>
+  </p:cSld>
+  <p:clrMapOvr>
+    <a:masterClrMapping/>
+  </p:clrMapOvr>
+  <p:transition spd="slow">
+    <p:push dir="u"/>
+  </p:transition>
+</p:sld>
+</file>
+
+<file path=ppt/slides/slide8.xml><?xml version="1.0" encoding="utf-8"?>
+<p:sld xmlns:a="http://schemas.openxmlformats.org/drawingml/2006/main" xmlns:r="http://schemas.openxmlformats.org/officeDocument/2006/relationships" xmlns:p="http://schemas.openxmlformats.org/presentationml/2006/main">
+  <p:cSld>
+    <p:spTree>
+      <p:nvGrpSpPr>
+        <p:cNvPr id="1" name=""/>
+        <p:cNvGrpSpPr/>
+        <p:nvPr/>
+      </p:nvGrpSpPr>
+      <p:grpSpPr>
+        <a:xfrm>
+          <a:off x="0" y="0"/>
+          <a:ext cx="0" cy="0"/>
+          <a:chOff x="0" y="0"/>
+          <a:chExt cx="0" cy="0"/>
+        </a:xfrm>
+      </p:grpSpPr>
+      <p:sp>
+        <p:nvSpPr>
+          <p:cNvPr id="2" name="Titre 1">
+            <a:extLst>
+              <a:ext uri="{FF2B5EF4-FFF2-40B4-BE49-F238E27FC236}">
+                <a16:creationId xmlns:a16="http://schemas.microsoft.com/office/drawing/2014/main" id="{4F337071-A54A-486B-B14C-6372F02612AA}"/>
+              </a:ext>
+            </a:extLst>
+          </p:cNvPr>
+          <p:cNvSpPr>
+            <a:spLocks noGrp="1"/>
+          </p:cNvSpPr>
+          <p:nvPr>
+            <p:ph type="title"/>
+          </p:nvPr>
+        </p:nvSpPr>
+        <p:spPr>
+          <a:xfrm>
+            <a:off x="680321" y="1152723"/>
+            <a:ext cx="9613861" cy="516279"/>
+          </a:xfrm>
+        </p:spPr>
+        <p:txBody>
+          <a:bodyPr>
+            <a:normAutofit fontScale="90000"/>
+          </a:bodyPr>
+          <a:lstStyle/>
+          <a:p>
+            <a:r>
+              <a:rPr lang="fr-FR" dirty="0"/>
+              <a:t>Gestion du système documentaire</a:t>
+            </a:r>
+            <a:br>
+              <a:rPr lang="fr-FR" dirty="0"/>
+            </a:br>
+            <a:endParaRPr lang="fr-FR" dirty="0"/>
+          </a:p>
+        </p:txBody>
+      </p:sp>
+      <p:sp>
+        <p:nvSpPr>
+          <p:cNvPr id="5" name="ZoneTexte 4">
+            <a:extLst>
+              <a:ext uri="{FF2B5EF4-FFF2-40B4-BE49-F238E27FC236}">
+                <a16:creationId xmlns:a16="http://schemas.microsoft.com/office/drawing/2014/main" id="{6FF40B67-871D-43FD-9104-6FC6175813A9}"/>
+              </a:ext>
+            </a:extLst>
+          </p:cNvPr>
+          <p:cNvSpPr txBox="1"/>
+          <p:nvPr/>
+        </p:nvSpPr>
+        <p:spPr>
+          <a:xfrm>
+            <a:off x="790575" y="2124075"/>
+            <a:ext cx="2895600" cy="923330"/>
+          </a:xfrm>
+          <a:prstGeom prst="rect">
+            <a:avLst/>
+          </a:prstGeom>
+          <a:noFill/>
+        </p:spPr>
+        <p:txBody>
+          <a:bodyPr wrap="square" rtlCol="0">
+            <a:spAutoFit/>
+          </a:bodyPr>
+          <a:lstStyle/>
+          <a:p>
+            <a:pPr marL="285750" indent="-285750">
+              <a:buFont typeface="Arial" panose="020B0604020202020204" pitchFamily="34" charset="0"/>
+              <a:buChar char="•"/>
+            </a:pPr>
+            <a:r>
+              <a:rPr lang="fr-FR" b="1" dirty="0"/>
+              <a:t>Versioning</a:t>
+            </a:r>
+          </a:p>
+          <a:p>
+            <a:pPr marL="285750" indent="-285750">
+              <a:buFont typeface="Arial" panose="020B0604020202020204" pitchFamily="34" charset="0"/>
+              <a:buChar char="•"/>
+            </a:pPr>
+            <a:r>
+              <a:rPr lang="fr-FR" b="1" dirty="0"/>
+              <a:t>Gestion des fichiers</a:t>
+            </a:r>
+          </a:p>
+          <a:p>
+            <a:endParaRPr lang="fr-FR" dirty="0"/>
+          </a:p>
+        </p:txBody>
+      </p:sp>
       <p:pic>
         <p:nvPicPr>
-          <p:cNvPr id="7" name="Espace réservé du contenu 3">
+          <p:cNvPr id="7" name="Espace réservé du contenu 6">
             <a:extLst>
               <a:ext uri="{FF2B5EF4-FFF2-40B4-BE49-F238E27FC236}">
-                <a16:creationId xmlns:a16="http://schemas.microsoft.com/office/drawing/2014/main" id="{DA0D962F-F8BB-4093-BEC4-DF5E669AEBB1}"/>
+                <a16:creationId xmlns:a16="http://schemas.microsoft.com/office/drawing/2014/main" id="{4A9C71D2-5FA8-40F2-958F-9258D42D78D9}"/>
               </a:ext>
             </a:extLst>
           </p:cNvPr>
           <p:cNvPicPr>
-            <a:picLocks/>
+            <a:picLocks noGrp="1"/>
+          </p:cNvPicPr>
+          <p:nvPr>
+            <p:ph idx="1"/>
+          </p:nvPr>
+        </p:nvPicPr>
+        <p:blipFill>
+          <a:blip r:embed="rId2"/>
+          <a:stretch>
+            <a:fillRect/>
+          </a:stretch>
+        </p:blipFill>
+        <p:spPr>
+          <a:xfrm>
+            <a:off x="1399278" y="2797761"/>
+            <a:ext cx="6389778" cy="3600450"/>
+          </a:xfrm>
+          <a:prstGeom prst="rect">
+            <a:avLst/>
+          </a:prstGeom>
+        </p:spPr>
+      </p:pic>
+      <p:pic>
+        <p:nvPicPr>
+          <p:cNvPr id="3074" name="Picture 2" descr="RÃ©sultat de recherche d'images pour &quot;git hub&quot;">
+            <a:extLst>
+              <a:ext uri="{FF2B5EF4-FFF2-40B4-BE49-F238E27FC236}">
+                <a16:creationId xmlns:a16="http://schemas.microsoft.com/office/drawing/2014/main" id="{7A68B494-541D-40CF-913D-009B8E320B86}"/>
+              </a:ext>
+            </a:extLst>
+          </p:cNvPr>
+          <p:cNvPicPr>
+            <a:picLocks noChangeAspect="1" noChangeArrowheads="1"/>
+          </p:cNvPicPr>
+          <p:nvPr/>
+        </p:nvPicPr>
+        <p:blipFill>
+          <a:blip r:embed="rId3">
+            <a:extLst>
+              <a:ext uri="{28A0092B-C50C-407E-A947-70E740481C1C}">
+                <a14:useLocalDpi xmlns:a14="http://schemas.microsoft.com/office/drawing/2010/main" val="0"/>
+              </a:ext>
+            </a:extLst>
+          </a:blip>
+          <a:srcRect/>
+          <a:stretch>
+            <a:fillRect/>
+          </a:stretch>
+        </p:blipFill>
+        <p:spPr bwMode="auto">
+          <a:xfrm>
+            <a:off x="8604336" y="2390740"/>
+            <a:ext cx="1313329" cy="1313329"/>
+          </a:xfrm>
+          <a:prstGeom prst="rect">
+            <a:avLst/>
+          </a:prstGeom>
+          <a:noFill/>
+          <a:extLst>
+            <a:ext uri="{909E8E84-426E-40DD-AFC4-6F175D3DCCD1}">
+              <a14:hiddenFill xmlns:a14="http://schemas.microsoft.com/office/drawing/2010/main">
+                <a:solidFill>
+                  <a:srgbClr val="FFFFFF"/>
+                </a:solidFill>
+              </a14:hiddenFill>
+            </a:ext>
+          </a:extLst>
+        </p:spPr>
+      </p:pic>
+      <p:pic>
+        <p:nvPicPr>
+          <p:cNvPr id="3076" name="Picture 4" descr="RÃ©sultat de recherche d'images pour &quot;git kraken&quot;">
+            <a:extLst>
+              <a:ext uri="{FF2B5EF4-FFF2-40B4-BE49-F238E27FC236}">
+                <a16:creationId xmlns:a16="http://schemas.microsoft.com/office/drawing/2014/main" id="{B29D243A-01D4-43C2-9EB1-782332F3CB4B}"/>
+              </a:ext>
+            </a:extLst>
+          </p:cNvPr>
+          <p:cNvPicPr>
+            <a:picLocks noChangeAspect="1" noChangeArrowheads="1"/>
           </p:cNvPicPr>
           <p:nvPr/>
         </p:nvPicPr>
@@ -9542,8 +11147,116 @@
         </p:blipFill>
         <p:spPr bwMode="auto">
           <a:xfrm>
-            <a:off x="3771139" y="1293697"/>
-            <a:ext cx="7740539" cy="5154728"/>
+            <a:off x="9750931" y="2222158"/>
+            <a:ext cx="1650494" cy="1650494"/>
+          </a:xfrm>
+          <a:prstGeom prst="rect">
+            <a:avLst/>
+          </a:prstGeom>
+          <a:noFill/>
+          <a:extLst>
+            <a:ext uri="{909E8E84-426E-40DD-AFC4-6F175D3DCCD1}">
+              <a14:hiddenFill xmlns:a14="http://schemas.microsoft.com/office/drawing/2010/main">
+                <a:solidFill>
+                  <a:srgbClr val="FFFFFF"/>
+                </a:solidFill>
+              </a14:hiddenFill>
+            </a:ext>
+          </a:extLst>
+        </p:spPr>
+      </p:pic>
+    </p:spTree>
+    <p:extLst>
+      <p:ext uri="{BB962C8B-B14F-4D97-AF65-F5344CB8AC3E}">
+        <p14:creationId xmlns:p14="http://schemas.microsoft.com/office/powerpoint/2010/main" val="2776717450"/>
+      </p:ext>
+    </p:extLst>
+  </p:cSld>
+  <p:clrMapOvr>
+    <a:masterClrMapping/>
+  </p:clrMapOvr>
+  <p:transition spd="slow">
+    <p:push dir="u"/>
+  </p:transition>
+</p:sld>
+</file>
+
+<file path=ppt/slides/slide9.xml><?xml version="1.0" encoding="utf-8"?>
+<p:sld xmlns:a="http://schemas.openxmlformats.org/drawingml/2006/main" xmlns:r="http://schemas.openxmlformats.org/officeDocument/2006/relationships" xmlns:p="http://schemas.openxmlformats.org/presentationml/2006/main">
+  <p:cSld>
+    <p:spTree>
+      <p:nvGrpSpPr>
+        <p:cNvPr id="1" name=""/>
+        <p:cNvGrpSpPr/>
+        <p:nvPr/>
+      </p:nvGrpSpPr>
+      <p:grpSpPr>
+        <a:xfrm>
+          <a:off x="0" y="0"/>
+          <a:ext cx="0" cy="0"/>
+          <a:chOff x="0" y="0"/>
+          <a:chExt cx="0" cy="0"/>
+        </a:xfrm>
+      </p:grpSpPr>
+      <p:sp>
+        <p:nvSpPr>
+          <p:cNvPr id="2" name="Titre 1">
+            <a:extLst>
+              <a:ext uri="{FF2B5EF4-FFF2-40B4-BE49-F238E27FC236}">
+                <a16:creationId xmlns:a16="http://schemas.microsoft.com/office/drawing/2014/main" id="{64DF673E-F2B6-4EB5-B1DF-E6FE0549A8F4}"/>
+              </a:ext>
+            </a:extLst>
+          </p:cNvPr>
+          <p:cNvSpPr>
+            <a:spLocks noGrp="1"/>
+          </p:cNvSpPr>
+          <p:nvPr>
+            <p:ph type="title"/>
+          </p:nvPr>
+        </p:nvSpPr>
+        <p:spPr/>
+        <p:txBody>
+          <a:bodyPr/>
+          <a:lstStyle/>
+          <a:p>
+            <a:r>
+              <a:rPr lang="fr-FR" dirty="0"/>
+              <a:t>PBS</a:t>
+            </a:r>
+          </a:p>
+        </p:txBody>
+      </p:sp>
+      <p:pic>
+        <p:nvPicPr>
+          <p:cNvPr id="4" name="Espace réservé du contenu 3">
+            <a:extLst>
+              <a:ext uri="{FF2B5EF4-FFF2-40B4-BE49-F238E27FC236}">
+                <a16:creationId xmlns:a16="http://schemas.microsoft.com/office/drawing/2014/main" id="{C0A585E2-FD72-40B0-ACE3-4426796CE59D}"/>
+              </a:ext>
+            </a:extLst>
+          </p:cNvPr>
+          <p:cNvPicPr>
+            <a:picLocks noGrp="1"/>
+          </p:cNvPicPr>
+          <p:nvPr>
+            <p:ph idx="1"/>
+          </p:nvPr>
+        </p:nvPicPr>
+        <p:blipFill rotWithShape="1">
+          <a:blip r:embed="rId2" cstate="print">
+            <a:extLst>
+              <a:ext uri="{28A0092B-C50C-407E-A947-70E740481C1C}">
+                <a14:useLocalDpi xmlns:a14="http://schemas.microsoft.com/office/drawing/2010/main" val="0"/>
+              </a:ext>
+            </a:extLst>
+          </a:blip>
+          <a:srcRect l="2435" t="8320" r="2458" b="6610"/>
+          <a:stretch/>
+        </p:blipFill>
+        <p:spPr bwMode="auto">
+          <a:xfrm>
+            <a:off x="276225" y="2705100"/>
+            <a:ext cx="9613860" cy="3276599"/>
           </a:xfrm>
           <a:prstGeom prst="rect">
             <a:avLst/>
@@ -9552,25 +11265,26 @@
           <a:ln>
             <a:noFill/>
           </a:ln>
-          <a:effectLst>
-            <a:outerShdw blurRad="76200" dist="63500" dir="5040000" algn="tl" rotWithShape="0">
-              <a:srgbClr val="000000">
-                <a:alpha val="41000"/>
-              </a:srgbClr>
-            </a:outerShdw>
-          </a:effectLst>
+          <a:extLst>
+            <a:ext uri="{53640926-AAD7-44D8-BBD7-CCE9431645EC}">
+              <a14:shadowObscured xmlns:a14="http://schemas.microsoft.com/office/drawing/2010/main"/>
+            </a:ext>
+          </a:extLst>
         </p:spPr>
       </p:pic>
     </p:spTree>
     <p:extLst>
       <p:ext uri="{BB962C8B-B14F-4D97-AF65-F5344CB8AC3E}">
-        <p14:creationId xmlns:p14="http://schemas.microsoft.com/office/powerpoint/2010/main" val="1393890982"/>
+        <p14:creationId xmlns:p14="http://schemas.microsoft.com/office/powerpoint/2010/main" val="1705714131"/>
       </p:ext>
     </p:extLst>
   </p:cSld>
   <p:clrMapOvr>
     <a:masterClrMapping/>
   </p:clrMapOvr>
+  <p:transition spd="slow">
+    <p:push dir="u"/>
+  </p:transition>
 </p:sld>
 </file>
 
@@ -9826,4 +11540,299 @@
     </a:ext>
   </a:extLst>
 </a:theme>
+</file>
+
+<file path=ppt/theme/theme2.xml><?xml version="1.0" encoding="utf-8"?>
+<a:theme xmlns:a="http://schemas.openxmlformats.org/drawingml/2006/main" name="Thème Office">
+  <a:themeElements>
+    <a:clrScheme name="Office">
+      <a:dk1>
+        <a:sysClr val="windowText" lastClr="000000"/>
+      </a:dk1>
+      <a:lt1>
+        <a:sysClr val="window" lastClr="FFFFFF"/>
+      </a:lt1>
+      <a:dk2>
+        <a:srgbClr val="44546A"/>
+      </a:dk2>
+      <a:lt2>
+        <a:srgbClr val="E7E6E6"/>
+      </a:lt2>
+      <a:accent1>
+        <a:srgbClr val="4472C4"/>
+      </a:accent1>
+      <a:accent2>
+        <a:srgbClr val="ED7D31"/>
+      </a:accent2>
+      <a:accent3>
+        <a:srgbClr val="A5A5A5"/>
+      </a:accent3>
+      <a:accent4>
+        <a:srgbClr val="FFC000"/>
+      </a:accent4>
+      <a:accent5>
+        <a:srgbClr val="5B9BD5"/>
+      </a:accent5>
+      <a:accent6>
+        <a:srgbClr val="70AD47"/>
+      </a:accent6>
+      <a:hlink>
+        <a:srgbClr val="0563C1"/>
+      </a:hlink>
+      <a:folHlink>
+        <a:srgbClr val="954F72"/>
+      </a:folHlink>
+    </a:clrScheme>
+    <a:fontScheme name="Office">
+      <a:majorFont>
+        <a:latin typeface="Calibri Light" panose="020F0302020204030204"/>
+        <a:ea typeface=""/>
+        <a:cs typeface=""/>
+        <a:font script="Jpan" typeface="游ゴシック Light"/>
+        <a:font script="Hang" typeface="맑은 고딕"/>
+        <a:font script="Hans" typeface="等线 Light"/>
+        <a:font script="Hant" typeface="新細明體"/>
+        <a:font script="Arab" typeface="Times New Roman"/>
+        <a:font script="Hebr" typeface="Times New Roman"/>
+        <a:font script="Thai" typeface="Angsana New"/>
+        <a:font script="Ethi" typeface="Nyala"/>
+        <a:font script="Beng" typeface="Vrinda"/>
+        <a:font script="Gujr" typeface="Shruti"/>
+        <a:font script="Khmr" typeface="MoolBoran"/>
+        <a:font script="Knda" typeface="Tunga"/>
+        <a:font script="Guru" typeface="Raavi"/>
+        <a:font script="Cans" typeface="Euphemia"/>
+        <a:font script="Cher" typeface="Plantagenet Cherokee"/>
+        <a:font script="Yiii" typeface="Microsoft Yi Baiti"/>
+        <a:font script="Tibt" typeface="Microsoft Himalaya"/>
+        <a:font script="Thaa" typeface="MV Boli"/>
+        <a:font script="Deva" typeface="Mangal"/>
+        <a:font script="Telu" typeface="Gautami"/>
+        <a:font script="Taml" typeface="Latha"/>
+        <a:font script="Syrc" typeface="Estrangelo Edessa"/>
+        <a:font script="Orya" typeface="Kalinga"/>
+        <a:font script="Mlym" typeface="Kartika"/>
+        <a:font script="Laoo" typeface="DokChampa"/>
+        <a:font script="Sinh" typeface="Iskoola Pota"/>
+        <a:font script="Mong" typeface="Mongolian Baiti"/>
+        <a:font script="Viet" typeface="Times New Roman"/>
+        <a:font script="Uigh" typeface="Microsoft Uighur"/>
+        <a:font script="Geor" typeface="Sylfaen"/>
+        <a:font script="Armn" typeface="Arial"/>
+        <a:font script="Bugi" typeface="Leelawadee UI"/>
+        <a:font script="Bopo" typeface="Microsoft JhengHei"/>
+        <a:font script="Java" typeface="Javanese Text"/>
+        <a:font script="Lisu" typeface="Segoe UI"/>
+        <a:font script="Mymr" typeface="Myanmar Text"/>
+        <a:font script="Nkoo" typeface="Ebrima"/>
+        <a:font script="Olck" typeface="Nirmala UI"/>
+        <a:font script="Osma" typeface="Ebrima"/>
+        <a:font script="Phag" typeface="Phagspa"/>
+        <a:font script="Syrn" typeface="Estrangelo Edessa"/>
+        <a:font script="Syrj" typeface="Estrangelo Edessa"/>
+        <a:font script="Syre" typeface="Estrangelo Edessa"/>
+        <a:font script="Sora" typeface="Nirmala UI"/>
+        <a:font script="Tale" typeface="Microsoft Tai Le"/>
+        <a:font script="Talu" typeface="Microsoft New Tai Lue"/>
+        <a:font script="Tfng" typeface="Ebrima"/>
+      </a:majorFont>
+      <a:minorFont>
+        <a:latin typeface="Calibri" panose="020F0502020204030204"/>
+        <a:ea typeface=""/>
+        <a:cs typeface=""/>
+        <a:font script="Jpan" typeface="游ゴシック"/>
+        <a:font script="Hang" typeface="맑은 고딕"/>
+        <a:font script="Hans" typeface="等线"/>
+        <a:font script="Hant" typeface="新細明體"/>
+        <a:font script="Arab" typeface="Arial"/>
+        <a:font script="Hebr" typeface="Arial"/>
+        <a:font script="Thai" typeface="Cordia New"/>
+        <a:font script="Ethi" typeface="Nyala"/>
+        <a:font script="Beng" typeface="Vrinda"/>
+        <a:font script="Gujr" typeface="Shruti"/>
+        <a:font script="Khmr" typeface="DaunPenh"/>
+        <a:font script="Knda" typeface="Tunga"/>
+        <a:font script="Guru" typeface="Raavi"/>
+        <a:font script="Cans" typeface="Euphemia"/>
+        <a:font script="Cher" typeface="Plantagenet Cherokee"/>
+        <a:font script="Yiii" typeface="Microsoft Yi Baiti"/>
+        <a:font script="Tibt" typeface="Microsoft Himalaya"/>
+        <a:font script="Thaa" typeface="MV Boli"/>
+        <a:font script="Deva" typeface="Mangal"/>
+        <a:font script="Telu" typeface="Gautami"/>
+        <a:font script="Taml" typeface="Latha"/>
+        <a:font script="Syrc" typeface="Estrangelo Edessa"/>
+        <a:font script="Orya" typeface="Kalinga"/>
+        <a:font script="Mlym" typeface="Kartika"/>
+        <a:font script="Laoo" typeface="DokChampa"/>
+        <a:font script="Sinh" typeface="Iskoola Pota"/>
+        <a:font script="Mong" typeface="Mongolian Baiti"/>
+        <a:font script="Viet" typeface="Arial"/>
+        <a:font script="Uigh" typeface="Microsoft Uighur"/>
+        <a:font script="Geor" typeface="Sylfaen"/>
+        <a:font script="Armn" typeface="Arial"/>
+        <a:font script="Bugi" typeface="Leelawadee UI"/>
+        <a:font script="Bopo" typeface="Microsoft JhengHei"/>
+        <a:font script="Java" typeface="Javanese Text"/>
+        <a:font script="Lisu" typeface="Segoe UI"/>
+        <a:font script="Mymr" typeface="Myanmar Text"/>
+        <a:font script="Nkoo" typeface="Ebrima"/>
+        <a:font script="Olck" typeface="Nirmala UI"/>
+        <a:font script="Osma" typeface="Ebrima"/>
+        <a:font script="Phag" typeface="Phagspa"/>
+        <a:font script="Syrn" typeface="Estrangelo Edessa"/>
+        <a:font script="Syrj" typeface="Estrangelo Edessa"/>
+        <a:font script="Syre" typeface="Estrangelo Edessa"/>
+        <a:font script="Sora" typeface="Nirmala UI"/>
+        <a:font script="Tale" typeface="Microsoft Tai Le"/>
+        <a:font script="Talu" typeface="Microsoft New Tai Lue"/>
+        <a:font script="Tfng" typeface="Ebrima"/>
+      </a:minorFont>
+    </a:fontScheme>
+    <a:fmtScheme name="Office">
+      <a:fillStyleLst>
+        <a:solidFill>
+          <a:schemeClr val="phClr"/>
+        </a:solidFill>
+        <a:gradFill rotWithShape="1">
+          <a:gsLst>
+            <a:gs pos="0">
+              <a:schemeClr val="phClr">
+                <a:lumMod val="110000"/>
+                <a:satMod val="105000"/>
+                <a:tint val="67000"/>
+              </a:schemeClr>
+            </a:gs>
+            <a:gs pos="50000">
+              <a:schemeClr val="phClr">
+                <a:lumMod val="105000"/>
+                <a:satMod val="103000"/>
+                <a:tint val="73000"/>
+              </a:schemeClr>
+            </a:gs>
+            <a:gs pos="100000">
+              <a:schemeClr val="phClr">
+                <a:lumMod val="105000"/>
+                <a:satMod val="109000"/>
+                <a:tint val="81000"/>
+              </a:schemeClr>
+            </a:gs>
+          </a:gsLst>
+          <a:lin ang="5400000" scaled="0"/>
+        </a:gradFill>
+        <a:gradFill rotWithShape="1">
+          <a:gsLst>
+            <a:gs pos="0">
+              <a:schemeClr val="phClr">
+                <a:satMod val="103000"/>
+                <a:lumMod val="102000"/>
+                <a:tint val="94000"/>
+              </a:schemeClr>
+            </a:gs>
+            <a:gs pos="50000">
+              <a:schemeClr val="phClr">
+                <a:satMod val="110000"/>
+                <a:lumMod val="100000"/>
+                <a:shade val="100000"/>
+              </a:schemeClr>
+            </a:gs>
+            <a:gs pos="100000">
+              <a:schemeClr val="phClr">
+                <a:lumMod val="99000"/>
+                <a:satMod val="120000"/>
+                <a:shade val="78000"/>
+              </a:schemeClr>
+            </a:gs>
+          </a:gsLst>
+          <a:lin ang="5400000" scaled="0"/>
+        </a:gradFill>
+      </a:fillStyleLst>
+      <a:lnStyleLst>
+        <a:ln w="6350" cap="flat" cmpd="sng" algn="ctr">
+          <a:solidFill>
+            <a:schemeClr val="phClr"/>
+          </a:solidFill>
+          <a:prstDash val="solid"/>
+          <a:miter lim="800000"/>
+        </a:ln>
+        <a:ln w="12700" cap="flat" cmpd="sng" algn="ctr">
+          <a:solidFill>
+            <a:schemeClr val="phClr"/>
+          </a:solidFill>
+          <a:prstDash val="solid"/>
+          <a:miter lim="800000"/>
+        </a:ln>
+        <a:ln w="19050" cap="flat" cmpd="sng" algn="ctr">
+          <a:solidFill>
+            <a:schemeClr val="phClr"/>
+          </a:solidFill>
+          <a:prstDash val="solid"/>
+          <a:miter lim="800000"/>
+        </a:ln>
+      </a:lnStyleLst>
+      <a:effectStyleLst>
+        <a:effectStyle>
+          <a:effectLst/>
+        </a:effectStyle>
+        <a:effectStyle>
+          <a:effectLst/>
+        </a:effectStyle>
+        <a:effectStyle>
+          <a:effectLst>
+            <a:outerShdw blurRad="57150" dist="19050" dir="5400000" algn="ctr" rotWithShape="0">
+              <a:srgbClr val="000000">
+                <a:alpha val="63000"/>
+              </a:srgbClr>
+            </a:outerShdw>
+          </a:effectLst>
+        </a:effectStyle>
+      </a:effectStyleLst>
+      <a:bgFillStyleLst>
+        <a:solidFill>
+          <a:schemeClr val="phClr"/>
+        </a:solidFill>
+        <a:solidFill>
+          <a:schemeClr val="phClr">
+            <a:tint val="95000"/>
+            <a:satMod val="170000"/>
+          </a:schemeClr>
+        </a:solidFill>
+        <a:gradFill rotWithShape="1">
+          <a:gsLst>
+            <a:gs pos="0">
+              <a:schemeClr val="phClr">
+                <a:tint val="93000"/>
+                <a:satMod val="150000"/>
+                <a:shade val="98000"/>
+                <a:lumMod val="102000"/>
+              </a:schemeClr>
+            </a:gs>
+            <a:gs pos="50000">
+              <a:schemeClr val="phClr">
+                <a:tint val="98000"/>
+                <a:satMod val="130000"/>
+                <a:shade val="90000"/>
+                <a:lumMod val="103000"/>
+              </a:schemeClr>
+            </a:gs>
+            <a:gs pos="100000">
+              <a:schemeClr val="phClr">
+                <a:shade val="63000"/>
+                <a:satMod val="120000"/>
+              </a:schemeClr>
+            </a:gs>
+          </a:gsLst>
+          <a:lin ang="5400000" scaled="0"/>
+        </a:gradFill>
+      </a:bgFillStyleLst>
+    </a:fmtScheme>
+  </a:themeElements>
+  <a:objectDefaults/>
+  <a:extraClrSchemeLst/>
+  <a:extLst>
+    <a:ext uri="{05A4C25C-085E-4340-85A3-A5531E510DB2}">
+      <thm15:themeFamily xmlns:thm15="http://schemas.microsoft.com/office/thememl/2012/main" name="Office Theme" id="{62F939B6-93AF-4DB8-9C6B-D6C7DFDC589F}" vid="{4A3C46E8-61CC-4603-A589-7422A47A8E4A}"/>
+    </a:ext>
+  </a:extLst>
+</a:theme>
 </file>
--- a/LIVRABLE-1/Projet Madera.pptx
+++ b/LIVRABLE-1/Projet Madera.pptx
@@ -895,7 +895,7 @@
           <a:p>
             <a:r>
               <a:rPr lang="fr-FR" dirty="0"/>
-              <a:t>Livrable 3 : Développement et analyse 	140j</a:t>
+              <a:t>Livrable 3 : Développement 		140j</a:t>
             </a:r>
           </a:p>
           <a:p>
@@ -1002,9 +1002,22 @@
               <a:rPr lang="fr-FR" dirty="0"/>
               <a:t>Explication SWOT : </a:t>
             </a:r>
-          </a:p>
-          <a:p>
-            <a:endParaRPr lang="fr-FR" dirty="0"/>
+            <a:r>
+              <a:rPr lang="fr-FR" sz="1200" b="0" i="0" kern="1200" dirty="0">
+                <a:solidFill>
+                  <a:schemeClr val="tx1"/>
+                </a:solidFill>
+                <a:effectLst/>
+                <a:latin typeface="+mn-lt"/>
+                <a:ea typeface="+mn-ea"/>
+                <a:cs typeface="+mn-cs"/>
+              </a:rPr>
+              <a:t>un outil de stratégie permettant de déterminer les options offertes </a:t>
+            </a:r>
+            <a:r>
+              <a:rPr lang="fr-FR" dirty="0"/>
+              <a:t>par un projet</a:t>
+            </a:r>
           </a:p>
           <a:p>
             <a:endParaRPr lang="fr-FR" dirty="0"/>
@@ -1014,12 +1027,6 @@
               <a:rPr lang="fr-FR" dirty="0"/>
               <a:t>Risques : </a:t>
             </a:r>
-          </a:p>
-          <a:p>
-            <a:endParaRPr lang="fr-FR" dirty="0"/>
-          </a:p>
-          <a:p>
-            <a:endParaRPr lang="fr-FR" dirty="0"/>
           </a:p>
           <a:p>
             <a:r>
@@ -9523,6 +9530,9 @@
   <p:clrMapOvr>
     <a:masterClrMapping/>
   </p:clrMapOvr>
+  <p:transition spd="slow">
+    <p:push dir="u"/>
+  </p:transition>
 </p:sld>
 </file>
 
@@ -10562,6 +10572,9 @@
   <p:clrMapOvr>
     <a:masterClrMapping/>
   </p:clrMapOvr>
+  <p:transition spd="slow">
+    <p:push dir="u"/>
+  </p:transition>
 </p:sld>
 </file>
 

--- a/LIVRABLE-1/Projet Madera.pptx
+++ b/LIVRABLE-1/Projet Madera.pptx
@@ -998,6 +998,367 @@
           <a:bodyPr/>
           <a:lstStyle/>
           <a:p>
+            <a:endParaRPr lang="fr-FR" dirty="0">
+              <a:effectLst/>
+            </a:endParaRPr>
+          </a:p>
+          <a:p>
+            <a:pPr lvl="1"/>
+            <a:r>
+              <a:rPr lang="fr-FR" sz="1200" kern="1200" dirty="0">
+                <a:solidFill>
+                  <a:schemeClr val="tx1"/>
+                </a:solidFill>
+                <a:effectLst/>
+                <a:latin typeface="+mn-lt"/>
+                <a:ea typeface="+mn-ea"/>
+                <a:cs typeface="+mn-cs"/>
+              </a:rPr>
+              <a:t>décomposition hiérarchique des travaux réalisés pour le livrable 1</a:t>
+            </a:r>
+          </a:p>
+          <a:p>
+            <a:br>
+              <a:rPr lang="fr-FR" sz="1200" kern="1200" dirty="0">
+                <a:solidFill>
+                  <a:schemeClr val="tx1"/>
+                </a:solidFill>
+                <a:effectLst/>
+                <a:latin typeface="+mn-lt"/>
+                <a:ea typeface="+mn-ea"/>
+                <a:cs typeface="+mn-cs"/>
+              </a:rPr>
+            </a:br>
+            <a:endParaRPr lang="fr-FR" sz="1200" kern="1200" dirty="0">
+              <a:solidFill>
+                <a:schemeClr val="tx1"/>
+              </a:solidFill>
+              <a:effectLst/>
+              <a:latin typeface="+mn-lt"/>
+              <a:ea typeface="+mn-ea"/>
+              <a:cs typeface="+mn-cs"/>
+            </a:endParaRPr>
+          </a:p>
+          <a:p>
+            <a:pPr lvl="1"/>
+            <a:r>
+              <a:rPr lang="fr-FR" sz="1200" b="1" u="sng" kern="1200" dirty="0">
+                <a:solidFill>
+                  <a:schemeClr val="tx1"/>
+                </a:solidFill>
+                <a:effectLst/>
+                <a:latin typeface="+mn-lt"/>
+                <a:ea typeface="+mn-ea"/>
+                <a:cs typeface="+mn-cs"/>
+              </a:rPr>
+              <a:t>Lancement de projet : Préparation du projet </a:t>
+            </a:r>
+            <a:endParaRPr lang="fr-FR" sz="1200" kern="1200" dirty="0">
+              <a:solidFill>
+                <a:schemeClr val="tx1"/>
+              </a:solidFill>
+              <a:effectLst/>
+              <a:latin typeface="+mn-lt"/>
+              <a:ea typeface="+mn-ea"/>
+              <a:cs typeface="+mn-cs"/>
+            </a:endParaRPr>
+          </a:p>
+          <a:p>
+            <a:pPr lvl="2"/>
+            <a:r>
+              <a:rPr lang="fr-FR" sz="1200" kern="1200" dirty="0">
+                <a:solidFill>
+                  <a:schemeClr val="tx1"/>
+                </a:solidFill>
+                <a:effectLst/>
+                <a:latin typeface="+mn-lt"/>
+                <a:ea typeface="+mn-ea"/>
+                <a:cs typeface="+mn-cs"/>
+              </a:rPr>
+              <a:t>Analyse du sujet : Étude des besoins initiaux du client</a:t>
+            </a:r>
+          </a:p>
+          <a:p>
+            <a:pPr lvl="2"/>
+            <a:r>
+              <a:rPr lang="fr-FR" sz="1200" kern="1200" dirty="0">
+                <a:solidFill>
+                  <a:schemeClr val="tx1"/>
+                </a:solidFill>
+                <a:effectLst/>
+                <a:latin typeface="+mn-lt"/>
+                <a:ea typeface="+mn-ea"/>
+                <a:cs typeface="+mn-cs"/>
+              </a:rPr>
+              <a:t>Reformulation du besoin : Redéfinition des besoins techniques du projet</a:t>
+            </a:r>
+          </a:p>
+          <a:p>
+            <a:pPr lvl="2"/>
+            <a:r>
+              <a:rPr lang="fr-FR" sz="1200" kern="1200" dirty="0">
+                <a:solidFill>
+                  <a:schemeClr val="tx1"/>
+                </a:solidFill>
+                <a:effectLst/>
+                <a:latin typeface="+mn-lt"/>
+                <a:ea typeface="+mn-ea"/>
+                <a:cs typeface="+mn-cs"/>
+              </a:rPr>
+              <a:t>Note de cadrage : Présentation d’une solution temporaire au client -&gt; préparation analyse fonctionnel</a:t>
+            </a:r>
+          </a:p>
+          <a:p>
+            <a:br>
+              <a:rPr lang="fr-FR" sz="1200" kern="1200" dirty="0">
+                <a:solidFill>
+                  <a:schemeClr val="tx1"/>
+                </a:solidFill>
+                <a:effectLst/>
+                <a:latin typeface="+mn-lt"/>
+                <a:ea typeface="+mn-ea"/>
+                <a:cs typeface="+mn-cs"/>
+              </a:rPr>
+            </a:br>
+            <a:endParaRPr lang="fr-FR" sz="1200" kern="1200" dirty="0">
+              <a:solidFill>
+                <a:schemeClr val="tx1"/>
+              </a:solidFill>
+              <a:effectLst/>
+              <a:latin typeface="+mn-lt"/>
+              <a:ea typeface="+mn-ea"/>
+              <a:cs typeface="+mn-cs"/>
+            </a:endParaRPr>
+          </a:p>
+          <a:p>
+            <a:pPr lvl="1"/>
+            <a:r>
+              <a:rPr lang="fr-FR" sz="1200" b="1" u="sng" kern="1200" dirty="0">
+                <a:solidFill>
+                  <a:schemeClr val="tx1"/>
+                </a:solidFill>
+                <a:effectLst/>
+                <a:latin typeface="+mn-lt"/>
+                <a:ea typeface="+mn-ea"/>
+                <a:cs typeface="+mn-cs"/>
+              </a:rPr>
+              <a:t>Analyse fonctionnel : Mise en place du premier livrable</a:t>
+            </a:r>
+            <a:endParaRPr lang="fr-FR" sz="1200" kern="1200" dirty="0">
+              <a:solidFill>
+                <a:schemeClr val="tx1"/>
+              </a:solidFill>
+              <a:effectLst/>
+              <a:latin typeface="+mn-lt"/>
+              <a:ea typeface="+mn-ea"/>
+              <a:cs typeface="+mn-cs"/>
+            </a:endParaRPr>
+          </a:p>
+          <a:p>
+            <a:pPr lvl="2"/>
+            <a:r>
+              <a:rPr lang="fr-FR" sz="1200" kern="1200" dirty="0">
+                <a:solidFill>
+                  <a:schemeClr val="tx1"/>
+                </a:solidFill>
+                <a:effectLst/>
+                <a:latin typeface="+mn-lt"/>
+                <a:ea typeface="+mn-ea"/>
+                <a:cs typeface="+mn-cs"/>
+              </a:rPr>
+              <a:t>Création planning prévisionnel </a:t>
+            </a:r>
+          </a:p>
+          <a:p>
+            <a:pPr lvl="2"/>
+            <a:r>
+              <a:rPr lang="fr-FR" sz="1200" kern="1200" dirty="0">
+                <a:solidFill>
+                  <a:schemeClr val="tx1"/>
+                </a:solidFill>
+                <a:effectLst/>
+                <a:latin typeface="+mn-lt"/>
+                <a:ea typeface="+mn-ea"/>
+                <a:cs typeface="+mn-cs"/>
+              </a:rPr>
+              <a:t>Gestion système documentaire : Tri des différents documents </a:t>
+            </a:r>
+          </a:p>
+          <a:p>
+            <a:pPr lvl="2"/>
+            <a:r>
+              <a:rPr lang="fr-FR" sz="1200" kern="1200" dirty="0">
+                <a:solidFill>
+                  <a:schemeClr val="tx1"/>
+                </a:solidFill>
+                <a:effectLst/>
+                <a:latin typeface="+mn-lt"/>
+                <a:ea typeface="+mn-ea"/>
+                <a:cs typeface="+mn-cs"/>
+              </a:rPr>
+              <a:t>Découpage et hiérarchisation des fonctions : méthode agile (romain)</a:t>
+            </a:r>
+          </a:p>
+          <a:p>
+            <a:pPr lvl="2"/>
+            <a:r>
+              <a:rPr lang="fr-FR" sz="1200" kern="1200" dirty="0">
+                <a:solidFill>
+                  <a:schemeClr val="tx1"/>
+                </a:solidFill>
+                <a:effectLst/>
+                <a:latin typeface="+mn-lt"/>
+                <a:ea typeface="+mn-ea"/>
+                <a:cs typeface="+mn-cs"/>
+              </a:rPr>
+              <a:t>Grille d’analyse des risques : SWOT -&gt; forces, faiblesses, opportunités, menaces</a:t>
+            </a:r>
+          </a:p>
+          <a:p>
+            <a:pPr lvl="2"/>
+            <a:r>
+              <a:rPr lang="fr-FR" sz="1200" kern="1200" dirty="0">
+                <a:solidFill>
+                  <a:schemeClr val="tx1"/>
+                </a:solidFill>
+                <a:effectLst/>
+                <a:latin typeface="+mn-lt"/>
+                <a:ea typeface="+mn-ea"/>
+                <a:cs typeface="+mn-cs"/>
+              </a:rPr>
+              <a:t>Structure de l’équipe et rôles : méthode agile (romain)</a:t>
+            </a:r>
+          </a:p>
+          <a:p>
+            <a:pPr lvl="2"/>
+            <a:r>
+              <a:rPr lang="fr-FR" sz="1200" kern="1200" dirty="0">
+                <a:solidFill>
+                  <a:schemeClr val="tx1"/>
+                </a:solidFill>
+                <a:effectLst/>
+                <a:latin typeface="+mn-lt"/>
+                <a:ea typeface="+mn-ea"/>
+                <a:cs typeface="+mn-cs"/>
+              </a:rPr>
+              <a:t>Diagramme de cas d’utilisation </a:t>
+            </a:r>
+          </a:p>
+          <a:p>
+            <a:pPr lvl="2"/>
+            <a:r>
+              <a:rPr lang="fr-FR" sz="1200" kern="1200" dirty="0">
+                <a:solidFill>
+                  <a:schemeClr val="tx1"/>
+                </a:solidFill>
+                <a:effectLst/>
+                <a:latin typeface="+mn-lt"/>
+                <a:ea typeface="+mn-ea"/>
+                <a:cs typeface="+mn-cs"/>
+              </a:rPr>
+              <a:t>WBS</a:t>
+            </a:r>
+          </a:p>
+          <a:p>
+            <a:pPr lvl="2"/>
+            <a:r>
+              <a:rPr lang="fr-FR" sz="1200" kern="1200">
+                <a:solidFill>
+                  <a:schemeClr val="tx1"/>
+                </a:solidFill>
+                <a:effectLst/>
+                <a:latin typeface="+mn-lt"/>
+                <a:ea typeface="+mn-ea"/>
+                <a:cs typeface="+mn-cs"/>
+              </a:rPr>
+              <a:t>PBS : Description des différentes fonctions de la solution </a:t>
+            </a:r>
+          </a:p>
+          <a:p>
+            <a:endParaRPr lang="fr-FR"/>
+          </a:p>
+        </p:txBody>
+      </p:sp>
+      <p:sp>
+        <p:nvSpPr>
+          <p:cNvPr id="4" name="Espace réservé du numéro de diapositive 3"/>
+          <p:cNvSpPr>
+            <a:spLocks noGrp="1"/>
+          </p:cNvSpPr>
+          <p:nvPr>
+            <p:ph type="sldNum" sz="quarter" idx="5"/>
+          </p:nvPr>
+        </p:nvSpPr>
+        <p:spPr/>
+        <p:txBody>
+          <a:bodyPr/>
+          <a:lstStyle/>
+          <a:p>
+            <a:fld id="{A4398319-E21C-4226-9771-24912F5B4C11}" type="slidenum">
+              <a:rPr lang="fr-FR" smtClean="0"/>
+              <a:t>6</a:t>
+            </a:fld>
+            <a:endParaRPr lang="fr-FR"/>
+          </a:p>
+        </p:txBody>
+      </p:sp>
+    </p:spTree>
+    <p:extLst>
+      <p:ext uri="{BB962C8B-B14F-4D97-AF65-F5344CB8AC3E}">
+        <p14:creationId xmlns:p14="http://schemas.microsoft.com/office/powerpoint/2010/main" val="1367831788"/>
+      </p:ext>
+    </p:extLst>
+  </p:cSld>
+  <p:clrMapOvr>
+    <a:masterClrMapping/>
+  </p:clrMapOvr>
+</p:notes>
+</file>
+
+<file path=ppt/notesSlides/notesSlide6.xml><?xml version="1.0" encoding="utf-8"?>
+<p:notes xmlns:a="http://schemas.openxmlformats.org/drawingml/2006/main" xmlns:r="http://schemas.openxmlformats.org/officeDocument/2006/relationships" xmlns:p="http://schemas.openxmlformats.org/presentationml/2006/main">
+  <p:cSld>
+    <p:spTree>
+      <p:nvGrpSpPr>
+        <p:cNvPr id="1" name=""/>
+        <p:cNvGrpSpPr/>
+        <p:nvPr/>
+      </p:nvGrpSpPr>
+      <p:grpSpPr>
+        <a:xfrm>
+          <a:off x="0" y="0"/>
+          <a:ext cx="0" cy="0"/>
+          <a:chOff x="0" y="0"/>
+          <a:chExt cx="0" cy="0"/>
+        </a:xfrm>
+      </p:grpSpPr>
+      <p:sp>
+        <p:nvSpPr>
+          <p:cNvPr id="2" name="Espace réservé de l'image des diapositives 1"/>
+          <p:cNvSpPr>
+            <a:spLocks noGrp="1" noRot="1" noChangeAspect="1"/>
+          </p:cNvSpPr>
+          <p:nvPr>
+            <p:ph type="sldImg"/>
+          </p:nvPr>
+        </p:nvSpPr>
+        <p:spPr/>
+      </p:sp>
+      <p:sp>
+        <p:nvSpPr>
+          <p:cNvPr id="3" name="Espace réservé des notes 2"/>
+          <p:cNvSpPr>
+            <a:spLocks noGrp="1"/>
+          </p:cNvSpPr>
+          <p:nvPr>
+            <p:ph type="body" idx="1"/>
+          </p:nvPr>
+        </p:nvSpPr>
+        <p:spPr/>
+        <p:txBody>
+          <a:bodyPr/>
+          <a:lstStyle/>
+          <a:p>
             <a:r>
               <a:rPr lang="fr-FR" dirty="0"/>
               <a:t>Explication SWOT : </a:t>
@@ -1141,7 +1502,7 @@
 </p:notes>
 </file>
 
-<file path=ppt/notesSlides/notesSlide6.xml><?xml version="1.0" encoding="utf-8"?>
+<file path=ppt/notesSlides/notesSlide7.xml><?xml version="1.0" encoding="utf-8"?>
 <p:notes xmlns:a="http://schemas.openxmlformats.org/drawingml/2006/main" xmlns:r="http://schemas.openxmlformats.org/officeDocument/2006/relationships" xmlns:p="http://schemas.openxmlformats.org/presentationml/2006/main">
   <p:cSld>
     <p:spTree>
@@ -1500,7 +1861,7 @@
             <a:fld id="{B61BEF0D-F0BB-DE4B-95CE-6DB70DBA9567}" type="datetimeFigureOut">
               <a:rPr lang="en-US" smtClean="0"/>
               <a:pPr/>
-              <a:t>4/12/2019</a:t>
+              <a:t>4/12/19</a:t>
             </a:fld>
             <a:endParaRPr lang="en-US" dirty="0"/>
           </a:p>
@@ -1916,7 +2277,7 @@
             <a:fld id="{B61BEF0D-F0BB-DE4B-95CE-6DB70DBA9567}" type="datetimeFigureOut">
               <a:rPr lang="en-US" smtClean="0"/>
               <a:pPr/>
-              <a:t>4/12/2019</a:t>
+              <a:t>4/12/19</a:t>
             </a:fld>
             <a:endParaRPr lang="en-US" dirty="0"/>
           </a:p>
@@ -2254,7 +2615,7 @@
             <a:fld id="{B61BEF0D-F0BB-DE4B-95CE-6DB70DBA9567}" type="datetimeFigureOut">
               <a:rPr lang="en-US" smtClean="0"/>
               <a:pPr/>
-              <a:t>4/12/2019</a:t>
+              <a:t>4/12/19</a:t>
             </a:fld>
             <a:endParaRPr lang="en-US" dirty="0"/>
           </a:p>
@@ -2661,7 +3022,7 @@
             <a:fld id="{B61BEF0D-F0BB-DE4B-95CE-6DB70DBA9567}" type="datetimeFigureOut">
               <a:rPr lang="en-US" smtClean="0"/>
               <a:pPr/>
-              <a:t>4/12/2019</a:t>
+              <a:t>4/12/19</a:t>
             </a:fld>
             <a:endParaRPr lang="en-US" dirty="0"/>
           </a:p>
@@ -3231,7 +3592,7 @@
             <a:fld id="{B61BEF0D-F0BB-DE4B-95CE-6DB70DBA9567}" type="datetimeFigureOut">
               <a:rPr lang="en-US" smtClean="0"/>
               <a:pPr/>
-              <a:t>4/12/2019</a:t>
+              <a:t>4/12/19</a:t>
             </a:fld>
             <a:endParaRPr lang="en-US" dirty="0"/>
           </a:p>
@@ -3914,7 +4275,7 @@
             <a:fld id="{B61BEF0D-F0BB-DE4B-95CE-6DB70DBA9567}" type="datetimeFigureOut">
               <a:rPr lang="en-US" smtClean="0"/>
               <a:pPr/>
-              <a:t>4/12/2019</a:t>
+              <a:t>4/12/19</a:t>
             </a:fld>
             <a:endParaRPr lang="en-US" dirty="0"/>
           </a:p>
@@ -4829,7 +5190,7 @@
             <a:fld id="{B61BEF0D-F0BB-DE4B-95CE-6DB70DBA9567}" type="datetimeFigureOut">
               <a:rPr lang="en-US" smtClean="0"/>
               <a:pPr/>
-              <a:t>4/12/2019</a:t>
+              <a:t>4/12/19</a:t>
             </a:fld>
             <a:endParaRPr lang="en-US" dirty="0"/>
           </a:p>
@@ -5144,7 +5505,7 @@
             <a:fld id="{B61BEF0D-F0BB-DE4B-95CE-6DB70DBA9567}" type="datetimeFigureOut">
               <a:rPr lang="en-US" smtClean="0"/>
               <a:pPr/>
-              <a:t>4/12/2019</a:t>
+              <a:t>4/12/19</a:t>
             </a:fld>
             <a:endParaRPr lang="en-US" dirty="0"/>
           </a:p>
@@ -5410,7 +5771,7 @@
             <a:fld id="{B61BEF0D-F0BB-DE4B-95CE-6DB70DBA9567}" type="datetimeFigureOut">
               <a:rPr lang="en-US" smtClean="0"/>
               <a:pPr/>
-              <a:t>4/12/2019</a:t>
+              <a:t>4/12/19</a:t>
             </a:fld>
             <a:endParaRPr lang="en-US" dirty="0"/>
           </a:p>
@@ -5735,7 +6096,7 @@
             <a:fld id="{B61BEF0D-F0BB-DE4B-95CE-6DB70DBA9567}" type="datetimeFigureOut">
               <a:rPr lang="en-US" smtClean="0"/>
               <a:pPr/>
-              <a:t>4/12/2019</a:t>
+              <a:t>4/12/19</a:t>
             </a:fld>
             <a:endParaRPr lang="en-US" dirty="0"/>
           </a:p>
@@ -6126,7 +6487,7 @@
             <a:fld id="{B61BEF0D-F0BB-DE4B-95CE-6DB70DBA9567}" type="datetimeFigureOut">
               <a:rPr lang="en-US" smtClean="0"/>
               <a:pPr/>
-              <a:t>4/12/2019</a:t>
+              <a:t>4/12/19</a:t>
             </a:fld>
             <a:endParaRPr lang="en-US" dirty="0"/>
           </a:p>
@@ -6504,7 +6865,7 @@
             <a:fld id="{B61BEF0D-F0BB-DE4B-95CE-6DB70DBA9567}" type="datetimeFigureOut">
               <a:rPr lang="en-US" smtClean="0"/>
               <a:pPr/>
-              <a:t>4/12/2019</a:t>
+              <a:t>4/12/19</a:t>
             </a:fld>
             <a:endParaRPr lang="en-US" dirty="0"/>
           </a:p>
@@ -7012,7 +7373,7 @@
             <a:fld id="{B61BEF0D-F0BB-DE4B-95CE-6DB70DBA9567}" type="datetimeFigureOut">
               <a:rPr lang="en-US" smtClean="0"/>
               <a:pPr/>
-              <a:t>4/12/2019</a:t>
+              <a:t>4/12/19</a:t>
             </a:fld>
             <a:endParaRPr lang="en-US" dirty="0"/>
           </a:p>
@@ -7271,7 +7632,7 @@
             <a:fld id="{B61BEF0D-F0BB-DE4B-95CE-6DB70DBA9567}" type="datetimeFigureOut">
               <a:rPr lang="en-US" smtClean="0"/>
               <a:pPr/>
-              <a:t>4/12/2019</a:t>
+              <a:t>4/12/19</a:t>
             </a:fld>
             <a:endParaRPr lang="en-US" dirty="0"/>
           </a:p>
@@ -7436,7 +7797,7 @@
             <a:fld id="{B61BEF0D-F0BB-DE4B-95CE-6DB70DBA9567}" type="datetimeFigureOut">
               <a:rPr lang="en-US" smtClean="0"/>
               <a:pPr/>
-              <a:t>4/12/2019</a:t>
+              <a:t>4/12/19</a:t>
             </a:fld>
             <a:endParaRPr lang="en-US" dirty="0"/>
           </a:p>
@@ -7828,7 +8189,7 @@
             <a:fld id="{B61BEF0D-F0BB-DE4B-95CE-6DB70DBA9567}" type="datetimeFigureOut">
               <a:rPr lang="en-US" smtClean="0"/>
               <a:pPr/>
-              <a:t>4/12/2019</a:t>
+              <a:t>4/12/19</a:t>
             </a:fld>
             <a:endParaRPr lang="en-US" dirty="0"/>
           </a:p>
@@ -8239,7 +8600,7 @@
             <a:fld id="{B61BEF0D-F0BB-DE4B-95CE-6DB70DBA9567}" type="datetimeFigureOut">
               <a:rPr lang="en-US" smtClean="0"/>
               <a:pPr/>
-              <a:t>4/12/2019</a:t>
+              <a:t>4/12/19</a:t>
             </a:fld>
             <a:endParaRPr lang="en-US" dirty="0"/>
           </a:p>
@@ -8485,7 +8846,7 @@
             <a:fld id="{B61BEF0D-F0BB-DE4B-95CE-6DB70DBA9567}" type="datetimeFigureOut">
               <a:rPr lang="en-US" smtClean="0"/>
               <a:pPr/>
-              <a:t>4/12/2019</a:t>
+              <a:t>4/12/19</a:t>
             </a:fld>
             <a:endParaRPr lang="en-US" dirty="0"/>
           </a:p>
@@ -10771,7 +11132,7 @@
           </p:nvPr>
         </p:nvPicPr>
         <p:blipFill>
-          <a:blip r:embed="rId2"/>
+          <a:blip r:embed="rId3"/>
           <a:stretch>
             <a:fillRect/>
           </a:stretch>

--- a/LIVRABLE-1/Projet Madera.pptx
+++ b/LIVRABLE-1/Projet Madera.pptx
@@ -1262,7 +1262,7 @@
           <a:p>
             <a:pPr lvl="2"/>
             <a:r>
-              <a:rPr lang="fr-FR" sz="1200" kern="1200">
+              <a:rPr lang="fr-FR" sz="1200" kern="1200" dirty="0">
                 <a:solidFill>
                   <a:schemeClr val="tx1"/>
                 </a:solidFill>
@@ -1275,7 +1275,7 @@
             </a:r>
           </a:p>
           <a:p>
-            <a:endParaRPr lang="fr-FR"/>
+            <a:endParaRPr lang="fr-FR" dirty="0"/>
           </a:p>
         </p:txBody>
       </p:sp>
@@ -11117,19 +11117,17 @@
       </p:sp>
       <p:pic>
         <p:nvPicPr>
-          <p:cNvPr id="6" name="Espace réservé du contenu 5">
+          <p:cNvPr id="4" name="Image 3" descr="Une image contenant capture d’écran&#10;&#10;Description générée automatiquement">
             <a:extLst>
               <a:ext uri="{FF2B5EF4-FFF2-40B4-BE49-F238E27FC236}">
-                <a16:creationId xmlns:a16="http://schemas.microsoft.com/office/drawing/2014/main" id="{EB7AD893-C922-458A-B672-48FD91620F85}"/>
+                <a16:creationId xmlns:a16="http://schemas.microsoft.com/office/drawing/2014/main" id="{1112B80E-4443-0C49-9E5F-A408774139F1}"/>
               </a:ext>
             </a:extLst>
           </p:cNvPr>
           <p:cNvPicPr>
-            <a:picLocks noGrp="1" noChangeAspect="1"/>
+            <a:picLocks noChangeAspect="1"/>
           </p:cNvPicPr>
-          <p:nvPr>
-            <p:ph idx="1"/>
-          </p:nvPr>
+          <p:nvPr/>
         </p:nvPicPr>
         <p:blipFill>
           <a:blip r:embed="rId3"/>
@@ -11139,9 +11137,12 @@
         </p:blipFill>
         <p:spPr>
           <a:xfrm>
-            <a:off x="681038" y="2474716"/>
-            <a:ext cx="11034712" cy="3814133"/>
-          </a:xfrm>
+            <a:off x="585910" y="2343826"/>
+            <a:ext cx="11020180" cy="3592363"/>
+          </a:xfrm>
+          <a:prstGeom prst="rect">
+            <a:avLst/>
+          </a:prstGeom>
         </p:spPr>
       </p:pic>
     </p:spTree>
